--- a/courses/apcsp/lectures/lect1.pptx
+++ b/courses/apcsp/lectures/lect1.pptx
@@ -23,13 +23,13 @@
     <p:sldId id="270" r:id="rId14"/>
     <p:sldId id="311" r:id="rId15"/>
     <p:sldId id="281" r:id="rId16"/>
-    <p:sldId id="309" r:id="rId17"/>
-    <p:sldId id="551" r:id="rId18"/>
-    <p:sldId id="552" r:id="rId19"/>
-    <p:sldId id="307" r:id="rId20"/>
-    <p:sldId id="304" r:id="rId21"/>
-    <p:sldId id="308" r:id="rId22"/>
-    <p:sldId id="302" r:id="rId23"/>
+    <p:sldId id="553" r:id="rId17"/>
+    <p:sldId id="309" r:id="rId18"/>
+    <p:sldId id="551" r:id="rId19"/>
+    <p:sldId id="552" r:id="rId20"/>
+    <p:sldId id="307" r:id="rId21"/>
+    <p:sldId id="304" r:id="rId22"/>
+    <p:sldId id="308" r:id="rId23"/>
     <p:sldId id="303" r:id="rId24"/>
     <p:sldId id="284" r:id="rId25"/>
   </p:sldIdLst>
@@ -141,7 +141,7 @@
 <file path=ppt/revisionInfo.xml><?xml version="1.0" encoding="utf-8"?>
 <p1510:revInfo xmlns:a="http://schemas.openxmlformats.org/drawingml/2006/main" xmlns:r="http://schemas.openxmlformats.org/officeDocument/2006/relationships" xmlns:p1510="http://schemas.microsoft.com/office/powerpoint/2015/10/main">
   <p1510:revLst>
-    <p1510:client id="{9693B0CB-430D-7248-9519-850962F252D4}" v="2537" dt="2021-05-30T16:40:53.664"/>
+    <p1510:client id="{9693B0CB-430D-7248-9519-850962F252D4}" v="2896" dt="2021-06-03T12:44:25.914"/>
   </p1510:revLst>
 </p1510:revInfo>
 </file>
@@ -638,18 +638,18 @@
   <pc:docChgLst>
     <pc:chgData name="Long B Nguyen" userId="f59fb8f3-a021-417a-8bc1-65c8d471c621" providerId="ADAL" clId="{9693B0CB-430D-7248-9519-850962F252D4}"/>
     <pc:docChg chg="undo custSel addSld delSld modSld">
-      <pc:chgData name="Long B Nguyen" userId="f59fb8f3-a021-417a-8bc1-65c8d471c621" providerId="ADAL" clId="{9693B0CB-430D-7248-9519-850962F252D4}" dt="2021-05-30T16:42:40.235" v="4488" actId="1076"/>
+      <pc:chgData name="Long B Nguyen" userId="f59fb8f3-a021-417a-8bc1-65c8d471c621" providerId="ADAL" clId="{9693B0CB-430D-7248-9519-850962F252D4}" dt="2021-06-03T12:44:25.914" v="5170"/>
       <pc:docMkLst>
         <pc:docMk/>
       </pc:docMkLst>
-      <pc:sldChg chg="modSp">
-        <pc:chgData name="Long B Nguyen" userId="f59fb8f3-a021-417a-8bc1-65c8d471c621" providerId="ADAL" clId="{9693B0CB-430D-7248-9519-850962F252D4}" dt="2021-05-29T06:56:57.444" v="1811" actId="20577"/>
+      <pc:sldChg chg="modSp modAnim">
+        <pc:chgData name="Long B Nguyen" userId="f59fb8f3-a021-417a-8bc1-65c8d471c621" providerId="ADAL" clId="{9693B0CB-430D-7248-9519-850962F252D4}" dt="2021-06-01T16:35:05.772" v="4949" actId="20577"/>
         <pc:sldMkLst>
           <pc:docMk/>
           <pc:sldMk cId="2207246265" sldId="257"/>
         </pc:sldMkLst>
         <pc:spChg chg="mod">
-          <ac:chgData name="Long B Nguyen" userId="f59fb8f3-a021-417a-8bc1-65c8d471c621" providerId="ADAL" clId="{9693B0CB-430D-7248-9519-850962F252D4}" dt="2021-05-29T06:56:57.444" v="1811" actId="20577"/>
+          <ac:chgData name="Long B Nguyen" userId="f59fb8f3-a021-417a-8bc1-65c8d471c621" providerId="ADAL" clId="{9693B0CB-430D-7248-9519-850962F252D4}" dt="2021-06-01T16:35:05.772" v="4949" actId="20577"/>
           <ac:spMkLst>
             <pc:docMk/>
             <pc:sldMk cId="2207246265" sldId="257"/>
@@ -787,7 +787,7 @@
         </pc:cxnChg>
       </pc:sldChg>
       <pc:sldChg chg="addSp delSp modSp mod">
-        <pc:chgData name="Long B Nguyen" userId="f59fb8f3-a021-417a-8bc1-65c8d471c621" providerId="ADAL" clId="{9693B0CB-430D-7248-9519-850962F252D4}" dt="2021-05-30T04:24:41.323" v="2677" actId="20577"/>
+        <pc:chgData name="Long B Nguyen" userId="f59fb8f3-a021-417a-8bc1-65c8d471c621" providerId="ADAL" clId="{9693B0CB-430D-7248-9519-850962F252D4}" dt="2021-06-01T23:15:44.775" v="5063" actId="20577"/>
         <pc:sldMkLst>
           <pc:docMk/>
           <pc:sldMk cId="1690910164" sldId="267"/>
@@ -809,7 +809,7 @@
           </ac:spMkLst>
         </pc:spChg>
         <pc:spChg chg="add mod">
-          <ac:chgData name="Long B Nguyen" userId="f59fb8f3-a021-417a-8bc1-65c8d471c621" providerId="ADAL" clId="{9693B0CB-430D-7248-9519-850962F252D4}" dt="2021-05-30T04:24:41.323" v="2677" actId="20577"/>
+          <ac:chgData name="Long B Nguyen" userId="f59fb8f3-a021-417a-8bc1-65c8d471c621" providerId="ADAL" clId="{9693B0CB-430D-7248-9519-850962F252D4}" dt="2021-06-01T23:15:44.775" v="5063" actId="20577"/>
           <ac:spMkLst>
             <pc:docMk/>
             <pc:sldMk cId="1690910164" sldId="267"/>
@@ -899,7 +899,7 @@
         </pc:sldMkLst>
       </pc:sldChg>
       <pc:sldChg chg="delSp modSp add mod delAnim modAnim">
-        <pc:chgData name="Long B Nguyen" userId="f59fb8f3-a021-417a-8bc1-65c8d471c621" providerId="ADAL" clId="{9693B0CB-430D-7248-9519-850962F252D4}" dt="2021-05-30T04:24:07.760" v="2631" actId="207"/>
+        <pc:chgData name="Long B Nguyen" userId="f59fb8f3-a021-417a-8bc1-65c8d471c621" providerId="ADAL" clId="{9693B0CB-430D-7248-9519-850962F252D4}" dt="2021-06-02T17:12:19.631" v="5167" actId="20577"/>
         <pc:sldMkLst>
           <pc:docMk/>
           <pc:sldMk cId="2778049646" sldId="281"/>
@@ -913,7 +913,7 @@
           </ac:spMkLst>
         </pc:spChg>
         <pc:spChg chg="mod">
-          <ac:chgData name="Long B Nguyen" userId="f59fb8f3-a021-417a-8bc1-65c8d471c621" providerId="ADAL" clId="{9693B0CB-430D-7248-9519-850962F252D4}" dt="2021-05-30T04:24:07.760" v="2631" actId="207"/>
+          <ac:chgData name="Long B Nguyen" userId="f59fb8f3-a021-417a-8bc1-65c8d471c621" providerId="ADAL" clId="{9693B0CB-430D-7248-9519-850962F252D4}" dt="2021-06-02T17:12:02.536" v="5166" actId="20577"/>
           <ac:spMkLst>
             <pc:docMk/>
             <pc:sldMk cId="2778049646" sldId="281"/>
@@ -929,7 +929,7 @@
           </ac:spMkLst>
         </pc:spChg>
         <pc:spChg chg="mod">
-          <ac:chgData name="Long B Nguyen" userId="f59fb8f3-a021-417a-8bc1-65c8d471c621" providerId="ADAL" clId="{9693B0CB-430D-7248-9519-850962F252D4}" dt="2021-05-30T04:22:34.578" v="2559" actId="20577"/>
+          <ac:chgData name="Long B Nguyen" userId="f59fb8f3-a021-417a-8bc1-65c8d471c621" providerId="ADAL" clId="{9693B0CB-430D-7248-9519-850962F252D4}" dt="2021-06-02T17:12:19.631" v="5167" actId="20577"/>
           <ac:spMkLst>
             <pc:docMk/>
             <pc:sldMk cId="2778049646" sldId="281"/>
@@ -1431,7 +1431,7 @@
         </pc:sldMkLst>
       </pc:sldChg>
       <pc:sldChg chg="modSp mod modAnim">
-        <pc:chgData name="Long B Nguyen" userId="f59fb8f3-a021-417a-8bc1-65c8d471c621" providerId="ADAL" clId="{9693B0CB-430D-7248-9519-850962F252D4}" dt="2021-05-29T06:57:45.671" v="1817" actId="14100"/>
+        <pc:chgData name="Long B Nguyen" userId="f59fb8f3-a021-417a-8bc1-65c8d471c621" providerId="ADAL" clId="{9693B0CB-430D-7248-9519-850962F252D4}" dt="2021-06-03T12:44:25.914" v="5170"/>
         <pc:sldMkLst>
           <pc:docMk/>
           <pc:sldMk cId="3618694306" sldId="301"/>
@@ -1453,8 +1453,8 @@
           </ac:spMkLst>
         </pc:spChg>
       </pc:sldChg>
-      <pc:sldChg chg="modSp mod">
-        <pc:chgData name="Long B Nguyen" userId="f59fb8f3-a021-417a-8bc1-65c8d471c621" providerId="ADAL" clId="{9693B0CB-430D-7248-9519-850962F252D4}" dt="2021-05-30T16:35:57.414" v="4472" actId="20577"/>
+      <pc:sldChg chg="modSp del mod">
+        <pc:chgData name="Long B Nguyen" userId="f59fb8f3-a021-417a-8bc1-65c8d471c621" providerId="ADAL" clId="{9693B0CB-430D-7248-9519-850962F252D4}" dt="2021-06-01T16:30:59.858" v="4646" actId="2696"/>
         <pc:sldMkLst>
           <pc:docMk/>
           <pc:sldMk cId="2064379448" sldId="302"/>
@@ -1472,6 +1472,29 @@
           <ac:spMkLst>
             <pc:docMk/>
             <pc:sldMk cId="2064379448" sldId="302"/>
+            <ac:spMk id="9" creationId="{E3B2E017-30B2-884B-A113-B419A2ED51AD}"/>
+          </ac:spMkLst>
+        </pc:spChg>
+      </pc:sldChg>
+      <pc:sldChg chg="modSp mod">
+        <pc:chgData name="Long B Nguyen" userId="f59fb8f3-a021-417a-8bc1-65c8d471c621" providerId="ADAL" clId="{9693B0CB-430D-7248-9519-850962F252D4}" dt="2021-06-01T16:41:26.702" v="4958" actId="20577"/>
+        <pc:sldMkLst>
+          <pc:docMk/>
+          <pc:sldMk cId="3993483693" sldId="303"/>
+        </pc:sldMkLst>
+        <pc:spChg chg="mod">
+          <ac:chgData name="Long B Nguyen" userId="f59fb8f3-a021-417a-8bc1-65c8d471c621" providerId="ADAL" clId="{9693B0CB-430D-7248-9519-850962F252D4}" dt="2021-06-01T16:31:14.062" v="4650" actId="1076"/>
+          <ac:spMkLst>
+            <pc:docMk/>
+            <pc:sldMk cId="3993483693" sldId="303"/>
+            <ac:spMk id="2" creationId="{AA3A228F-61D0-D949-A5E7-F83756230BF8}"/>
+          </ac:spMkLst>
+        </pc:spChg>
+        <pc:spChg chg="mod">
+          <ac:chgData name="Long B Nguyen" userId="f59fb8f3-a021-417a-8bc1-65c8d471c621" providerId="ADAL" clId="{9693B0CB-430D-7248-9519-850962F252D4}" dt="2021-06-01T16:41:26.702" v="4958" actId="20577"/>
+          <ac:spMkLst>
+            <pc:docMk/>
+            <pc:sldMk cId="3993483693" sldId="303"/>
             <ac:spMk id="9" creationId="{E3B2E017-30B2-884B-A113-B419A2ED51AD}"/>
           </ac:spMkLst>
         </pc:spChg>
@@ -1624,7 +1647,7 @@
         </pc:cxnChg>
       </pc:sldChg>
       <pc:sldChg chg="addSp delSp modSp add mod">
-        <pc:chgData name="Long B Nguyen" userId="f59fb8f3-a021-417a-8bc1-65c8d471c621" providerId="ADAL" clId="{9693B0CB-430D-7248-9519-850962F252D4}" dt="2021-05-30T16:28:43.793" v="4150" actId="20577"/>
+        <pc:chgData name="Long B Nguyen" userId="f59fb8f3-a021-417a-8bc1-65c8d471c621" providerId="ADAL" clId="{9693B0CB-430D-7248-9519-850962F252D4}" dt="2021-06-01T16:59:53.819" v="4959" actId="20577"/>
         <pc:sldMkLst>
           <pc:docMk/>
           <pc:sldMk cId="3016287638" sldId="307"/>
@@ -1646,7 +1669,7 @@
           </ac:spMkLst>
         </pc:spChg>
         <pc:spChg chg="mod">
-          <ac:chgData name="Long B Nguyen" userId="f59fb8f3-a021-417a-8bc1-65c8d471c621" providerId="ADAL" clId="{9693B0CB-430D-7248-9519-850962F252D4}" dt="2021-05-30T16:28:43.793" v="4150" actId="20577"/>
+          <ac:chgData name="Long B Nguyen" userId="f59fb8f3-a021-417a-8bc1-65c8d471c621" providerId="ADAL" clId="{9693B0CB-430D-7248-9519-850962F252D4}" dt="2021-06-01T16:59:53.819" v="4959" actId="20577"/>
           <ac:spMkLst>
             <pc:docMk/>
             <pc:sldMk cId="3016287638" sldId="307"/>
@@ -1717,7 +1740,7 @@
         </pc:spChg>
       </pc:sldChg>
       <pc:sldChg chg="modSp add mod modAnim">
-        <pc:chgData name="Long B Nguyen" userId="f59fb8f3-a021-417a-8bc1-65c8d471c621" providerId="ADAL" clId="{9693B0CB-430D-7248-9519-850962F252D4}" dt="2021-05-30T16:41:15.767" v="4484" actId="1076"/>
+        <pc:chgData name="Long B Nguyen" userId="f59fb8f3-a021-417a-8bc1-65c8d471c621" providerId="ADAL" clId="{9693B0CB-430D-7248-9519-850962F252D4}" dt="2021-06-01T23:19:43.919" v="5164" actId="20577"/>
         <pc:sldMkLst>
           <pc:docMk/>
           <pc:sldMk cId="2376452645" sldId="309"/>
@@ -1731,7 +1754,7 @@
           </ac:spMkLst>
         </pc:spChg>
         <pc:spChg chg="mod">
-          <ac:chgData name="Long B Nguyen" userId="f59fb8f3-a021-417a-8bc1-65c8d471c621" providerId="ADAL" clId="{9693B0CB-430D-7248-9519-850962F252D4}" dt="2021-05-29T06:49:13.233" v="1684" actId="20577"/>
+          <ac:chgData name="Long B Nguyen" userId="f59fb8f3-a021-417a-8bc1-65c8d471c621" providerId="ADAL" clId="{9693B0CB-430D-7248-9519-850962F252D4}" dt="2021-06-01T23:19:43.919" v="5164" actId="20577"/>
           <ac:spMkLst>
             <pc:docMk/>
             <pc:sldMk cId="2376452645" sldId="309"/>
@@ -2070,6 +2093,37 @@
           <pc:docMk/>
           <pc:sldMk cId="1016582871" sldId="553"/>
         </pc:sldMkLst>
+      </pc:sldChg>
+      <pc:sldChg chg="addSp delSp modSp new mod">
+        <pc:chgData name="Long B Nguyen" userId="f59fb8f3-a021-417a-8bc1-65c8d471c621" providerId="ADAL" clId="{9693B0CB-430D-7248-9519-850962F252D4}" dt="2021-06-01T23:15:18.356" v="5053"/>
+        <pc:sldMkLst>
+          <pc:docMk/>
+          <pc:sldMk cId="1352026558" sldId="553"/>
+        </pc:sldMkLst>
+        <pc:spChg chg="del">
+          <ac:chgData name="Long B Nguyen" userId="f59fb8f3-a021-417a-8bc1-65c8d471c621" providerId="ADAL" clId="{9693B0CB-430D-7248-9519-850962F252D4}" dt="2021-06-01T23:09:09.489" v="4964" actId="478"/>
+          <ac:spMkLst>
+            <pc:docMk/>
+            <pc:sldMk cId="1352026558" sldId="553"/>
+            <ac:spMk id="2" creationId="{689D7A07-EEE6-D041-B8DE-2FDA6F9CFE7D}"/>
+          </ac:spMkLst>
+        </pc:spChg>
+        <pc:spChg chg="mod">
+          <ac:chgData name="Long B Nguyen" userId="f59fb8f3-a021-417a-8bc1-65c8d471c621" providerId="ADAL" clId="{9693B0CB-430D-7248-9519-850962F252D4}" dt="2021-06-01T23:15:18.356" v="5053"/>
+          <ac:spMkLst>
+            <pc:docMk/>
+            <pc:sldMk cId="1352026558" sldId="553"/>
+            <ac:spMk id="3" creationId="{8FCE7FDF-ED3A-9048-B4EB-118C748ADDB8}"/>
+          </ac:spMkLst>
+        </pc:spChg>
+        <pc:spChg chg="add mod">
+          <ac:chgData name="Long B Nguyen" userId="f59fb8f3-a021-417a-8bc1-65c8d471c621" providerId="ADAL" clId="{9693B0CB-430D-7248-9519-850962F252D4}" dt="2021-06-01T23:09:14.330" v="4972" actId="20577"/>
+          <ac:spMkLst>
+            <pc:docMk/>
+            <pc:sldMk cId="1352026558" sldId="553"/>
+            <ac:spMk id="4" creationId="{3B31F322-65F8-F647-81E8-E4CA9BB43670}"/>
+          </ac:spMkLst>
+        </pc:spChg>
       </pc:sldChg>
     </pc:docChg>
   </pc:docChgLst>
@@ -2715,7 +2769,7 @@
           <a:p>
             <a:fld id="{52977C8B-3199-9A4B-9182-F1B54ABD2553}" type="datetimeFigureOut">
               <a:rPr lang="en-US" smtClean="0"/>
-              <a:t>5/30/21</a:t>
+              <a:t>6/3/21</a:t>
             </a:fld>
             <a:endParaRPr lang="en-US"/>
           </a:p>
@@ -3113,7 +3167,7 @@
           <a:p>
             <a:fld id="{4AAD347D-5ACD-4C99-B74B-A9C85AD731AF}" type="datetimeFigureOut">
               <a:rPr lang="en-US" smtClean="0"/>
-              <a:t>5/30/21</a:t>
+              <a:t>6/3/21</a:t>
             </a:fld>
             <a:endParaRPr lang="en-US" dirty="0"/>
           </a:p>
@@ -3283,7 +3337,7 @@
           <a:p>
             <a:fld id="{4509A250-FF31-4206-8172-F9D3106AACB1}" type="datetimeFigureOut">
               <a:rPr lang="en-US" smtClean="0"/>
-              <a:t>5/30/21</a:t>
+              <a:t>6/3/21</a:t>
             </a:fld>
             <a:endParaRPr lang="en-US" dirty="0"/>
           </a:p>
@@ -3463,7 +3517,7 @@
           <a:p>
             <a:fld id="{4509A250-FF31-4206-8172-F9D3106AACB1}" type="datetimeFigureOut">
               <a:rPr lang="en-US" smtClean="0"/>
-              <a:t>5/30/21</a:t>
+              <a:t>6/3/21</a:t>
             </a:fld>
             <a:endParaRPr lang="en-US" dirty="0"/>
           </a:p>
@@ -3633,7 +3687,7 @@
           <a:p>
             <a:fld id="{4509A250-FF31-4206-8172-F9D3106AACB1}" type="datetimeFigureOut">
               <a:rPr lang="en-US" smtClean="0"/>
-              <a:t>5/30/21</a:t>
+              <a:t>6/3/21</a:t>
             </a:fld>
             <a:endParaRPr lang="en-US" dirty="0"/>
           </a:p>
@@ -3879,7 +3933,7 @@
           <a:p>
             <a:fld id="{9796027F-7875-4030-9381-8BD8C4F21935}" type="datetimeFigureOut">
               <a:rPr lang="en-US" smtClean="0"/>
-              <a:t>5/30/21</a:t>
+              <a:t>6/3/21</a:t>
             </a:fld>
             <a:endParaRPr lang="en-US" dirty="0"/>
           </a:p>
@@ -4111,7 +4165,7 @@
           <a:p>
             <a:fld id="{9796027F-7875-4030-9381-8BD8C4F21935}" type="datetimeFigureOut">
               <a:rPr lang="en-US" smtClean="0"/>
-              <a:t>5/30/21</a:t>
+              <a:t>6/3/21</a:t>
             </a:fld>
             <a:endParaRPr lang="en-US" dirty="0"/>
           </a:p>
@@ -4478,7 +4532,7 @@
           <a:p>
             <a:fld id="{9796027F-7875-4030-9381-8BD8C4F21935}" type="datetimeFigureOut">
               <a:rPr lang="en-US" smtClean="0"/>
-              <a:t>5/30/21</a:t>
+              <a:t>6/3/21</a:t>
             </a:fld>
             <a:endParaRPr lang="en-US" dirty="0"/>
           </a:p>
@@ -4596,7 +4650,7 @@
           <a:p>
             <a:fld id="{4509A250-FF31-4206-8172-F9D3106AACB1}" type="datetimeFigureOut">
               <a:rPr lang="en-US" smtClean="0"/>
-              <a:t>5/30/21</a:t>
+              <a:t>6/3/21</a:t>
             </a:fld>
             <a:endParaRPr lang="en-US" dirty="0"/>
           </a:p>
@@ -4691,7 +4745,7 @@
           <a:p>
             <a:fld id="{4509A250-FF31-4206-8172-F9D3106AACB1}" type="datetimeFigureOut">
               <a:rPr lang="en-US" smtClean="0"/>
-              <a:t>5/30/21</a:t>
+              <a:t>6/3/21</a:t>
             </a:fld>
             <a:endParaRPr lang="en-US" dirty="0"/>
           </a:p>
@@ -4968,7 +5022,7 @@
           <a:p>
             <a:fld id="{4509A250-FF31-4206-8172-F9D3106AACB1}" type="datetimeFigureOut">
               <a:rPr lang="en-US" smtClean="0"/>
-              <a:t>5/30/21</a:t>
+              <a:t>6/3/21</a:t>
             </a:fld>
             <a:endParaRPr lang="en-US" dirty="0"/>
           </a:p>
@@ -5225,7 +5279,7 @@
           <a:p>
             <a:fld id="{4509A250-FF31-4206-8172-F9D3106AACB1}" type="datetimeFigureOut">
               <a:rPr lang="en-US" smtClean="0"/>
-              <a:t>5/30/21</a:t>
+              <a:t>6/3/21</a:t>
             </a:fld>
             <a:endParaRPr lang="en-US" dirty="0"/>
           </a:p>
@@ -5438,7 +5492,7 @@
           <a:p>
             <a:fld id="{4AAD347D-5ACD-4C99-B74B-A9C85AD731AF}" type="datetimeFigureOut">
               <a:rPr lang="en-US" smtClean="0"/>
-              <a:t>5/30/21</a:t>
+              <a:t>6/3/21</a:t>
             </a:fld>
             <a:endParaRPr lang="en-US" dirty="0"/>
           </a:p>
@@ -7550,7 +7604,7 @@
         <p:spPr>
           <a:xfrm>
             <a:off x="383271" y="4859184"/>
-            <a:ext cx="8510150" cy="616194"/>
+            <a:ext cx="7763151" cy="923971"/>
           </a:xfrm>
           <a:prstGeom prst="rect">
             <a:avLst/>
@@ -7565,8 +7619,10 @@
           <a:p>
             <a:r>
               <a:rPr lang="en-US" sz="2000" dirty="0"/>
-              <a:t>In this lecture, we'll focus on integers, floating-point numbers and </a:t>
-            </a:r>
+              <a:t>In this lecture, we'll focus on integers, floating-point numbers, strings and </a:t>
+            </a:r>
+          </a:p>
+          <a:p>
             <a:r>
               <a:rPr lang="en-US" sz="2000" dirty="0" err="1"/>
               <a:t>boolean</a:t>
@@ -9162,7 +9218,24 @@
             </a:pPr>
             <a:r>
               <a:rPr lang="en-US" dirty="0"/>
-              <a:t>Boolean values are case-sensitive: unlike some other languages, True and False must be capitalized! </a:t>
+              <a:t>Boolean values are case-sensitive: unlike some other languages, True and </a:t>
+            </a:r>
+            <a:r>
+              <a:rPr lang="en-US"/>
+              <a:t>False </a:t>
+            </a:r>
+          </a:p>
+          <a:p>
+            <a:pPr marL="0" indent="0">
+              <a:buNone/>
+            </a:pPr>
+            <a:r>
+              <a:rPr lang="en-US"/>
+              <a:t>must </a:t>
+            </a:r>
+            <a:r>
+              <a:rPr lang="en-US" dirty="0"/>
+              <a:t>be capitalized! </a:t>
             </a:r>
           </a:p>
           <a:p>
@@ -9235,7 +9308,7 @@
         <p:spPr>
           <a:xfrm>
             <a:off x="264459" y="2772916"/>
-            <a:ext cx="8345285" cy="1384995"/>
+            <a:ext cx="8345285" cy="1708160"/>
           </a:xfrm>
           <a:prstGeom prst="rect">
             <a:avLst/>
@@ -9352,7 +9425,7 @@
               <a:rPr lang="en-US" sz="2100" b="1" dirty="0">
                 <a:latin typeface="Inconsolata" panose="020B0609030003000000" pitchFamily="49" charset="77"/>
               </a:rPr>
-              <a:t>print(3 == 5) 		</a:t>
+              <a:t>print(3 &gt;= 5) 		</a:t>
             </a:r>
             <a:r>
               <a:rPr lang="en-US" sz="2100" b="1" dirty="0">
@@ -9362,6 +9435,23 @@
                 <a:latin typeface="Inconsolata" panose="020B0609030003000000" pitchFamily="49" charset="77"/>
               </a:rPr>
               <a:t># False </a:t>
+            </a:r>
+          </a:p>
+          <a:p>
+            <a:r>
+              <a:rPr lang="en-US" sz="2100" b="1" dirty="0">
+                <a:latin typeface="Inconsolata" panose="020B0609030003000000" pitchFamily="49" charset="77"/>
+              </a:rPr>
+              <a:t>print(3 != 5) 		</a:t>
+            </a:r>
+            <a:r>
+              <a:rPr lang="en-US" sz="2100" b="1" dirty="0">
+                <a:solidFill>
+                  <a:schemeClr val="accent1"/>
+                </a:solidFill>
+                <a:latin typeface="Inconsolata" panose="020B0609030003000000" pitchFamily="49" charset="77"/>
+              </a:rPr>
+              <a:t># True </a:t>
             </a:r>
           </a:p>
           <a:p>
@@ -9417,7 +9507,7 @@
                                         <p:tgtEl>
                                           <p:spTgt spid="9">
                                             <p:txEl>
-                                              <p:pRg st="3" end="3"/>
+                                              <p:pRg st="4" end="4"/>
                                             </p:txEl>
                                           </p:spTgt>
                                         </p:tgtEl>
@@ -9567,6 +9657,55 @@
                       </p:childTnLst>
                     </p:cTn>
                   </p:par>
+                  <p:par>
+                    <p:cTn id="17" fill="hold">
+                      <p:stCondLst>
+                        <p:cond delay="indefinite"/>
+                      </p:stCondLst>
+                      <p:childTnLst>
+                        <p:par>
+                          <p:cTn id="18" fill="hold">
+                            <p:stCondLst>
+                              <p:cond delay="0"/>
+                            </p:stCondLst>
+                            <p:childTnLst>
+                              <p:par>
+                                <p:cTn id="19" presetID="1" presetClass="entr" presetSubtype="0" fill="hold" nodeType="clickEffect">
+                                  <p:stCondLst>
+                                    <p:cond delay="0"/>
+                                  </p:stCondLst>
+                                  <p:childTnLst>
+                                    <p:set>
+                                      <p:cBhvr>
+                                        <p:cTn id="20" dur="1" fill="hold">
+                                          <p:stCondLst>
+                                            <p:cond delay="0"/>
+                                          </p:stCondLst>
+                                        </p:cTn>
+                                        <p:tgtEl>
+                                          <p:spTgt spid="3">
+                                            <p:txEl>
+                                              <p:pRg st="3" end="3"/>
+                                            </p:txEl>
+                                          </p:spTgt>
+                                        </p:tgtEl>
+                                        <p:attrNameLst>
+                                          <p:attrName>style.visibility</p:attrName>
+                                        </p:attrNameLst>
+                                      </p:cBhvr>
+                                      <p:to>
+                                        <p:strVal val="visible"/>
+                                      </p:to>
+                                    </p:set>
+                                  </p:childTnLst>
+                                </p:cTn>
+                              </p:par>
+                            </p:childTnLst>
+                          </p:cTn>
+                        </p:par>
+                      </p:childTnLst>
+                    </p:cTn>
+                  </p:par>
                 </p:childTnLst>
               </p:cTn>
               <p:prevCondLst>
@@ -9611,6 +9750,247 @@
       </p:grpSpPr>
       <p:sp>
         <p:nvSpPr>
+          <p:cNvPr id="3" name="Content Placeholder 2">
+            <a:extLst>
+              <a:ext uri="{FF2B5EF4-FFF2-40B4-BE49-F238E27FC236}">
+                <a16:creationId xmlns:a16="http://schemas.microsoft.com/office/drawing/2014/main" id="{8FCE7FDF-ED3A-9048-B4EB-118C748ADDB8}"/>
+              </a:ext>
+            </a:extLst>
+          </p:cNvPr>
+          <p:cNvSpPr>
+            <a:spLocks noGrp="1"/>
+          </p:cNvSpPr>
+          <p:nvPr>
+            <p:ph idx="1"/>
+          </p:nvPr>
+        </p:nvSpPr>
+        <p:spPr>
+          <a:xfrm>
+            <a:off x="256854" y="774346"/>
+            <a:ext cx="8258496" cy="4373124"/>
+          </a:xfrm>
+        </p:spPr>
+        <p:txBody>
+          <a:bodyPr/>
+          <a:lstStyle/>
+          <a:p>
+            <a:pPr marL="0" indent="0">
+              <a:buNone/>
+            </a:pPr>
+            <a:r>
+              <a:rPr lang="en-US" dirty="0"/>
+              <a:t>In Python, text is represented as a </a:t>
+            </a:r>
+            <a:r>
+              <a:rPr lang="en-US" b="1" dirty="0"/>
+              <a:t>string</a:t>
+            </a:r>
+            <a:r>
+              <a:rPr lang="en-US" dirty="0"/>
+              <a:t>, which is a sequence of </a:t>
+            </a:r>
+            <a:r>
+              <a:rPr lang="en-US" i="1" dirty="0"/>
+              <a:t>characters </a:t>
+            </a:r>
+            <a:r>
+              <a:rPr lang="en-US" dirty="0"/>
+              <a:t>(letters, digits, and symbols). We indicate that a value is a string by putting either single or double quotes around it. </a:t>
+            </a:r>
+          </a:p>
+          <a:p>
+            <a:pPr marL="0" indent="0">
+              <a:buNone/>
+            </a:pPr>
+            <a:endParaRPr lang="en-US" dirty="0"/>
+          </a:p>
+          <a:p>
+            <a:pPr marL="0" indent="0">
+              <a:buNone/>
+            </a:pPr>
+            <a:r>
+              <a:rPr lang="en-US" b="1" dirty="0">
+                <a:solidFill>
+                  <a:srgbClr val="000087"/>
+                </a:solidFill>
+                <a:latin typeface="Inconsolata" panose="020B0609030003000000" pitchFamily="49" charset="77"/>
+              </a:rPr>
+              <a:t>p1 </a:t>
+            </a:r>
+            <a:r>
+              <a:rPr lang="en-US" b="1" dirty="0">
+                <a:solidFill>
+                  <a:srgbClr val="545454"/>
+                </a:solidFill>
+                <a:latin typeface="Inconsolata" panose="020B0609030003000000" pitchFamily="49" charset="77"/>
+              </a:rPr>
+              <a:t>= "Aristotle"</a:t>
+            </a:r>
+          </a:p>
+          <a:p>
+            <a:pPr marL="0" indent="0">
+              <a:buNone/>
+            </a:pPr>
+            <a:r>
+              <a:rPr lang="en-US" b="1" dirty="0">
+                <a:solidFill>
+                  <a:srgbClr val="000087"/>
+                </a:solidFill>
+                <a:latin typeface="Inconsolata" panose="020B0609030003000000" pitchFamily="49" charset="77"/>
+              </a:rPr>
+              <a:t>p2 </a:t>
+            </a:r>
+            <a:r>
+              <a:rPr lang="en-US" b="1" dirty="0">
+                <a:solidFill>
+                  <a:srgbClr val="545454"/>
+                </a:solidFill>
+                <a:latin typeface="Inconsolata" panose="020B0609030003000000" pitchFamily="49" charset="77"/>
+              </a:rPr>
+              <a:t>= 'Isaac Newton'</a:t>
+            </a:r>
+          </a:p>
+          <a:p>
+            <a:pPr marL="0" indent="0">
+              <a:buNone/>
+            </a:pPr>
+            <a:endParaRPr lang="en-US" b="1" dirty="0">
+              <a:solidFill>
+                <a:srgbClr val="545454"/>
+              </a:solidFill>
+              <a:latin typeface="Inconsolata" panose="020B0609030003000000" pitchFamily="49" charset="77"/>
+            </a:endParaRPr>
+          </a:p>
+          <a:p>
+            <a:pPr marL="0" indent="0">
+              <a:buNone/>
+            </a:pPr>
+            <a:r>
+              <a:rPr lang="en-US" dirty="0"/>
+              <a:t>Whenever you create a string by surrounding text with quotation marks, the string is called a </a:t>
+            </a:r>
+            <a:r>
+              <a:rPr lang="en-US" b="1" dirty="0"/>
+              <a:t>string literal</a:t>
+            </a:r>
+            <a:r>
+              <a:rPr lang="en-US" dirty="0"/>
+              <a:t>. The name indicates that the string is literally written out in your code </a:t>
+            </a:r>
+          </a:p>
+          <a:p>
+            <a:pPr marL="0" indent="0">
+              <a:buNone/>
+            </a:pPr>
+            <a:endParaRPr lang="en-US" b="1" dirty="0">
+              <a:solidFill>
+                <a:srgbClr val="545454"/>
+              </a:solidFill>
+              <a:latin typeface="Inconsolata" panose="020B0609030003000000" pitchFamily="49" charset="77"/>
+            </a:endParaRPr>
+          </a:p>
+          <a:p>
+            <a:pPr marL="0" indent="0">
+              <a:buNone/>
+            </a:pPr>
+            <a:endParaRPr lang="en-US" b="1" dirty="0">
+              <a:latin typeface="Inconsolata" panose="020B0609030003000000" pitchFamily="49" charset="77"/>
+            </a:endParaRPr>
+          </a:p>
+          <a:p>
+            <a:pPr marL="0" indent="0">
+              <a:buNone/>
+            </a:pPr>
+            <a:endParaRPr lang="en-US" dirty="0"/>
+          </a:p>
+        </p:txBody>
+      </p:sp>
+      <p:sp>
+        <p:nvSpPr>
+          <p:cNvPr id="4" name="Title 1">
+            <a:extLst>
+              <a:ext uri="{FF2B5EF4-FFF2-40B4-BE49-F238E27FC236}">
+                <a16:creationId xmlns:a16="http://schemas.microsoft.com/office/drawing/2014/main" id="{3B31F322-65F8-F647-81E8-E4CA9BB43670}"/>
+              </a:ext>
+            </a:extLst>
+          </p:cNvPr>
+          <p:cNvSpPr txBox="1">
+            <a:spLocks/>
+          </p:cNvSpPr>
+          <p:nvPr/>
+        </p:nvSpPr>
+        <p:spPr>
+          <a:xfrm>
+            <a:off x="144800" y="90459"/>
+            <a:ext cx="7053542" cy="683886"/>
+          </a:xfrm>
+          <a:prstGeom prst="rect">
+            <a:avLst/>
+          </a:prstGeom>
+        </p:spPr>
+        <p:txBody>
+          <a:bodyPr vert="horz" lIns="91440" tIns="45720" rIns="91440" bIns="45720" rtlCol="0" anchor="ctr">
+            <a:normAutofit/>
+          </a:bodyPr>
+          <a:lstStyle>
+            <a:lvl1pPr algn="l" defTabSz="685800" rtl="0" eaLnBrk="1" latinLnBrk="0" hangingPunct="1">
+              <a:lnSpc>
+                <a:spcPct val="90000"/>
+              </a:lnSpc>
+              <a:spcBef>
+                <a:spcPct val="0"/>
+              </a:spcBef>
+              <a:buNone/>
+              <a:defRPr sz="3300" kern="1200">
+                <a:solidFill>
+                  <a:schemeClr val="tx1"/>
+                </a:solidFill>
+                <a:latin typeface="+mj-lt"/>
+                <a:ea typeface="+mj-ea"/>
+                <a:cs typeface="+mj-cs"/>
+              </a:defRPr>
+            </a:lvl1pPr>
+          </a:lstStyle>
+          <a:p>
+            <a:r>
+              <a:rPr lang="en-US" dirty="0"/>
+              <a:t>Strings</a:t>
+            </a:r>
+          </a:p>
+        </p:txBody>
+      </p:sp>
+    </p:spTree>
+    <p:extLst>
+      <p:ext uri="{BB962C8B-B14F-4D97-AF65-F5344CB8AC3E}">
+        <p14:creationId xmlns:p14="http://schemas.microsoft.com/office/powerpoint/2010/main" val="1352026558"/>
+      </p:ext>
+    </p:extLst>
+  </p:cSld>
+  <p:clrMapOvr>
+    <a:masterClrMapping/>
+  </p:clrMapOvr>
+</p:sld>
+</file>
+
+<file path=ppt/slides/slide17.xml><?xml version="1.0" encoding="utf-8"?>
+<p:sld xmlns:a="http://schemas.openxmlformats.org/drawingml/2006/main" xmlns:r="http://schemas.openxmlformats.org/officeDocument/2006/relationships" xmlns:p="http://schemas.openxmlformats.org/presentationml/2006/main">
+  <p:cSld>
+    <p:spTree>
+      <p:nvGrpSpPr>
+        <p:cNvPr id="1" name=""/>
+        <p:cNvGrpSpPr/>
+        <p:nvPr/>
+      </p:nvGrpSpPr>
+      <p:grpSpPr>
+        <a:xfrm>
+          <a:off x="0" y="0"/>
+          <a:ext cx="0" cy="0"/>
+          <a:chOff x="0" y="0"/>
+          <a:chExt cx="0" cy="0"/>
+        </a:xfrm>
+      </p:grpSpPr>
+      <p:sp>
+        <p:nvSpPr>
           <p:cNvPr id="2" name="Title 1">
             <a:extLst>
               <a:ext uri="{FF2B5EF4-FFF2-40B4-BE49-F238E27FC236}">
@@ -9689,13 +10069,25 @@
               <a:rPr lang="en-US" dirty="0">
                 <a:latin typeface="Gill Sans MT" panose="020B0502020104020203" pitchFamily="34" charset="77"/>
               </a:rPr>
-              <a:t> and </a:t>
+              <a:t>, </a:t>
             </a:r>
             <a:r>
               <a:rPr lang="en-US" b="1" dirty="0">
                 <a:latin typeface="INCONSOLATA" panose="020B0609030003000000" pitchFamily="49" charset="77"/>
               </a:rPr>
-              <a:t>float()</a:t>
+              <a:t>float() </a:t>
+            </a:r>
+            <a:r>
+              <a:rPr lang="en-US" dirty="0">
+                <a:latin typeface="Gill Sans MT" panose="020B0502020104020203" pitchFamily="34" charset="77"/>
+              </a:rPr>
+              <a:t>and</a:t>
+            </a:r>
+            <a:r>
+              <a:rPr lang="en-US" b="1" dirty="0">
+                <a:latin typeface="INCONSOLATA" panose="020B0609030003000000" pitchFamily="49" charset="77"/>
+              </a:rPr>
+              <a:t> str()</a:t>
             </a:r>
             <a:r>
               <a:rPr lang="en-US" dirty="0">
@@ -9807,95 +10199,17 @@
                 </a:solidFill>
                 <a:latin typeface="Inconsolata" panose="020B0609030003000000" pitchFamily="49" charset="77"/>
               </a:rPr>
-              <a:t> </a:t>
-            </a:r>
-          </a:p>
-          <a:p>
-            <a:pPr marL="0" indent="0">
-              <a:buNone/>
-            </a:pPr>
+              <a:t> 	</a:t>
+            </a:r>
             <a:r>
               <a:rPr lang="en-US" b="1" dirty="0">
                 <a:solidFill>
-                  <a:srgbClr val="000087"/>
+                  <a:schemeClr val="accent1"/>
                 </a:solidFill>
                 <a:latin typeface="Inconsolata" panose="020B0609030003000000" pitchFamily="49" charset="77"/>
               </a:rPr>
-              <a:t>z </a:t>
-            </a:r>
-            <a:r>
-              <a:rPr lang="en-US" b="1" dirty="0">
-                <a:solidFill>
-                  <a:srgbClr val="545454"/>
-                </a:solidFill>
-                <a:latin typeface="Inconsolata" panose="020B0609030003000000" pitchFamily="49" charset="77"/>
-              </a:rPr>
-              <a:t>= float(</a:t>
-            </a:r>
-            <a:r>
-              <a:rPr lang="en-US" b="1" dirty="0">
-                <a:solidFill>
-                  <a:srgbClr val="FF6600"/>
-                </a:solidFill>
-                <a:latin typeface="Inconsolata" panose="020B0609030003000000" pitchFamily="49" charset="77"/>
-              </a:rPr>
-              <a:t>"3"</a:t>
-            </a:r>
-            <a:r>
-              <a:rPr lang="en-US" b="1" dirty="0">
-                <a:solidFill>
-                  <a:srgbClr val="545454"/>
-                </a:solidFill>
-                <a:latin typeface="Inconsolata" panose="020B0609030003000000" pitchFamily="49" charset="77"/>
-              </a:rPr>
-              <a:t>)</a:t>
-            </a:r>
-          </a:p>
-          <a:p>
-            <a:pPr marL="0" indent="0">
-              <a:buNone/>
-            </a:pPr>
-            <a:r>
-              <a:rPr lang="en-US" b="1" dirty="0">
-                <a:solidFill>
-                  <a:srgbClr val="000087"/>
-                </a:solidFill>
-                <a:latin typeface="Inconsolata" panose="020B0609030003000000" pitchFamily="49" charset="77"/>
-              </a:rPr>
-              <a:t>w </a:t>
-            </a:r>
-            <a:r>
-              <a:rPr lang="en-US" b="1" dirty="0">
-                <a:solidFill>
-                  <a:srgbClr val="545454"/>
-                </a:solidFill>
-                <a:latin typeface="Inconsolata" panose="020B0609030003000000" pitchFamily="49" charset="77"/>
-              </a:rPr>
-              <a:t>= int(</a:t>
-            </a:r>
-            <a:r>
-              <a:rPr lang="en-US" b="1" dirty="0">
-                <a:solidFill>
-                  <a:srgbClr val="FF6600"/>
-                </a:solidFill>
-                <a:latin typeface="Inconsolata" panose="020B0609030003000000" pitchFamily="49" charset="77"/>
-              </a:rPr>
-              <a:t>x</a:t>
-            </a:r>
-            <a:r>
-              <a:rPr lang="en-US" b="1" dirty="0">
-                <a:solidFill>
-                  <a:srgbClr val="545454"/>
-                </a:solidFill>
-                <a:latin typeface="Inconsolata" panose="020B0609030003000000" pitchFamily="49" charset="77"/>
-              </a:rPr>
-              <a:t>)</a:t>
-            </a:r>
-          </a:p>
-          <a:p>
-            <a:pPr marL="0" indent="0">
-              <a:buNone/>
-            </a:pPr>
+              <a:t># String is casted to an integer.</a:t>
+            </a:r>
             <a:endParaRPr lang="en-US" b="1" dirty="0">
               <a:solidFill>
                 <a:srgbClr val="FF6600"/>
@@ -9909,19 +10223,175 @@
             </a:pPr>
             <a:r>
               <a:rPr lang="en-US" b="1" dirty="0">
-                <a:latin typeface="INCONSOLATA" panose="020B0609030003000000" pitchFamily="49" charset="77"/>
-              </a:rPr>
-              <a:t>print(y, type(y)) 	</a:t>
-            </a:r>
-            <a:r>
-              <a:rPr lang="en-US" b="1" i="1" dirty="0">
-                <a:solidFill>
-                  <a:srgbClr val="33566B"/>
-                </a:solidFill>
-                <a:latin typeface="INCONSOLATA" panose="020B0609030003000000" pitchFamily="49" charset="77"/>
-              </a:rPr>
-              <a:t># 3 &lt;class 'int'&gt;</a:t>
-            </a:r>
+                <a:solidFill>
+                  <a:srgbClr val="000087"/>
+                </a:solidFill>
+                <a:latin typeface="Inconsolata" panose="020B0609030003000000" pitchFamily="49" charset="77"/>
+              </a:rPr>
+              <a:t>z </a:t>
+            </a:r>
+            <a:r>
+              <a:rPr lang="en-US" b="1" dirty="0">
+                <a:solidFill>
+                  <a:srgbClr val="545454"/>
+                </a:solidFill>
+                <a:latin typeface="Inconsolata" panose="020B0609030003000000" pitchFamily="49" charset="77"/>
+              </a:rPr>
+              <a:t>= float(</a:t>
+            </a:r>
+            <a:r>
+              <a:rPr lang="en-US" b="1" dirty="0">
+                <a:solidFill>
+                  <a:srgbClr val="FF6600"/>
+                </a:solidFill>
+                <a:latin typeface="Inconsolata" panose="020B0609030003000000" pitchFamily="49" charset="77"/>
+              </a:rPr>
+              <a:t>"3"</a:t>
+            </a:r>
+            <a:r>
+              <a:rPr lang="en-US" b="1" dirty="0">
+                <a:solidFill>
+                  <a:srgbClr val="545454"/>
+                </a:solidFill>
+                <a:latin typeface="Inconsolata" panose="020B0609030003000000" pitchFamily="49" charset="77"/>
+              </a:rPr>
+              <a:t>)	</a:t>
+            </a:r>
+            <a:r>
+              <a:rPr lang="en-US" b="1" dirty="0">
+                <a:solidFill>
+                  <a:schemeClr val="accent1"/>
+                </a:solidFill>
+                <a:latin typeface="Inconsolata" panose="020B0609030003000000" pitchFamily="49" charset="77"/>
+              </a:rPr>
+              <a:t># String is casted to a float. </a:t>
+            </a:r>
+            <a:endParaRPr lang="en-US" b="1" dirty="0">
+              <a:solidFill>
+                <a:srgbClr val="545454"/>
+              </a:solidFill>
+              <a:latin typeface="Inconsolata" panose="020B0609030003000000" pitchFamily="49" charset="77"/>
+            </a:endParaRPr>
+          </a:p>
+          <a:p>
+            <a:pPr marL="0" indent="0">
+              <a:buNone/>
+            </a:pPr>
+            <a:r>
+              <a:rPr lang="en-US" b="1" dirty="0">
+                <a:solidFill>
+                  <a:srgbClr val="000087"/>
+                </a:solidFill>
+                <a:latin typeface="Inconsolata" panose="020B0609030003000000" pitchFamily="49" charset="77"/>
+              </a:rPr>
+              <a:t>w </a:t>
+            </a:r>
+            <a:r>
+              <a:rPr lang="en-US" b="1" dirty="0">
+                <a:solidFill>
+                  <a:srgbClr val="545454"/>
+                </a:solidFill>
+                <a:latin typeface="Inconsolata" panose="020B0609030003000000" pitchFamily="49" charset="77"/>
+              </a:rPr>
+              <a:t>= int(</a:t>
+            </a:r>
+            <a:r>
+              <a:rPr lang="en-US" b="1" dirty="0">
+                <a:solidFill>
+                  <a:srgbClr val="FF6600"/>
+                </a:solidFill>
+                <a:latin typeface="Inconsolata" panose="020B0609030003000000" pitchFamily="49" charset="77"/>
+              </a:rPr>
+              <a:t>x</a:t>
+            </a:r>
+            <a:r>
+              <a:rPr lang="en-US" b="1" dirty="0">
+                <a:solidFill>
+                  <a:srgbClr val="545454"/>
+                </a:solidFill>
+                <a:latin typeface="Inconsolata" panose="020B0609030003000000" pitchFamily="49" charset="77"/>
+              </a:rPr>
+              <a:t>)	</a:t>
+            </a:r>
+            <a:r>
+              <a:rPr lang="en-US" b="1" dirty="0">
+                <a:solidFill>
+                  <a:schemeClr val="accent1"/>
+                </a:solidFill>
+                <a:latin typeface="Inconsolata" panose="020B0609030003000000" pitchFamily="49" charset="77"/>
+              </a:rPr>
+              <a:t># float is casted to an integer(truncates)</a:t>
+            </a:r>
+          </a:p>
+          <a:p>
+            <a:pPr marL="0" indent="0">
+              <a:buNone/>
+            </a:pPr>
+            <a:r>
+              <a:rPr lang="en-US" b="1" dirty="0">
+                <a:solidFill>
+                  <a:srgbClr val="000087"/>
+                </a:solidFill>
+                <a:latin typeface="Inconsolata" panose="020B0609030003000000" pitchFamily="49" charset="77"/>
+              </a:rPr>
+              <a:t>v </a:t>
+            </a:r>
+            <a:r>
+              <a:rPr lang="en-US" b="1" dirty="0">
+                <a:solidFill>
+                  <a:srgbClr val="545454"/>
+                </a:solidFill>
+                <a:latin typeface="Inconsolata" panose="020B0609030003000000" pitchFamily="49" charset="77"/>
+              </a:rPr>
+              <a:t>= str(</a:t>
+            </a:r>
+            <a:r>
+              <a:rPr lang="en-US" b="1" dirty="0">
+                <a:solidFill>
+                  <a:srgbClr val="FF6600"/>
+                </a:solidFill>
+                <a:latin typeface="Inconsolata" panose="020B0609030003000000" pitchFamily="49" charset="77"/>
+              </a:rPr>
+              <a:t>x</a:t>
+            </a:r>
+            <a:r>
+              <a:rPr lang="en-US" b="1" dirty="0">
+                <a:solidFill>
+                  <a:srgbClr val="545454"/>
+                </a:solidFill>
+                <a:latin typeface="Inconsolata" panose="020B0609030003000000" pitchFamily="49" charset="77"/>
+              </a:rPr>
+              <a:t>)	</a:t>
+            </a:r>
+            <a:r>
+              <a:rPr lang="en-US" b="1" dirty="0">
+                <a:solidFill>
+                  <a:schemeClr val="accent1"/>
+                </a:solidFill>
+                <a:latin typeface="Inconsolata" panose="020B0609030003000000" pitchFamily="49" charset="77"/>
+              </a:rPr>
+              <a:t># float is casted </a:t>
+            </a:r>
+            <a:r>
+              <a:rPr lang="en-US" b="1">
+                <a:solidFill>
+                  <a:schemeClr val="accent1"/>
+                </a:solidFill>
+                <a:latin typeface="Inconsolata" panose="020B0609030003000000" pitchFamily="49" charset="77"/>
+              </a:rPr>
+              <a:t>to string "1.8"</a:t>
+            </a:r>
+            <a:endParaRPr lang="en-US" b="1" dirty="0">
+              <a:solidFill>
+                <a:srgbClr val="545454"/>
+              </a:solidFill>
+              <a:latin typeface="Inconsolata" panose="020B0609030003000000" pitchFamily="49" charset="77"/>
+            </a:endParaRPr>
+          </a:p>
+          <a:p>
+            <a:pPr marL="0" indent="0">
+              <a:buNone/>
+            </a:pPr>
             <a:endParaRPr lang="en-US" b="1" dirty="0">
               <a:solidFill>
                 <a:srgbClr val="FF6600"/>
@@ -9937,7 +10407,7 @@
               <a:rPr lang="en-US" b="1" dirty="0">
                 <a:latin typeface="INCONSOLATA" panose="020B0609030003000000" pitchFamily="49" charset="77"/>
               </a:rPr>
-              <a:t>print(z, type(z)) 	</a:t>
+              <a:t>print(y, type(y)) 	</a:t>
             </a:r>
             <a:r>
               <a:rPr lang="en-US" b="1" i="1" dirty="0">
@@ -9946,7 +10416,7 @@
                 </a:solidFill>
                 <a:latin typeface="INCONSOLATA" panose="020B0609030003000000" pitchFamily="49" charset="77"/>
               </a:rPr>
-              <a:t># 3.0 &lt;class 'float'&gt;</a:t>
+              <a:t># 3 &lt;class 'int'&gt;</a:t>
             </a:r>
             <a:endParaRPr lang="en-US" b="1" dirty="0">
               <a:solidFill>
@@ -9963,6 +10433,32 @@
               <a:rPr lang="en-US" b="1" dirty="0">
                 <a:latin typeface="INCONSOLATA" panose="020B0609030003000000" pitchFamily="49" charset="77"/>
               </a:rPr>
+              <a:t>print(z, type(z)) 	</a:t>
+            </a:r>
+            <a:r>
+              <a:rPr lang="en-US" b="1" i="1" dirty="0">
+                <a:solidFill>
+                  <a:srgbClr val="33566B"/>
+                </a:solidFill>
+                <a:latin typeface="INCONSOLATA" panose="020B0609030003000000" pitchFamily="49" charset="77"/>
+              </a:rPr>
+              <a:t># 3.0 &lt;class 'float'&gt;</a:t>
+            </a:r>
+            <a:endParaRPr lang="en-US" b="1" dirty="0">
+              <a:solidFill>
+                <a:srgbClr val="FF6600"/>
+              </a:solidFill>
+              <a:latin typeface="Inconsolata" panose="020B0609030003000000" pitchFamily="49" charset="77"/>
+            </a:endParaRPr>
+          </a:p>
+          <a:p>
+            <a:pPr marL="0" indent="0">
+              <a:buNone/>
+            </a:pPr>
+            <a:r>
+              <a:rPr lang="en-US" b="1" dirty="0">
+                <a:latin typeface="INCONSOLATA" panose="020B0609030003000000" pitchFamily="49" charset="77"/>
+              </a:rPr>
               <a:t>print(w, type(w)) 	</a:t>
             </a:r>
             <a:r>
@@ -9973,6 +10469,32 @@
                 <a:latin typeface="INCONSOLATA" panose="020B0609030003000000" pitchFamily="49" charset="77"/>
               </a:rPr>
               <a:t># 1 &lt;class 'int'&gt;, truncates decimal point</a:t>
+            </a:r>
+            <a:endParaRPr lang="en-US" b="1" dirty="0">
+              <a:solidFill>
+                <a:srgbClr val="FF6600"/>
+              </a:solidFill>
+              <a:latin typeface="Inconsolata" panose="020B0609030003000000" pitchFamily="49" charset="77"/>
+            </a:endParaRPr>
+          </a:p>
+          <a:p>
+            <a:pPr marL="0" indent="0">
+              <a:buNone/>
+            </a:pPr>
+            <a:r>
+              <a:rPr lang="en-US" b="1" dirty="0">
+                <a:latin typeface="INCONSOLATA" panose="020B0609030003000000" pitchFamily="49" charset="77"/>
+              </a:rPr>
+              <a:t>print(v, type(v)) 	</a:t>
+            </a:r>
+            <a:r>
+              <a:rPr lang="en-US" b="1" i="1" dirty="0">
+                <a:solidFill>
+                  <a:srgbClr val="33566B"/>
+                </a:solidFill>
+                <a:latin typeface="INCONSOLATA" panose="020B0609030003000000" pitchFamily="49" charset="77"/>
+              </a:rPr>
+              <a:t># 1.8 &lt;class 'str'&gt;, no "" when printing</a:t>
             </a:r>
             <a:endParaRPr lang="en-US" b="1" dirty="0">
               <a:solidFill>
@@ -10329,7 +10851,7 @@
                                         <p:tgtEl>
                                           <p:spTgt spid="9">
                                             <p:txEl>
-                                              <p:pRg st="7" end="7"/>
+                                              <p:pRg st="6" end="6"/>
                                             </p:txEl>
                                           </p:spTgt>
                                         </p:tgtEl>
@@ -10448,6 +10970,104 @@
                       </p:childTnLst>
                     </p:cTn>
                   </p:par>
+                  <p:par>
+                    <p:cTn id="35" fill="hold">
+                      <p:stCondLst>
+                        <p:cond delay="indefinite"/>
+                      </p:stCondLst>
+                      <p:childTnLst>
+                        <p:par>
+                          <p:cTn id="36" fill="hold">
+                            <p:stCondLst>
+                              <p:cond delay="0"/>
+                            </p:stCondLst>
+                            <p:childTnLst>
+                              <p:par>
+                                <p:cTn id="37" presetID="1" presetClass="entr" presetSubtype="0" fill="hold" nodeType="clickEffect">
+                                  <p:stCondLst>
+                                    <p:cond delay="0"/>
+                                  </p:stCondLst>
+                                  <p:childTnLst>
+                                    <p:set>
+                                      <p:cBhvr>
+                                        <p:cTn id="38" dur="1" fill="hold">
+                                          <p:stCondLst>
+                                            <p:cond delay="0"/>
+                                          </p:stCondLst>
+                                        </p:cTn>
+                                        <p:tgtEl>
+                                          <p:spTgt spid="9">
+                                            <p:txEl>
+                                              <p:pRg st="10" end="10"/>
+                                            </p:txEl>
+                                          </p:spTgt>
+                                        </p:tgtEl>
+                                        <p:attrNameLst>
+                                          <p:attrName>style.visibility</p:attrName>
+                                        </p:attrNameLst>
+                                      </p:cBhvr>
+                                      <p:to>
+                                        <p:strVal val="visible"/>
+                                      </p:to>
+                                    </p:set>
+                                  </p:childTnLst>
+                                </p:cTn>
+                              </p:par>
+                            </p:childTnLst>
+                          </p:cTn>
+                        </p:par>
+                      </p:childTnLst>
+                    </p:cTn>
+                  </p:par>
+                  <p:par>
+                    <p:cTn id="39" fill="hold">
+                      <p:stCondLst>
+                        <p:cond delay="indefinite"/>
+                      </p:stCondLst>
+                      <p:childTnLst>
+                        <p:par>
+                          <p:cTn id="40" fill="hold">
+                            <p:stCondLst>
+                              <p:cond delay="0"/>
+                            </p:stCondLst>
+                            <p:childTnLst>
+                              <p:par>
+                                <p:cTn id="41" presetID="1" presetClass="entr" presetSubtype="0" fill="hold" nodeType="clickEffect">
+                                  <p:stCondLst>
+                                    <p:cond delay="0"/>
+                                  </p:stCondLst>
+                                  <p:childTnLst>
+                                    <p:set>
+                                      <p:cBhvr>
+                                        <p:cTn id="42" dur="1" fill="hold">
+                                          <p:stCondLst>
+                                            <p:cond delay="0"/>
+                                          </p:stCondLst>
+                                        </p:cTn>
+                                        <p:tgtEl>
+                                          <p:spTgt spid="9">
+                                            <p:txEl>
+                                              <p:pRg st="11" end="11"/>
+                                            </p:txEl>
+                                          </p:spTgt>
+                                        </p:tgtEl>
+                                        <p:attrNameLst>
+                                          <p:attrName>style.visibility</p:attrName>
+                                        </p:attrNameLst>
+                                      </p:cBhvr>
+                                      <p:to>
+                                        <p:strVal val="visible"/>
+                                      </p:to>
+                                    </p:set>
+                                  </p:childTnLst>
+                                </p:cTn>
+                              </p:par>
+                            </p:childTnLst>
+                          </p:cTn>
+                        </p:par>
+                      </p:childTnLst>
+                    </p:cTn>
+                  </p:par>
                 </p:childTnLst>
               </p:cTn>
               <p:prevCondLst>
@@ -10470,199 +11090,6 @@
       </p:par>
     </p:tnLst>
   </p:timing>
-</p:sld>
-</file>
-
-<file path=ppt/slides/slide17.xml><?xml version="1.0" encoding="utf-8"?>
-<p:sld xmlns:a="http://schemas.openxmlformats.org/drawingml/2006/main" xmlns:r="http://schemas.openxmlformats.org/officeDocument/2006/relationships" xmlns:p="http://schemas.openxmlformats.org/presentationml/2006/main">
-  <p:cSld>
-    <p:spTree>
-      <p:nvGrpSpPr>
-        <p:cNvPr id="1" name=""/>
-        <p:cNvGrpSpPr/>
-        <p:nvPr/>
-      </p:nvGrpSpPr>
-      <p:grpSpPr>
-        <a:xfrm>
-          <a:off x="0" y="0"/>
-          <a:ext cx="0" cy="0"/>
-          <a:chOff x="0" y="0"/>
-          <a:chExt cx="0" cy="0"/>
-        </a:xfrm>
-      </p:grpSpPr>
-      <p:sp>
-        <p:nvSpPr>
-          <p:cNvPr id="2" name="Title 1">
-            <a:extLst>
-              <a:ext uri="{FF2B5EF4-FFF2-40B4-BE49-F238E27FC236}">
-                <a16:creationId xmlns:a16="http://schemas.microsoft.com/office/drawing/2014/main" id="{893AF10F-C12D-6B4A-84C5-206A244BF7C6}"/>
-              </a:ext>
-            </a:extLst>
-          </p:cNvPr>
-          <p:cNvSpPr>
-            <a:spLocks noGrp="1"/>
-          </p:cNvSpPr>
-          <p:nvPr>
-            <p:ph type="title"/>
-          </p:nvPr>
-        </p:nvSpPr>
-        <p:spPr>
-          <a:xfrm>
-            <a:off x="0" y="0"/>
-            <a:ext cx="7886700" cy="540162"/>
-          </a:xfrm>
-        </p:spPr>
-        <p:txBody>
-          <a:bodyPr/>
-          <a:lstStyle/>
-          <a:p>
-            <a:r>
-              <a:rPr lang="en-US" dirty="0"/>
-              <a:t>Program Inputs</a:t>
-            </a:r>
-          </a:p>
-        </p:txBody>
-      </p:sp>
-      <p:sp>
-        <p:nvSpPr>
-          <p:cNvPr id="3" name="Content Placeholder 2">
-            <a:extLst>
-              <a:ext uri="{FF2B5EF4-FFF2-40B4-BE49-F238E27FC236}">
-                <a16:creationId xmlns:a16="http://schemas.microsoft.com/office/drawing/2014/main" id="{8EE44610-8AB0-B84C-9003-2B8BA850F328}"/>
-              </a:ext>
-            </a:extLst>
-          </p:cNvPr>
-          <p:cNvSpPr>
-            <a:spLocks noGrp="1"/>
-          </p:cNvSpPr>
-          <p:nvPr>
-            <p:ph idx="1"/>
-          </p:nvPr>
-        </p:nvSpPr>
-        <p:spPr>
-          <a:xfrm>
-            <a:off x="150607" y="540162"/>
-            <a:ext cx="8747588" cy="5061068"/>
-          </a:xfrm>
-        </p:spPr>
-        <p:txBody>
-          <a:bodyPr/>
-          <a:lstStyle/>
-          <a:p>
-            <a:pPr marL="0" indent="0">
-              <a:buNone/>
-            </a:pPr>
-            <a:r>
-              <a:rPr lang="en-US" b="1" dirty="0"/>
-              <a:t>Program input </a:t>
-            </a:r>
-            <a:r>
-              <a:rPr lang="en-US" dirty="0"/>
-              <a:t>is data sent to a computer for processing by a program. Input can come in a variety of forms such as:</a:t>
-            </a:r>
-          </a:p>
-          <a:p>
-            <a:r>
-              <a:rPr lang="en-US" dirty="0"/>
-              <a:t>tactile(swipes from a tablet)</a:t>
-            </a:r>
-          </a:p>
-          <a:p>
-            <a:r>
-              <a:rPr lang="en-US" dirty="0"/>
-              <a:t>audio(input can be an audio/voice to be processed by a program)</a:t>
-            </a:r>
-          </a:p>
-          <a:p>
-            <a:r>
-              <a:rPr lang="en-US" dirty="0"/>
-              <a:t>visual(an image to be filtered by a program)</a:t>
-            </a:r>
-          </a:p>
-          <a:p>
-            <a:r>
-              <a:rPr lang="en-US" dirty="0"/>
-              <a:t>text(user input from keyboard or can be a text file input) </a:t>
-            </a:r>
-          </a:p>
-          <a:p>
-            <a:pPr marL="0" indent="0">
-              <a:buNone/>
-            </a:pPr>
-            <a:endParaRPr lang="en-US" dirty="0"/>
-          </a:p>
-          <a:p>
-            <a:pPr marL="0" indent="0">
-              <a:buNone/>
-            </a:pPr>
-            <a:endParaRPr lang="en-US" dirty="0"/>
-          </a:p>
-          <a:p>
-            <a:pPr marL="0" indent="0">
-              <a:buNone/>
-            </a:pPr>
-            <a:r>
-              <a:rPr lang="en-US" b="1" dirty="0"/>
-              <a:t>Program outputs </a:t>
-            </a:r>
-            <a:r>
-              <a:rPr lang="en-US" dirty="0"/>
-              <a:t>are any data sent from a program to a device. Program output can come in a variety of forms, such as tactile, audio, visual, or text. </a:t>
-            </a:r>
-          </a:p>
-          <a:p>
-            <a:pPr marL="0" indent="0">
-              <a:buNone/>
-            </a:pPr>
-            <a:endParaRPr lang="en-US" dirty="0"/>
-          </a:p>
-          <a:p>
-            <a:pPr marL="0" indent="0">
-              <a:buNone/>
-            </a:pPr>
-            <a:endParaRPr lang="en-US" dirty="0"/>
-          </a:p>
-        </p:txBody>
-      </p:sp>
-      <p:sp>
-        <p:nvSpPr>
-          <p:cNvPr id="4" name="Slide Number Placeholder 3">
-            <a:extLst>
-              <a:ext uri="{FF2B5EF4-FFF2-40B4-BE49-F238E27FC236}">
-                <a16:creationId xmlns:a16="http://schemas.microsoft.com/office/drawing/2014/main" id="{75C7B0F0-6928-7047-81B0-E8C50BC3208B}"/>
-              </a:ext>
-            </a:extLst>
-          </p:cNvPr>
-          <p:cNvSpPr>
-            <a:spLocks noGrp="1"/>
-          </p:cNvSpPr>
-          <p:nvPr>
-            <p:ph type="sldNum" sz="quarter" idx="12"/>
-          </p:nvPr>
-        </p:nvSpPr>
-        <p:spPr/>
-        <p:txBody>
-          <a:bodyPr/>
-          <a:lstStyle/>
-          <a:p>
-            <a:fld id="{D57F1E4F-1CFF-5643-939E-02111984F565}" type="slidenum">
-              <a:rPr lang="en-US" smtClean="0"/>
-              <a:t>17</a:t>
-            </a:fld>
-            <a:endParaRPr lang="en-US" dirty="0"/>
-          </a:p>
-        </p:txBody>
-      </p:sp>
-    </p:spTree>
-    <p:extLst>
-      <p:ext uri="{BB962C8B-B14F-4D97-AF65-F5344CB8AC3E}">
-        <p14:creationId xmlns:p14="http://schemas.microsoft.com/office/powerpoint/2010/main" val="273226657"/>
-      </p:ext>
-    </p:extLst>
-  </p:cSld>
-  <p:clrMapOvr>
-    <a:masterClrMapping/>
-  </p:clrMapOvr>
 </p:sld>
 </file>
 
@@ -10745,15 +11172,62 @@
             <a:pPr marL="0" indent="0">
               <a:buNone/>
             </a:pPr>
+            <a:r>
+              <a:rPr lang="en-US" b="1" dirty="0"/>
+              <a:t>Program input </a:t>
+            </a:r>
+            <a:r>
+              <a:rPr lang="en-US" dirty="0"/>
+              <a:t>is data sent to a computer for processing by a program. Input can come in a variety of forms such as:</a:t>
+            </a:r>
+          </a:p>
+          <a:p>
+            <a:r>
+              <a:rPr lang="en-US" dirty="0"/>
+              <a:t>tactile(swipes from a tablet)</a:t>
+            </a:r>
+          </a:p>
+          <a:p>
+            <a:r>
+              <a:rPr lang="en-US" dirty="0"/>
+              <a:t>audio(input can be an audio/voice to be processed by a program)</a:t>
+            </a:r>
+          </a:p>
+          <a:p>
+            <a:r>
+              <a:rPr lang="en-US" dirty="0"/>
+              <a:t>visual(an image to be filtered by a program)</a:t>
+            </a:r>
+          </a:p>
+          <a:p>
+            <a:r>
+              <a:rPr lang="en-US" dirty="0"/>
+              <a:t>text(user input from keyboard or can be a text file input) </a:t>
+            </a:r>
+          </a:p>
+          <a:p>
+            <a:pPr marL="0" indent="0">
+              <a:buNone/>
+            </a:pPr>
             <a:endParaRPr lang="en-US" dirty="0"/>
           </a:p>
           <a:p>
             <a:pPr marL="0" indent="0">
               <a:buNone/>
             </a:pPr>
+            <a:endParaRPr lang="en-US" dirty="0"/>
+          </a:p>
+          <a:p>
+            <a:pPr marL="0" indent="0">
+              <a:buNone/>
+            </a:pPr>
+            <a:r>
+              <a:rPr lang="en-US" b="1" dirty="0"/>
+              <a:t>Program outputs </a:t>
+            </a:r>
             <a:r>
               <a:rPr lang="en-US" dirty="0"/>
-              <a:t>A program is useful if it takes some input from the user, process it and outputs something meaningful. </a:t>
+              <a:t>are any data sent from a program to a device. Program output can come in a variety of forms, such as tactile, audio, visual, or text. </a:t>
             </a:r>
           </a:p>
           <a:p>
@@ -10761,46 +11235,6 @@
               <a:buNone/>
             </a:pPr>
             <a:endParaRPr lang="en-US" dirty="0"/>
-          </a:p>
-          <a:p>
-            <a:pPr marL="0" indent="0">
-              <a:buNone/>
-            </a:pPr>
-            <a:r>
-              <a:rPr lang="en-US" dirty="0"/>
-              <a:t>We will start with a simple program that accepts user inputs from the keyboard and outputs some result by printing it on the console. </a:t>
-            </a:r>
-          </a:p>
-          <a:p>
-            <a:pPr marL="0" indent="0">
-              <a:buNone/>
-            </a:pPr>
-            <a:endParaRPr lang="en-US" dirty="0"/>
-          </a:p>
-          <a:p>
-            <a:pPr marL="0" indent="0">
-              <a:buNone/>
-            </a:pPr>
-            <a:r>
-              <a:rPr lang="en-US" dirty="0"/>
-              <a:t>The input function </a:t>
-            </a:r>
-            <a:r>
-              <a:rPr lang="en-US" b="1" dirty="0">
-                <a:latin typeface="INCONSOLATA" panose="020B0609030003000000" pitchFamily="49" charset="77"/>
-              </a:rPr>
-              <a:t>input()</a:t>
-            </a:r>
-            <a:r>
-              <a:rPr lang="en-US" dirty="0"/>
-              <a:t> can be used to accept inputs from the user. </a:t>
-            </a:r>
-            <a:endParaRPr lang="en-US" b="1" dirty="0">
-              <a:solidFill>
-                <a:srgbClr val="34A327"/>
-              </a:solidFill>
-              <a:latin typeface="Inconsolata" panose="020B0609030003000000" pitchFamily="49" charset="77"/>
-            </a:endParaRPr>
           </a:p>
           <a:p>
             <a:pPr marL="0" indent="0">
@@ -10842,6 +11276,192 @@
     </p:spTree>
     <p:extLst>
       <p:ext uri="{BB962C8B-B14F-4D97-AF65-F5344CB8AC3E}">
+        <p14:creationId xmlns:p14="http://schemas.microsoft.com/office/powerpoint/2010/main" val="273226657"/>
+      </p:ext>
+    </p:extLst>
+  </p:cSld>
+  <p:clrMapOvr>
+    <a:masterClrMapping/>
+  </p:clrMapOvr>
+</p:sld>
+</file>
+
+<file path=ppt/slides/slide19.xml><?xml version="1.0" encoding="utf-8"?>
+<p:sld xmlns:a="http://schemas.openxmlformats.org/drawingml/2006/main" xmlns:r="http://schemas.openxmlformats.org/officeDocument/2006/relationships" xmlns:p="http://schemas.openxmlformats.org/presentationml/2006/main">
+  <p:cSld>
+    <p:spTree>
+      <p:nvGrpSpPr>
+        <p:cNvPr id="1" name=""/>
+        <p:cNvGrpSpPr/>
+        <p:nvPr/>
+      </p:nvGrpSpPr>
+      <p:grpSpPr>
+        <a:xfrm>
+          <a:off x="0" y="0"/>
+          <a:ext cx="0" cy="0"/>
+          <a:chOff x="0" y="0"/>
+          <a:chExt cx="0" cy="0"/>
+        </a:xfrm>
+      </p:grpSpPr>
+      <p:sp>
+        <p:nvSpPr>
+          <p:cNvPr id="2" name="Title 1">
+            <a:extLst>
+              <a:ext uri="{FF2B5EF4-FFF2-40B4-BE49-F238E27FC236}">
+                <a16:creationId xmlns:a16="http://schemas.microsoft.com/office/drawing/2014/main" id="{893AF10F-C12D-6B4A-84C5-206A244BF7C6}"/>
+              </a:ext>
+            </a:extLst>
+          </p:cNvPr>
+          <p:cNvSpPr>
+            <a:spLocks noGrp="1"/>
+          </p:cNvSpPr>
+          <p:nvPr>
+            <p:ph type="title"/>
+          </p:nvPr>
+        </p:nvSpPr>
+        <p:spPr>
+          <a:xfrm>
+            <a:off x="0" y="0"/>
+            <a:ext cx="7886700" cy="540162"/>
+          </a:xfrm>
+        </p:spPr>
+        <p:txBody>
+          <a:bodyPr/>
+          <a:lstStyle/>
+          <a:p>
+            <a:r>
+              <a:rPr lang="en-US" dirty="0"/>
+              <a:t>Program Inputs</a:t>
+            </a:r>
+          </a:p>
+        </p:txBody>
+      </p:sp>
+      <p:sp>
+        <p:nvSpPr>
+          <p:cNvPr id="3" name="Content Placeholder 2">
+            <a:extLst>
+              <a:ext uri="{FF2B5EF4-FFF2-40B4-BE49-F238E27FC236}">
+                <a16:creationId xmlns:a16="http://schemas.microsoft.com/office/drawing/2014/main" id="{8EE44610-8AB0-B84C-9003-2B8BA850F328}"/>
+              </a:ext>
+            </a:extLst>
+          </p:cNvPr>
+          <p:cNvSpPr>
+            <a:spLocks noGrp="1"/>
+          </p:cNvSpPr>
+          <p:nvPr>
+            <p:ph idx="1"/>
+          </p:nvPr>
+        </p:nvSpPr>
+        <p:spPr>
+          <a:xfrm>
+            <a:off x="150607" y="540162"/>
+            <a:ext cx="8747588" cy="5061068"/>
+          </a:xfrm>
+        </p:spPr>
+        <p:txBody>
+          <a:bodyPr/>
+          <a:lstStyle/>
+          <a:p>
+            <a:pPr marL="0" indent="0">
+              <a:buNone/>
+            </a:pPr>
+            <a:endParaRPr lang="en-US" dirty="0"/>
+          </a:p>
+          <a:p>
+            <a:pPr marL="0" indent="0">
+              <a:buNone/>
+            </a:pPr>
+            <a:r>
+              <a:rPr lang="en-US" dirty="0"/>
+              <a:t>A program is useful if it takes some input from the user, process it and outputs something meaningful. </a:t>
+            </a:r>
+          </a:p>
+          <a:p>
+            <a:pPr marL="0" indent="0">
+              <a:buNone/>
+            </a:pPr>
+            <a:endParaRPr lang="en-US" dirty="0"/>
+          </a:p>
+          <a:p>
+            <a:pPr marL="0" indent="0">
+              <a:buNone/>
+            </a:pPr>
+            <a:r>
+              <a:rPr lang="en-US" dirty="0"/>
+              <a:t>We will start with a simple program that accepts user inputs from the keyboard and outputs some result by printing it on the console. </a:t>
+            </a:r>
+          </a:p>
+          <a:p>
+            <a:pPr marL="0" indent="0">
+              <a:buNone/>
+            </a:pPr>
+            <a:endParaRPr lang="en-US" dirty="0"/>
+          </a:p>
+          <a:p>
+            <a:pPr marL="0" indent="0">
+              <a:buNone/>
+            </a:pPr>
+            <a:r>
+              <a:rPr lang="en-US" dirty="0"/>
+              <a:t>The input function </a:t>
+            </a:r>
+            <a:r>
+              <a:rPr lang="en-US" b="1" dirty="0">
+                <a:latin typeface="INCONSOLATA" panose="020B0609030003000000" pitchFamily="49" charset="77"/>
+              </a:rPr>
+              <a:t>input()</a:t>
+            </a:r>
+            <a:r>
+              <a:rPr lang="en-US" dirty="0"/>
+              <a:t> can be used to accept inputs from the user. </a:t>
+            </a:r>
+            <a:endParaRPr lang="en-US" b="1" dirty="0">
+              <a:solidFill>
+                <a:srgbClr val="34A327"/>
+              </a:solidFill>
+              <a:latin typeface="Inconsolata" panose="020B0609030003000000" pitchFamily="49" charset="77"/>
+            </a:endParaRPr>
+          </a:p>
+          <a:p>
+            <a:pPr marL="0" indent="0">
+              <a:buNone/>
+            </a:pPr>
+            <a:endParaRPr lang="en-US" dirty="0"/>
+          </a:p>
+        </p:txBody>
+      </p:sp>
+      <p:sp>
+        <p:nvSpPr>
+          <p:cNvPr id="4" name="Slide Number Placeholder 3">
+            <a:extLst>
+              <a:ext uri="{FF2B5EF4-FFF2-40B4-BE49-F238E27FC236}">
+                <a16:creationId xmlns:a16="http://schemas.microsoft.com/office/drawing/2014/main" id="{75C7B0F0-6928-7047-81B0-E8C50BC3208B}"/>
+              </a:ext>
+            </a:extLst>
+          </p:cNvPr>
+          <p:cNvSpPr>
+            <a:spLocks noGrp="1"/>
+          </p:cNvSpPr>
+          <p:nvPr>
+            <p:ph type="sldNum" sz="quarter" idx="12"/>
+          </p:nvPr>
+        </p:nvSpPr>
+        <p:spPr/>
+        <p:txBody>
+          <a:bodyPr/>
+          <a:lstStyle/>
+          <a:p>
+            <a:fld id="{D57F1E4F-1CFF-5643-939E-02111984F565}" type="slidenum">
+              <a:rPr lang="en-US" smtClean="0"/>
+              <a:t>19</a:t>
+            </a:fld>
+            <a:endParaRPr lang="en-US" dirty="0"/>
+          </a:p>
+        </p:txBody>
+      </p:sp>
+    </p:spTree>
+    <p:extLst>
+      <p:ext uri="{BB962C8B-B14F-4D97-AF65-F5344CB8AC3E}">
         <p14:creationId xmlns:p14="http://schemas.microsoft.com/office/powerpoint/2010/main" val="3067820620"/>
       </p:ext>
     </p:extLst>
@@ -10852,7 +11472,651 @@
 </p:sld>
 </file>
 
-<file path=ppt/slides/slide19.xml><?xml version="1.0" encoding="utf-8"?>
+<file path=ppt/slides/slide2.xml><?xml version="1.0" encoding="utf-8"?>
+<p:sld xmlns:a="http://schemas.openxmlformats.org/drawingml/2006/main" xmlns:r="http://schemas.openxmlformats.org/officeDocument/2006/relationships" xmlns:p="http://schemas.openxmlformats.org/presentationml/2006/main">
+  <p:cSld>
+    <p:spTree>
+      <p:nvGrpSpPr>
+        <p:cNvPr id="1" name=""/>
+        <p:cNvGrpSpPr/>
+        <p:nvPr/>
+      </p:nvGrpSpPr>
+      <p:grpSpPr>
+        <a:xfrm>
+          <a:off x="0" y="0"/>
+          <a:ext cx="0" cy="0"/>
+          <a:chOff x="0" y="0"/>
+          <a:chExt cx="0" cy="0"/>
+        </a:xfrm>
+      </p:grpSpPr>
+      <p:sp>
+        <p:nvSpPr>
+          <p:cNvPr id="2" name="Title 1">
+            <a:extLst>
+              <a:ext uri="{FF2B5EF4-FFF2-40B4-BE49-F238E27FC236}">
+                <a16:creationId xmlns:a16="http://schemas.microsoft.com/office/drawing/2014/main" id="{AA3A228F-61D0-D949-A5E7-F83756230BF8}"/>
+              </a:ext>
+            </a:extLst>
+          </p:cNvPr>
+          <p:cNvSpPr>
+            <a:spLocks noGrp="1"/>
+          </p:cNvSpPr>
+          <p:nvPr>
+            <p:ph type="title"/>
+          </p:nvPr>
+        </p:nvSpPr>
+        <p:spPr>
+          <a:xfrm>
+            <a:off x="483848" y="467027"/>
+            <a:ext cx="7053542" cy="683886"/>
+          </a:xfrm>
+        </p:spPr>
+        <p:txBody>
+          <a:bodyPr/>
+          <a:lstStyle/>
+          <a:p>
+            <a:r>
+              <a:rPr lang="en-US" dirty="0"/>
+              <a:t>Topics</a:t>
+            </a:r>
+          </a:p>
+        </p:txBody>
+      </p:sp>
+      <p:sp>
+        <p:nvSpPr>
+          <p:cNvPr id="9" name="Content Placeholder 8">
+            <a:extLst>
+              <a:ext uri="{FF2B5EF4-FFF2-40B4-BE49-F238E27FC236}">
+                <a16:creationId xmlns:a16="http://schemas.microsoft.com/office/drawing/2014/main" id="{E3B2E017-30B2-884B-A113-B419A2ED51AD}"/>
+              </a:ext>
+            </a:extLst>
+          </p:cNvPr>
+          <p:cNvSpPr>
+            <a:spLocks noGrp="1"/>
+          </p:cNvSpPr>
+          <p:nvPr>
+            <p:ph idx="1"/>
+          </p:nvPr>
+        </p:nvSpPr>
+        <p:spPr>
+          <a:xfrm>
+            <a:off x="483848" y="1019503"/>
+            <a:ext cx="8051725" cy="4571999"/>
+          </a:xfrm>
+        </p:spPr>
+        <p:txBody>
+          <a:bodyPr/>
+          <a:lstStyle/>
+          <a:p>
+            <a:pPr marL="0" indent="0">
+              <a:buNone/>
+            </a:pPr>
+            <a:endParaRPr lang="en-US" dirty="0">
+              <a:latin typeface="Gill Sans MT" panose="020B0502020104020203" pitchFamily="34" charset="77"/>
+            </a:endParaRPr>
+          </a:p>
+          <a:p>
+            <a:pPr marL="457200" indent="-457200">
+              <a:buAutoNum type="arabicParenR"/>
+            </a:pPr>
+            <a:r>
+              <a:rPr lang="en-US" dirty="0">
+                <a:latin typeface="Gill Sans MT" panose="020B0502020104020203" pitchFamily="34" charset="77"/>
+              </a:rPr>
+              <a:t>Software, Python Scripts</a:t>
+            </a:r>
+          </a:p>
+          <a:p>
+            <a:pPr marL="457200" indent="-457200">
+              <a:buAutoNum type="arabicParenR"/>
+            </a:pPr>
+            <a:r>
+              <a:rPr lang="en-US" dirty="0" err="1">
+                <a:latin typeface="Gill Sans MT" panose="020B0502020104020203" pitchFamily="34" charset="77"/>
+              </a:rPr>
+              <a:t>repl.it</a:t>
+            </a:r>
+            <a:endParaRPr lang="en-US" dirty="0">
+              <a:latin typeface="Gill Sans MT" panose="020B0502020104020203" pitchFamily="34" charset="77"/>
+            </a:endParaRPr>
+          </a:p>
+          <a:p>
+            <a:pPr marL="457200" indent="-457200">
+              <a:buAutoNum type="arabicParenR"/>
+            </a:pPr>
+            <a:r>
+              <a:rPr lang="en-US" dirty="0">
+                <a:latin typeface="Gill Sans MT" panose="020B0502020104020203" pitchFamily="34" charset="77"/>
+              </a:rPr>
+              <a:t>Printing with print()</a:t>
+            </a:r>
+          </a:p>
+          <a:p>
+            <a:pPr marL="457200" indent="-457200">
+              <a:buAutoNum type="arabicParenR"/>
+            </a:pPr>
+            <a:r>
+              <a:rPr lang="en-US" dirty="0">
+                <a:latin typeface="Gill Sans MT" panose="020B0502020104020203" pitchFamily="34" charset="77"/>
+              </a:rPr>
+              <a:t>Basic Built-In Number Types</a:t>
+            </a:r>
+          </a:p>
+          <a:p>
+            <a:pPr marL="800100" lvl="1" indent="-457200">
+              <a:buFont typeface="+mj-lt"/>
+              <a:buAutoNum type="alphaLcParenR"/>
+            </a:pPr>
+            <a:r>
+              <a:rPr lang="en-US" dirty="0">
+                <a:latin typeface="Gill Sans MT" panose="020B0502020104020203" pitchFamily="34" charset="77"/>
+              </a:rPr>
+              <a:t>Integers</a:t>
+            </a:r>
+          </a:p>
+          <a:p>
+            <a:pPr marL="800100" lvl="1" indent="-457200">
+              <a:buFont typeface="+mj-lt"/>
+              <a:buAutoNum type="alphaLcParenR"/>
+            </a:pPr>
+            <a:r>
+              <a:rPr lang="en-US" dirty="0">
+                <a:latin typeface="Gill Sans MT" panose="020B0502020104020203" pitchFamily="34" charset="77"/>
+              </a:rPr>
+              <a:t>Floats</a:t>
+            </a:r>
+          </a:p>
+          <a:p>
+            <a:pPr marL="800100" lvl="1" indent="-457200">
+              <a:buFont typeface="+mj-lt"/>
+              <a:buAutoNum type="alphaLcParenR"/>
+            </a:pPr>
+            <a:r>
+              <a:rPr lang="en-US" dirty="0">
+                <a:latin typeface="Gill Sans MT" panose="020B0502020104020203" pitchFamily="34" charset="77"/>
+              </a:rPr>
+              <a:t>Booleans</a:t>
+            </a:r>
+          </a:p>
+          <a:p>
+            <a:pPr marL="457200" indent="-457200">
+              <a:buFont typeface="+mj-lt"/>
+              <a:buAutoNum type="arabicParenR"/>
+            </a:pPr>
+            <a:r>
+              <a:rPr lang="en-US" dirty="0">
+                <a:latin typeface="Gill Sans MT" panose="020B0502020104020203" pitchFamily="34" charset="77"/>
+              </a:rPr>
+              <a:t>Casting</a:t>
+            </a:r>
+          </a:p>
+          <a:p>
+            <a:pPr marL="457200" indent="-457200">
+              <a:buFont typeface="+mj-lt"/>
+              <a:buAutoNum type="arabicParenR"/>
+            </a:pPr>
+            <a:r>
+              <a:rPr lang="en-US" dirty="0">
+                <a:latin typeface="Gill Sans MT" panose="020B0502020104020203" pitchFamily="34" charset="77"/>
+              </a:rPr>
+              <a:t>User inputs</a:t>
+            </a:r>
+          </a:p>
+          <a:p>
+            <a:pPr marL="800100" lvl="1" indent="-457200">
+              <a:buFont typeface="+mj-lt"/>
+              <a:buAutoNum type="alphaLcParenR"/>
+            </a:pPr>
+            <a:endParaRPr lang="en-US" dirty="0">
+              <a:latin typeface="Gill Sans MT" panose="020B0502020104020203" pitchFamily="34" charset="77"/>
+            </a:endParaRPr>
+          </a:p>
+          <a:p>
+            <a:pPr marL="342900" lvl="1" indent="0">
+              <a:buNone/>
+            </a:pPr>
+            <a:endParaRPr lang="en-US" dirty="0">
+              <a:latin typeface="Gill Sans MT" panose="020B0502020104020203" pitchFamily="34" charset="77"/>
+            </a:endParaRPr>
+          </a:p>
+          <a:p>
+            <a:pPr marL="457200" indent="-457200">
+              <a:buFont typeface="+mj-lt"/>
+              <a:buAutoNum type="arabicParenR"/>
+            </a:pPr>
+            <a:endParaRPr lang="en-US" dirty="0">
+              <a:latin typeface="Gill Sans MT" panose="020B0502020104020203" pitchFamily="34" charset="77"/>
+            </a:endParaRPr>
+          </a:p>
+          <a:p>
+            <a:pPr marL="457200" indent="-457200">
+              <a:buAutoNum type="arabicParenR"/>
+            </a:pPr>
+            <a:endParaRPr lang="en-US" dirty="0">
+              <a:latin typeface="Gill Sans MT" panose="020B0502020104020203" pitchFamily="34" charset="77"/>
+            </a:endParaRPr>
+          </a:p>
+          <a:p>
+            <a:pPr marL="457200" indent="-457200">
+              <a:buAutoNum type="arabicParenR"/>
+            </a:pPr>
+            <a:endParaRPr lang="en-US" dirty="0">
+              <a:latin typeface="Gill Sans MT" panose="020B0502020104020203" pitchFamily="34" charset="77"/>
+            </a:endParaRPr>
+          </a:p>
+          <a:p>
+            <a:pPr marL="0" indent="0">
+              <a:buNone/>
+            </a:pPr>
+            <a:endParaRPr lang="en-US" dirty="0">
+              <a:latin typeface="Gill Sans MT" panose="020B0502020104020203" pitchFamily="34" charset="77"/>
+            </a:endParaRPr>
+          </a:p>
+          <a:p>
+            <a:pPr marL="0" indent="0">
+              <a:buNone/>
+            </a:pPr>
+            <a:endParaRPr lang="en-US" b="1" dirty="0">
+              <a:latin typeface="Gill Sans MT" panose="020B0502020104020203" pitchFamily="34" charset="77"/>
+            </a:endParaRPr>
+          </a:p>
+        </p:txBody>
+      </p:sp>
+    </p:spTree>
+    <p:extLst>
+      <p:ext uri="{BB962C8B-B14F-4D97-AF65-F5344CB8AC3E}">
+        <p14:creationId xmlns:p14="http://schemas.microsoft.com/office/powerpoint/2010/main" val="2207246265"/>
+      </p:ext>
+    </p:extLst>
+  </p:cSld>
+  <p:clrMapOvr>
+    <a:masterClrMapping/>
+  </p:clrMapOvr>
+  <p:timing>
+    <p:tnLst>
+      <p:par>
+        <p:cTn id="1" dur="indefinite" restart="never" nodeType="tmRoot">
+          <p:childTnLst>
+            <p:seq concurrent="1" nextAc="seek">
+              <p:cTn id="2" dur="indefinite" nodeType="mainSeq">
+                <p:childTnLst>
+                  <p:par>
+                    <p:cTn id="3" fill="hold">
+                      <p:stCondLst>
+                        <p:cond delay="indefinite"/>
+                      </p:stCondLst>
+                      <p:childTnLst>
+                        <p:par>
+                          <p:cTn id="4" fill="hold">
+                            <p:stCondLst>
+                              <p:cond delay="0"/>
+                            </p:stCondLst>
+                            <p:childTnLst>
+                              <p:par>
+                                <p:cTn id="5" presetID="1" presetClass="entr" presetSubtype="0" fill="hold" nodeType="clickEffect">
+                                  <p:stCondLst>
+                                    <p:cond delay="0"/>
+                                  </p:stCondLst>
+                                  <p:childTnLst>
+                                    <p:set>
+                                      <p:cBhvr>
+                                        <p:cTn id="6" dur="1" fill="hold">
+                                          <p:stCondLst>
+                                            <p:cond delay="0"/>
+                                          </p:stCondLst>
+                                        </p:cTn>
+                                        <p:tgtEl>
+                                          <p:spTgt spid="9">
+                                            <p:txEl>
+                                              <p:pRg st="1" end="1"/>
+                                            </p:txEl>
+                                          </p:spTgt>
+                                        </p:tgtEl>
+                                        <p:attrNameLst>
+                                          <p:attrName>style.visibility</p:attrName>
+                                        </p:attrNameLst>
+                                      </p:cBhvr>
+                                      <p:to>
+                                        <p:strVal val="visible"/>
+                                      </p:to>
+                                    </p:set>
+                                  </p:childTnLst>
+                                </p:cTn>
+                              </p:par>
+                            </p:childTnLst>
+                          </p:cTn>
+                        </p:par>
+                      </p:childTnLst>
+                    </p:cTn>
+                  </p:par>
+                  <p:par>
+                    <p:cTn id="7" fill="hold">
+                      <p:stCondLst>
+                        <p:cond delay="indefinite"/>
+                      </p:stCondLst>
+                      <p:childTnLst>
+                        <p:par>
+                          <p:cTn id="8" fill="hold">
+                            <p:stCondLst>
+                              <p:cond delay="0"/>
+                            </p:stCondLst>
+                            <p:childTnLst>
+                              <p:par>
+                                <p:cTn id="9" presetID="1" presetClass="entr" presetSubtype="0" fill="hold" nodeType="clickEffect">
+                                  <p:stCondLst>
+                                    <p:cond delay="0"/>
+                                  </p:stCondLst>
+                                  <p:childTnLst>
+                                    <p:set>
+                                      <p:cBhvr>
+                                        <p:cTn id="10" dur="1" fill="hold">
+                                          <p:stCondLst>
+                                            <p:cond delay="0"/>
+                                          </p:stCondLst>
+                                        </p:cTn>
+                                        <p:tgtEl>
+                                          <p:spTgt spid="9">
+                                            <p:txEl>
+                                              <p:pRg st="2" end="2"/>
+                                            </p:txEl>
+                                          </p:spTgt>
+                                        </p:tgtEl>
+                                        <p:attrNameLst>
+                                          <p:attrName>style.visibility</p:attrName>
+                                        </p:attrNameLst>
+                                      </p:cBhvr>
+                                      <p:to>
+                                        <p:strVal val="visible"/>
+                                      </p:to>
+                                    </p:set>
+                                  </p:childTnLst>
+                                </p:cTn>
+                              </p:par>
+                            </p:childTnLst>
+                          </p:cTn>
+                        </p:par>
+                      </p:childTnLst>
+                    </p:cTn>
+                  </p:par>
+                  <p:par>
+                    <p:cTn id="11" fill="hold">
+                      <p:stCondLst>
+                        <p:cond delay="indefinite"/>
+                      </p:stCondLst>
+                      <p:childTnLst>
+                        <p:par>
+                          <p:cTn id="12" fill="hold">
+                            <p:stCondLst>
+                              <p:cond delay="0"/>
+                            </p:stCondLst>
+                            <p:childTnLst>
+                              <p:par>
+                                <p:cTn id="13" presetID="1" presetClass="entr" presetSubtype="0" fill="hold" nodeType="clickEffect">
+                                  <p:stCondLst>
+                                    <p:cond delay="0"/>
+                                  </p:stCondLst>
+                                  <p:childTnLst>
+                                    <p:set>
+                                      <p:cBhvr>
+                                        <p:cTn id="14" dur="1" fill="hold">
+                                          <p:stCondLst>
+                                            <p:cond delay="0"/>
+                                          </p:stCondLst>
+                                        </p:cTn>
+                                        <p:tgtEl>
+                                          <p:spTgt spid="9">
+                                            <p:txEl>
+                                              <p:pRg st="3" end="3"/>
+                                            </p:txEl>
+                                          </p:spTgt>
+                                        </p:tgtEl>
+                                        <p:attrNameLst>
+                                          <p:attrName>style.visibility</p:attrName>
+                                        </p:attrNameLst>
+                                      </p:cBhvr>
+                                      <p:to>
+                                        <p:strVal val="visible"/>
+                                      </p:to>
+                                    </p:set>
+                                  </p:childTnLst>
+                                </p:cTn>
+                              </p:par>
+                            </p:childTnLst>
+                          </p:cTn>
+                        </p:par>
+                      </p:childTnLst>
+                    </p:cTn>
+                  </p:par>
+                  <p:par>
+                    <p:cTn id="15" fill="hold">
+                      <p:stCondLst>
+                        <p:cond delay="indefinite"/>
+                      </p:stCondLst>
+                      <p:childTnLst>
+                        <p:par>
+                          <p:cTn id="16" fill="hold">
+                            <p:stCondLst>
+                              <p:cond delay="0"/>
+                            </p:stCondLst>
+                            <p:childTnLst>
+                              <p:par>
+                                <p:cTn id="17" presetID="1" presetClass="entr" presetSubtype="0" fill="hold" nodeType="clickEffect">
+                                  <p:stCondLst>
+                                    <p:cond delay="0"/>
+                                  </p:stCondLst>
+                                  <p:childTnLst>
+                                    <p:set>
+                                      <p:cBhvr>
+                                        <p:cTn id="18" dur="1" fill="hold">
+                                          <p:stCondLst>
+                                            <p:cond delay="0"/>
+                                          </p:stCondLst>
+                                        </p:cTn>
+                                        <p:tgtEl>
+                                          <p:spTgt spid="9">
+                                            <p:txEl>
+                                              <p:pRg st="4" end="4"/>
+                                            </p:txEl>
+                                          </p:spTgt>
+                                        </p:tgtEl>
+                                        <p:attrNameLst>
+                                          <p:attrName>style.visibility</p:attrName>
+                                        </p:attrNameLst>
+                                      </p:cBhvr>
+                                      <p:to>
+                                        <p:strVal val="visible"/>
+                                      </p:to>
+                                    </p:set>
+                                  </p:childTnLst>
+                                </p:cTn>
+                              </p:par>
+                              <p:par>
+                                <p:cTn id="19" presetID="1" presetClass="entr" presetSubtype="0" fill="hold" nodeType="withEffect">
+                                  <p:stCondLst>
+                                    <p:cond delay="0"/>
+                                  </p:stCondLst>
+                                  <p:childTnLst>
+                                    <p:set>
+                                      <p:cBhvr>
+                                        <p:cTn id="20" dur="1" fill="hold">
+                                          <p:stCondLst>
+                                            <p:cond delay="0"/>
+                                          </p:stCondLst>
+                                        </p:cTn>
+                                        <p:tgtEl>
+                                          <p:spTgt spid="9">
+                                            <p:txEl>
+                                              <p:pRg st="5" end="5"/>
+                                            </p:txEl>
+                                          </p:spTgt>
+                                        </p:tgtEl>
+                                        <p:attrNameLst>
+                                          <p:attrName>style.visibility</p:attrName>
+                                        </p:attrNameLst>
+                                      </p:cBhvr>
+                                      <p:to>
+                                        <p:strVal val="visible"/>
+                                      </p:to>
+                                    </p:set>
+                                  </p:childTnLst>
+                                </p:cTn>
+                              </p:par>
+                              <p:par>
+                                <p:cTn id="21" presetID="1" presetClass="entr" presetSubtype="0" fill="hold" nodeType="withEffect">
+                                  <p:stCondLst>
+                                    <p:cond delay="0"/>
+                                  </p:stCondLst>
+                                  <p:childTnLst>
+                                    <p:set>
+                                      <p:cBhvr>
+                                        <p:cTn id="22" dur="1" fill="hold">
+                                          <p:stCondLst>
+                                            <p:cond delay="0"/>
+                                          </p:stCondLst>
+                                        </p:cTn>
+                                        <p:tgtEl>
+                                          <p:spTgt spid="9">
+                                            <p:txEl>
+                                              <p:pRg st="6" end="6"/>
+                                            </p:txEl>
+                                          </p:spTgt>
+                                        </p:tgtEl>
+                                        <p:attrNameLst>
+                                          <p:attrName>style.visibility</p:attrName>
+                                        </p:attrNameLst>
+                                      </p:cBhvr>
+                                      <p:to>
+                                        <p:strVal val="visible"/>
+                                      </p:to>
+                                    </p:set>
+                                  </p:childTnLst>
+                                </p:cTn>
+                              </p:par>
+                              <p:par>
+                                <p:cTn id="23" presetID="1" presetClass="entr" presetSubtype="0" fill="hold" nodeType="withEffect">
+                                  <p:stCondLst>
+                                    <p:cond delay="0"/>
+                                  </p:stCondLst>
+                                  <p:childTnLst>
+                                    <p:set>
+                                      <p:cBhvr>
+                                        <p:cTn id="24" dur="1" fill="hold">
+                                          <p:stCondLst>
+                                            <p:cond delay="0"/>
+                                          </p:stCondLst>
+                                        </p:cTn>
+                                        <p:tgtEl>
+                                          <p:spTgt spid="9">
+                                            <p:txEl>
+                                              <p:pRg st="7" end="7"/>
+                                            </p:txEl>
+                                          </p:spTgt>
+                                        </p:tgtEl>
+                                        <p:attrNameLst>
+                                          <p:attrName>style.visibility</p:attrName>
+                                        </p:attrNameLst>
+                                      </p:cBhvr>
+                                      <p:to>
+                                        <p:strVal val="visible"/>
+                                      </p:to>
+                                    </p:set>
+                                  </p:childTnLst>
+                                </p:cTn>
+                              </p:par>
+                              <p:par>
+                                <p:cTn id="25" presetID="1" presetClass="entr" presetSubtype="0" fill="hold" nodeType="withEffect">
+                                  <p:stCondLst>
+                                    <p:cond delay="0"/>
+                                  </p:stCondLst>
+                                  <p:childTnLst>
+                                    <p:set>
+                                      <p:cBhvr>
+                                        <p:cTn id="26" dur="1" fill="hold">
+                                          <p:stCondLst>
+                                            <p:cond delay="0"/>
+                                          </p:stCondLst>
+                                        </p:cTn>
+                                        <p:tgtEl>
+                                          <p:spTgt spid="9">
+                                            <p:txEl>
+                                              <p:pRg st="8" end="8"/>
+                                            </p:txEl>
+                                          </p:spTgt>
+                                        </p:tgtEl>
+                                        <p:attrNameLst>
+                                          <p:attrName>style.visibility</p:attrName>
+                                        </p:attrNameLst>
+                                      </p:cBhvr>
+                                      <p:to>
+                                        <p:strVal val="visible"/>
+                                      </p:to>
+                                    </p:set>
+                                  </p:childTnLst>
+                                </p:cTn>
+                              </p:par>
+                              <p:par>
+                                <p:cTn id="27" presetID="1" presetClass="entr" presetSubtype="0" fill="hold" nodeType="withEffect">
+                                  <p:stCondLst>
+                                    <p:cond delay="0"/>
+                                  </p:stCondLst>
+                                  <p:childTnLst>
+                                    <p:set>
+                                      <p:cBhvr>
+                                        <p:cTn id="28" dur="1" fill="hold">
+                                          <p:stCondLst>
+                                            <p:cond delay="0"/>
+                                          </p:stCondLst>
+                                        </p:cTn>
+                                        <p:tgtEl>
+                                          <p:spTgt spid="9">
+                                            <p:txEl>
+                                              <p:pRg st="9" end="9"/>
+                                            </p:txEl>
+                                          </p:spTgt>
+                                        </p:tgtEl>
+                                        <p:attrNameLst>
+                                          <p:attrName>style.visibility</p:attrName>
+                                        </p:attrNameLst>
+                                      </p:cBhvr>
+                                      <p:to>
+                                        <p:strVal val="visible"/>
+                                      </p:to>
+                                    </p:set>
+                                  </p:childTnLst>
+                                </p:cTn>
+                              </p:par>
+                            </p:childTnLst>
+                          </p:cTn>
+                        </p:par>
+                      </p:childTnLst>
+                    </p:cTn>
+                  </p:par>
+                </p:childTnLst>
+              </p:cTn>
+              <p:prevCondLst>
+                <p:cond evt="onPrev" delay="0">
+                  <p:tgtEl>
+                    <p:sldTgt/>
+                  </p:tgtEl>
+                </p:cond>
+              </p:prevCondLst>
+              <p:nextCondLst>
+                <p:cond evt="onNext" delay="0">
+                  <p:tgtEl>
+                    <p:sldTgt/>
+                  </p:tgtEl>
+                </p:cond>
+              </p:nextCondLst>
+            </p:seq>
+          </p:childTnLst>
+        </p:cTn>
+      </p:par>
+    </p:tnLst>
+  </p:timing>
+</p:sld>
+</file>
+
+<file path=ppt/slides/slide20.xml><?xml version="1.0" encoding="utf-8"?>
 <p:sld xmlns:a="http://schemas.openxmlformats.org/drawingml/2006/main" xmlns:r="http://schemas.openxmlformats.org/officeDocument/2006/relationships" xmlns:p="http://schemas.openxmlformats.org/presentationml/2006/main">
   <p:cSld>
     <p:spTree>
@@ -11240,7 +12504,7 @@
                 </a:solidFill>
                 <a:latin typeface="Gill Sans MT" panose="020B0502020104020203" pitchFamily="34" charset="77"/>
               </a:rPr>
-              <a:t>Type: &lt;class 'str'&gt;</a:t>
+              <a:t>Type:  &lt;class 'str'&gt;</a:t>
             </a:r>
           </a:p>
           <a:p>
@@ -11393,7 +12657,1085 @@
 </p:sld>
 </file>
 
-<file path=ppt/slides/slide2.xml><?xml version="1.0" encoding="utf-8"?>
+<file path=ppt/slides/slide21.xml><?xml version="1.0" encoding="utf-8"?>
+<p:sld xmlns:a="http://schemas.openxmlformats.org/drawingml/2006/main" xmlns:r="http://schemas.openxmlformats.org/officeDocument/2006/relationships" xmlns:p="http://schemas.openxmlformats.org/presentationml/2006/main">
+  <p:cSld>
+    <p:spTree>
+      <p:nvGrpSpPr>
+        <p:cNvPr id="1" name=""/>
+        <p:cNvGrpSpPr/>
+        <p:nvPr/>
+      </p:nvGrpSpPr>
+      <p:grpSpPr>
+        <a:xfrm>
+          <a:off x="0" y="0"/>
+          <a:ext cx="0" cy="0"/>
+          <a:chOff x="0" y="0"/>
+          <a:chExt cx="0" cy="0"/>
+        </a:xfrm>
+      </p:grpSpPr>
+      <p:sp>
+        <p:nvSpPr>
+          <p:cNvPr id="2" name="Title 1">
+            <a:extLst>
+              <a:ext uri="{FF2B5EF4-FFF2-40B4-BE49-F238E27FC236}">
+                <a16:creationId xmlns:a16="http://schemas.microsoft.com/office/drawing/2014/main" id="{AA3A228F-61D0-D949-A5E7-F83756230BF8}"/>
+              </a:ext>
+            </a:extLst>
+          </p:cNvPr>
+          <p:cNvSpPr>
+            <a:spLocks noGrp="1"/>
+          </p:cNvSpPr>
+          <p:nvPr>
+            <p:ph type="title"/>
+          </p:nvPr>
+        </p:nvSpPr>
+        <p:spPr>
+          <a:xfrm>
+            <a:off x="144800" y="134008"/>
+            <a:ext cx="7053542" cy="683886"/>
+          </a:xfrm>
+        </p:spPr>
+        <p:txBody>
+          <a:bodyPr/>
+          <a:lstStyle/>
+          <a:p>
+            <a:r>
+              <a:rPr lang="en-US" dirty="0"/>
+              <a:t>Input</a:t>
+            </a:r>
+          </a:p>
+        </p:txBody>
+      </p:sp>
+      <p:sp>
+        <p:nvSpPr>
+          <p:cNvPr id="9" name="Content Placeholder 8">
+            <a:extLst>
+              <a:ext uri="{FF2B5EF4-FFF2-40B4-BE49-F238E27FC236}">
+                <a16:creationId xmlns:a16="http://schemas.microsoft.com/office/drawing/2014/main" id="{E3B2E017-30B2-884B-A113-B419A2ED51AD}"/>
+              </a:ext>
+            </a:extLst>
+          </p:cNvPr>
+          <p:cNvSpPr>
+            <a:spLocks noGrp="1"/>
+          </p:cNvSpPr>
+          <p:nvPr>
+            <p:ph idx="1"/>
+          </p:nvPr>
+        </p:nvSpPr>
+        <p:spPr>
+          <a:xfrm>
+            <a:off x="144800" y="817895"/>
+            <a:ext cx="8762894" cy="4763097"/>
+          </a:xfrm>
+        </p:spPr>
+        <p:txBody>
+          <a:bodyPr>
+            <a:normAutofit/>
+          </a:bodyPr>
+          <a:lstStyle/>
+          <a:p>
+            <a:pPr marL="0" indent="0">
+              <a:buNone/>
+            </a:pPr>
+            <a:r>
+              <a:rPr lang="en-US" sz="2000" dirty="0"/>
+              <a:t>Since user input almost always requires a message to the user about the expected input, the input function optionally accepts a string that it prints just before the program stops to wait for the user to respond. </a:t>
+            </a:r>
+          </a:p>
+          <a:p>
+            <a:pPr marL="0" indent="0">
+              <a:buNone/>
+            </a:pPr>
+            <a:endParaRPr lang="en-US" sz="2000" b="1" dirty="0">
+              <a:solidFill>
+                <a:srgbClr val="000000"/>
+              </a:solidFill>
+              <a:latin typeface="Inconsolata" panose="020B0609030003000000" pitchFamily="49" charset="77"/>
+            </a:endParaRPr>
+          </a:p>
+          <a:p>
+            <a:pPr marL="0" indent="0">
+              <a:buNone/>
+            </a:pPr>
+            <a:r>
+              <a:rPr lang="en-US" sz="2000" b="1" dirty="0">
+                <a:solidFill>
+                  <a:srgbClr val="000000"/>
+                </a:solidFill>
+                <a:latin typeface="Inconsolata" panose="020B0609030003000000" pitchFamily="49" charset="77"/>
+              </a:rPr>
+              <a:t>x = </a:t>
+            </a:r>
+            <a:r>
+              <a:rPr lang="en-US" sz="2000" b="1" dirty="0">
+                <a:solidFill>
+                  <a:srgbClr val="34A327"/>
+                </a:solidFill>
+                <a:latin typeface="Inconsolata" panose="020B0609030003000000" pitchFamily="49" charset="77"/>
+              </a:rPr>
+              <a:t>input</a:t>
+            </a:r>
+            <a:r>
+              <a:rPr lang="en-US" sz="2000" b="1" dirty="0">
+                <a:solidFill>
+                  <a:srgbClr val="000000"/>
+                </a:solidFill>
+                <a:latin typeface="Inconsolata" panose="020B0609030003000000" pitchFamily="49" charset="77"/>
+              </a:rPr>
+              <a:t>(</a:t>
+            </a:r>
+            <a:r>
+              <a:rPr lang="en-US" sz="2000" b="1" dirty="0">
+                <a:solidFill>
+                  <a:srgbClr val="CD7923"/>
+                </a:solidFill>
+                <a:latin typeface="Inconsolata" panose="020B0609030003000000" pitchFamily="49" charset="77"/>
+              </a:rPr>
+              <a:t>'Please enter an integer value: '</a:t>
+            </a:r>
+            <a:r>
+              <a:rPr lang="en-US" sz="2000" b="1" dirty="0">
+                <a:solidFill>
+                  <a:srgbClr val="000000"/>
+                </a:solidFill>
+                <a:latin typeface="Inconsolata" panose="020B0609030003000000" pitchFamily="49" charset="77"/>
+              </a:rPr>
+              <a:t>) </a:t>
+            </a:r>
+            <a:endParaRPr lang="en-US" sz="2000" b="1" dirty="0">
+              <a:solidFill>
+                <a:srgbClr val="CD7923"/>
+              </a:solidFill>
+              <a:latin typeface="Inconsolata" panose="020B0609030003000000" pitchFamily="49" charset="77"/>
+            </a:endParaRPr>
+          </a:p>
+          <a:p>
+            <a:pPr marL="0" indent="0">
+              <a:buNone/>
+            </a:pPr>
+            <a:r>
+              <a:rPr lang="en-US" sz="2000" b="1" dirty="0">
+                <a:solidFill>
+                  <a:srgbClr val="000000"/>
+                </a:solidFill>
+                <a:latin typeface="Inconsolata" panose="020B0609030003000000" pitchFamily="49" charset="77"/>
+              </a:rPr>
+              <a:t>y = </a:t>
+            </a:r>
+            <a:r>
+              <a:rPr lang="en-US" sz="2000" b="1" dirty="0">
+                <a:solidFill>
+                  <a:srgbClr val="34A327"/>
+                </a:solidFill>
+                <a:latin typeface="Inconsolata" panose="020B0609030003000000" pitchFamily="49" charset="77"/>
+              </a:rPr>
+              <a:t>input</a:t>
+            </a:r>
+            <a:r>
+              <a:rPr lang="en-US" sz="2000" b="1" dirty="0">
+                <a:solidFill>
+                  <a:srgbClr val="000000"/>
+                </a:solidFill>
+                <a:latin typeface="Inconsolata" panose="020B0609030003000000" pitchFamily="49" charset="77"/>
+              </a:rPr>
+              <a:t>(</a:t>
+            </a:r>
+            <a:r>
+              <a:rPr lang="en-US" sz="2000" b="1" dirty="0">
+                <a:solidFill>
+                  <a:srgbClr val="CD7923"/>
+                </a:solidFill>
+                <a:latin typeface="Inconsolata" panose="020B0609030003000000" pitchFamily="49" charset="77"/>
+              </a:rPr>
+              <a:t>'Please enter another integer value: '</a:t>
+            </a:r>
+            <a:r>
+              <a:rPr lang="en-US" sz="2000" b="1" dirty="0">
+                <a:solidFill>
+                  <a:srgbClr val="000000"/>
+                </a:solidFill>
+                <a:latin typeface="Inconsolata" panose="020B0609030003000000" pitchFamily="49" charset="77"/>
+              </a:rPr>
+              <a:t>) </a:t>
+            </a:r>
+            <a:endParaRPr lang="en-US" sz="2000" b="1" dirty="0">
+              <a:solidFill>
+                <a:srgbClr val="CD7923"/>
+              </a:solidFill>
+              <a:latin typeface="Inconsolata" panose="020B0609030003000000" pitchFamily="49" charset="77"/>
+            </a:endParaRPr>
+          </a:p>
+          <a:p>
+            <a:pPr marL="0" indent="0">
+              <a:buNone/>
+            </a:pPr>
+            <a:r>
+              <a:rPr lang="en-US" sz="2000" b="1" dirty="0">
+                <a:solidFill>
+                  <a:srgbClr val="000000"/>
+                </a:solidFill>
+                <a:latin typeface="Inconsolata" panose="020B0609030003000000" pitchFamily="49" charset="77"/>
+              </a:rPr>
+              <a:t>x = </a:t>
+            </a:r>
+            <a:r>
+              <a:rPr lang="en-US" sz="2000" b="1" dirty="0">
+                <a:solidFill>
+                  <a:srgbClr val="34A327"/>
+                </a:solidFill>
+                <a:latin typeface="Inconsolata" panose="020B0609030003000000" pitchFamily="49" charset="77"/>
+              </a:rPr>
+              <a:t>int</a:t>
+            </a:r>
+            <a:r>
+              <a:rPr lang="en-US" sz="2000" b="1" dirty="0">
+                <a:solidFill>
+                  <a:srgbClr val="000000"/>
+                </a:solidFill>
+                <a:latin typeface="Inconsolata" panose="020B0609030003000000" pitchFamily="49" charset="77"/>
+              </a:rPr>
+              <a:t>(x) 	</a:t>
+            </a:r>
+            <a:r>
+              <a:rPr lang="en-US" sz="2000" b="1" dirty="0">
+                <a:solidFill>
+                  <a:schemeClr val="accent1"/>
+                </a:solidFill>
+                <a:latin typeface="Inconsolata" panose="020B0609030003000000" pitchFamily="49" charset="77"/>
+              </a:rPr>
+              <a:t># casts to an integer</a:t>
+            </a:r>
+          </a:p>
+          <a:p>
+            <a:pPr marL="0" indent="0">
+              <a:buNone/>
+            </a:pPr>
+            <a:r>
+              <a:rPr lang="en-US" sz="2000" b="1" dirty="0">
+                <a:solidFill>
+                  <a:srgbClr val="000000"/>
+                </a:solidFill>
+                <a:latin typeface="Inconsolata" panose="020B0609030003000000" pitchFamily="49" charset="77"/>
+              </a:rPr>
+              <a:t>y = </a:t>
+            </a:r>
+            <a:r>
+              <a:rPr lang="en-US" sz="2000" b="1" dirty="0">
+                <a:solidFill>
+                  <a:srgbClr val="34A327"/>
+                </a:solidFill>
+                <a:latin typeface="Inconsolata" panose="020B0609030003000000" pitchFamily="49" charset="77"/>
+              </a:rPr>
+              <a:t>int</a:t>
+            </a:r>
+            <a:r>
+              <a:rPr lang="en-US" sz="2000" b="1" dirty="0">
+                <a:solidFill>
+                  <a:srgbClr val="000000"/>
+                </a:solidFill>
+                <a:latin typeface="Inconsolata" panose="020B0609030003000000" pitchFamily="49" charset="77"/>
+              </a:rPr>
+              <a:t>(y) 	</a:t>
+            </a:r>
+            <a:r>
+              <a:rPr lang="en-US" sz="2000" b="1" dirty="0">
+                <a:solidFill>
+                  <a:schemeClr val="accent1"/>
+                </a:solidFill>
+                <a:latin typeface="Inconsolata" panose="020B0609030003000000" pitchFamily="49" charset="77"/>
+              </a:rPr>
+              <a:t># casts to an integer</a:t>
+            </a:r>
+            <a:endParaRPr lang="en-US" sz="2000" b="1" dirty="0">
+              <a:solidFill>
+                <a:srgbClr val="000000"/>
+              </a:solidFill>
+              <a:latin typeface="Inconsolata" panose="020B0609030003000000" pitchFamily="49" charset="77"/>
+            </a:endParaRPr>
+          </a:p>
+          <a:p>
+            <a:pPr marL="0" indent="0">
+              <a:buNone/>
+            </a:pPr>
+            <a:r>
+              <a:rPr lang="en-US" sz="2000" b="1" dirty="0">
+                <a:solidFill>
+                  <a:srgbClr val="34A327"/>
+                </a:solidFill>
+                <a:latin typeface="Inconsolata" panose="020B0609030003000000" pitchFamily="49" charset="77"/>
+              </a:rPr>
+              <a:t>print</a:t>
+            </a:r>
+            <a:r>
+              <a:rPr lang="en-US" sz="2000" b="1" dirty="0">
+                <a:solidFill>
+                  <a:srgbClr val="000000"/>
+                </a:solidFill>
+                <a:latin typeface="Inconsolata" panose="020B0609030003000000" pitchFamily="49" charset="77"/>
+              </a:rPr>
+              <a:t>(x, </a:t>
+            </a:r>
+            <a:r>
+              <a:rPr lang="en-US" sz="2000" b="1" dirty="0">
+                <a:solidFill>
+                  <a:srgbClr val="CD7923"/>
+                </a:solidFill>
+                <a:latin typeface="Inconsolata" panose="020B0609030003000000" pitchFamily="49" charset="77"/>
+              </a:rPr>
+              <a:t>'+'</a:t>
+            </a:r>
+            <a:r>
+              <a:rPr lang="en-US" sz="2000" b="1" dirty="0">
+                <a:solidFill>
+                  <a:srgbClr val="000000"/>
+                </a:solidFill>
+                <a:latin typeface="Inconsolata" panose="020B0609030003000000" pitchFamily="49" charset="77"/>
+              </a:rPr>
+              <a:t>, y, </a:t>
+            </a:r>
+            <a:r>
+              <a:rPr lang="en-US" sz="2000" b="1" dirty="0">
+                <a:solidFill>
+                  <a:srgbClr val="CD7923"/>
+                </a:solidFill>
+                <a:latin typeface="Inconsolata" panose="020B0609030003000000" pitchFamily="49" charset="77"/>
+              </a:rPr>
+              <a:t>'='</a:t>
+            </a:r>
+            <a:r>
+              <a:rPr lang="en-US" sz="2000" b="1" dirty="0">
+                <a:solidFill>
+                  <a:srgbClr val="000000"/>
+                </a:solidFill>
+                <a:latin typeface="Inconsolata" panose="020B0609030003000000" pitchFamily="49" charset="77"/>
+              </a:rPr>
+              <a:t>, </a:t>
+            </a:r>
+            <a:r>
+              <a:rPr lang="en-US" sz="2000" b="1" dirty="0" err="1">
+                <a:solidFill>
+                  <a:srgbClr val="000000"/>
+                </a:solidFill>
+                <a:latin typeface="Inconsolata" panose="020B0609030003000000" pitchFamily="49" charset="77"/>
+              </a:rPr>
+              <a:t>x+y</a:t>
+            </a:r>
+            <a:r>
+              <a:rPr lang="en-US" sz="2000" b="1" dirty="0">
+                <a:solidFill>
+                  <a:srgbClr val="000000"/>
+                </a:solidFill>
+                <a:latin typeface="Inconsolata" panose="020B0609030003000000" pitchFamily="49" charset="77"/>
+              </a:rPr>
+              <a:t>)  </a:t>
+            </a:r>
+          </a:p>
+          <a:p>
+            <a:pPr marL="0" indent="0">
+              <a:buNone/>
+            </a:pPr>
+            <a:r>
+              <a:rPr lang="en-US" sz="2000" dirty="0">
+                <a:solidFill>
+                  <a:srgbClr val="000000"/>
+                </a:solidFill>
+                <a:latin typeface="Inconsolata" panose="020B0609030003000000" pitchFamily="49" charset="77"/>
+              </a:rPr>
+              <a:t>                                            </a:t>
+            </a:r>
+          </a:p>
+          <a:p>
+            <a:pPr marL="0" indent="0">
+              <a:buNone/>
+            </a:pPr>
+            <a:r>
+              <a:rPr lang="en-US" sz="2000" dirty="0">
+                <a:solidFill>
+                  <a:srgbClr val="000000"/>
+                </a:solidFill>
+                <a:latin typeface="Gill Sans MT" panose="020B0502020104020203" pitchFamily="34" charset="77"/>
+              </a:rPr>
+              <a:t>Please enter an integer value: 4</a:t>
+            </a:r>
+          </a:p>
+          <a:p>
+            <a:pPr marL="0" indent="0">
+              <a:buNone/>
+            </a:pPr>
+            <a:r>
+              <a:rPr lang="en-US" sz="2000" dirty="0">
+                <a:solidFill>
+                  <a:srgbClr val="000000"/>
+                </a:solidFill>
+                <a:latin typeface="Gill Sans MT" panose="020B0502020104020203" pitchFamily="34" charset="77"/>
+              </a:rPr>
+              <a:t>Please enter another integer value: 5</a:t>
+            </a:r>
+          </a:p>
+          <a:p>
+            <a:pPr marL="0" indent="0">
+              <a:buNone/>
+            </a:pPr>
+            <a:r>
+              <a:rPr lang="en-US" sz="2000" dirty="0">
+                <a:solidFill>
+                  <a:srgbClr val="000000"/>
+                </a:solidFill>
+                <a:latin typeface="Gill Sans MT" panose="020B0502020104020203" pitchFamily="34" charset="77"/>
+              </a:rPr>
+              <a:t>4 + 5 = 9</a:t>
+            </a:r>
+          </a:p>
+          <a:p>
+            <a:pPr marL="0" indent="0">
+              <a:buNone/>
+            </a:pPr>
+            <a:endParaRPr lang="en-US" dirty="0">
+              <a:latin typeface="Gill Sans MT" panose="020B0502020104020203" pitchFamily="34" charset="77"/>
+            </a:endParaRPr>
+          </a:p>
+          <a:p>
+            <a:pPr marL="342900" lvl="1" indent="0">
+              <a:buNone/>
+            </a:pPr>
+            <a:endParaRPr lang="en-US" sz="2100" dirty="0">
+              <a:latin typeface="Gill Sans MT" panose="020B0502020104020203" pitchFamily="34" charset="77"/>
+            </a:endParaRPr>
+          </a:p>
+          <a:p>
+            <a:pPr marL="342900" lvl="1" indent="0">
+              <a:buNone/>
+            </a:pPr>
+            <a:endParaRPr lang="en-US" sz="2100" dirty="0">
+              <a:latin typeface="Gill Sans MT" panose="020B0502020104020203" pitchFamily="34" charset="77"/>
+            </a:endParaRPr>
+          </a:p>
+          <a:p>
+            <a:pPr marL="342900" lvl="1" indent="0">
+              <a:buNone/>
+            </a:pPr>
+            <a:endParaRPr lang="en-US" sz="2100" dirty="0">
+              <a:solidFill>
+                <a:srgbClr val="000087"/>
+              </a:solidFill>
+              <a:latin typeface="Gill Sans MT" panose="020B0502020104020203" pitchFamily="34" charset="77"/>
+            </a:endParaRPr>
+          </a:p>
+        </p:txBody>
+      </p:sp>
+    </p:spTree>
+    <p:extLst>
+      <p:ext uri="{BB962C8B-B14F-4D97-AF65-F5344CB8AC3E}">
+        <p14:creationId xmlns:p14="http://schemas.microsoft.com/office/powerpoint/2010/main" val="4236300541"/>
+      </p:ext>
+    </p:extLst>
+  </p:cSld>
+  <p:clrMapOvr>
+    <a:masterClrMapping/>
+  </p:clrMapOvr>
+</p:sld>
+</file>
+
+<file path=ppt/slides/slide22.xml><?xml version="1.0" encoding="utf-8"?>
+<p:sld xmlns:a="http://schemas.openxmlformats.org/drawingml/2006/main" xmlns:r="http://schemas.openxmlformats.org/officeDocument/2006/relationships" xmlns:p="http://schemas.openxmlformats.org/presentationml/2006/main">
+  <p:cSld>
+    <p:spTree>
+      <p:nvGrpSpPr>
+        <p:cNvPr id="1" name=""/>
+        <p:cNvGrpSpPr/>
+        <p:nvPr/>
+      </p:nvGrpSpPr>
+      <p:grpSpPr>
+        <a:xfrm>
+          <a:off x="0" y="0"/>
+          <a:ext cx="0" cy="0"/>
+          <a:chOff x="0" y="0"/>
+          <a:chExt cx="0" cy="0"/>
+        </a:xfrm>
+      </p:grpSpPr>
+      <p:sp>
+        <p:nvSpPr>
+          <p:cNvPr id="2" name="Title 1">
+            <a:extLst>
+              <a:ext uri="{FF2B5EF4-FFF2-40B4-BE49-F238E27FC236}">
+                <a16:creationId xmlns:a16="http://schemas.microsoft.com/office/drawing/2014/main" id="{AA3A228F-61D0-D949-A5E7-F83756230BF8}"/>
+              </a:ext>
+            </a:extLst>
+          </p:cNvPr>
+          <p:cNvSpPr>
+            <a:spLocks noGrp="1"/>
+          </p:cNvSpPr>
+          <p:nvPr>
+            <p:ph type="title"/>
+          </p:nvPr>
+        </p:nvSpPr>
+        <p:spPr>
+          <a:xfrm>
+            <a:off x="144801" y="134008"/>
+            <a:ext cx="7053542" cy="683886"/>
+          </a:xfrm>
+        </p:spPr>
+        <p:txBody>
+          <a:bodyPr/>
+          <a:lstStyle/>
+          <a:p>
+            <a:r>
+              <a:rPr lang="en-US" dirty="0"/>
+              <a:t>Input</a:t>
+            </a:r>
+          </a:p>
+        </p:txBody>
+      </p:sp>
+      <p:sp>
+        <p:nvSpPr>
+          <p:cNvPr id="9" name="Content Placeholder 8">
+            <a:extLst>
+              <a:ext uri="{FF2B5EF4-FFF2-40B4-BE49-F238E27FC236}">
+                <a16:creationId xmlns:a16="http://schemas.microsoft.com/office/drawing/2014/main" id="{E3B2E017-30B2-884B-A113-B419A2ED51AD}"/>
+              </a:ext>
+            </a:extLst>
+          </p:cNvPr>
+          <p:cNvSpPr>
+            <a:spLocks noGrp="1"/>
+          </p:cNvSpPr>
+          <p:nvPr>
+            <p:ph idx="1"/>
+          </p:nvPr>
+        </p:nvSpPr>
+        <p:spPr>
+          <a:xfrm>
+            <a:off x="144802" y="817895"/>
+            <a:ext cx="8390772" cy="4763098"/>
+          </a:xfrm>
+        </p:spPr>
+        <p:txBody>
+          <a:bodyPr>
+            <a:normAutofit/>
+          </a:bodyPr>
+          <a:lstStyle/>
+          <a:p>
+            <a:pPr marL="0" indent="0">
+              <a:buNone/>
+            </a:pPr>
+            <a:r>
+              <a:rPr lang="en-US" sz="2000" dirty="0"/>
+              <a:t>Or even more succinctly. </a:t>
+            </a:r>
+          </a:p>
+          <a:p>
+            <a:pPr marL="0" indent="0">
+              <a:buNone/>
+            </a:pPr>
+            <a:endParaRPr lang="en-US" sz="1800" b="1" dirty="0">
+              <a:solidFill>
+                <a:srgbClr val="34A327"/>
+              </a:solidFill>
+              <a:latin typeface="Inconsolata" panose="020B0609030003000000" pitchFamily="49" charset="77"/>
+            </a:endParaRPr>
+          </a:p>
+          <a:p>
+            <a:pPr marL="0" indent="0">
+              <a:buNone/>
+            </a:pPr>
+            <a:r>
+              <a:rPr lang="en-US" sz="1800" b="1" dirty="0">
+                <a:solidFill>
+                  <a:srgbClr val="000000"/>
+                </a:solidFill>
+                <a:latin typeface="Inconsolata" panose="020B0609030003000000" pitchFamily="49" charset="77"/>
+              </a:rPr>
+              <a:t>x = </a:t>
+            </a:r>
+            <a:r>
+              <a:rPr lang="en-US" sz="1800" b="1" dirty="0">
+                <a:solidFill>
+                  <a:srgbClr val="34A327"/>
+                </a:solidFill>
+                <a:latin typeface="Inconsolata" panose="020B0609030003000000" pitchFamily="49" charset="77"/>
+              </a:rPr>
+              <a:t>int(input(</a:t>
+            </a:r>
+            <a:r>
+              <a:rPr lang="en-US" sz="1800" b="1" dirty="0">
+                <a:solidFill>
+                  <a:srgbClr val="CD7923"/>
+                </a:solidFill>
+                <a:latin typeface="Inconsolata" panose="020B0609030003000000" pitchFamily="49" charset="77"/>
+              </a:rPr>
+              <a:t>‘Please enter an integer value: ’</a:t>
+            </a:r>
+            <a:r>
+              <a:rPr lang="en-US" sz="1800" b="1" dirty="0">
+                <a:solidFill>
+                  <a:srgbClr val="34A327"/>
+                </a:solidFill>
+                <a:latin typeface="Inconsolata" panose="020B0609030003000000" pitchFamily="49" charset="77"/>
+              </a:rPr>
+              <a:t>))</a:t>
+            </a:r>
+            <a:r>
+              <a:rPr lang="en-US" sz="1800" b="1" dirty="0">
+                <a:solidFill>
+                  <a:srgbClr val="000000"/>
+                </a:solidFill>
+                <a:latin typeface="Inconsolata" panose="020B0609030003000000" pitchFamily="49" charset="77"/>
+              </a:rPr>
+              <a:t> </a:t>
+            </a:r>
+            <a:endParaRPr lang="en-US" sz="1800" b="1" dirty="0">
+              <a:solidFill>
+                <a:srgbClr val="CD7923"/>
+              </a:solidFill>
+              <a:latin typeface="Inconsolata" panose="020B0609030003000000" pitchFamily="49" charset="77"/>
+            </a:endParaRPr>
+          </a:p>
+          <a:p>
+            <a:pPr marL="0" indent="0">
+              <a:buNone/>
+            </a:pPr>
+            <a:r>
+              <a:rPr lang="en-US" sz="1800" b="1" dirty="0">
+                <a:solidFill>
+                  <a:srgbClr val="000000"/>
+                </a:solidFill>
+                <a:latin typeface="Inconsolata" panose="020B0609030003000000" pitchFamily="49" charset="77"/>
+              </a:rPr>
+              <a:t>y = </a:t>
+            </a:r>
+            <a:r>
+              <a:rPr lang="en-US" sz="1800" b="1" dirty="0">
+                <a:solidFill>
+                  <a:srgbClr val="34A327"/>
+                </a:solidFill>
+                <a:latin typeface="Inconsolata" panose="020B0609030003000000" pitchFamily="49" charset="77"/>
+              </a:rPr>
+              <a:t>int(input(</a:t>
+            </a:r>
+            <a:r>
+              <a:rPr lang="en-US" sz="1800" b="1" dirty="0">
+                <a:solidFill>
+                  <a:srgbClr val="CD7923"/>
+                </a:solidFill>
+                <a:latin typeface="Inconsolata" panose="020B0609030003000000" pitchFamily="49" charset="77"/>
+              </a:rPr>
+              <a:t>'Please enter another integer value: ‘</a:t>
+            </a:r>
+            <a:r>
+              <a:rPr lang="en-US" sz="1800" b="1" dirty="0">
+                <a:solidFill>
+                  <a:srgbClr val="34A327"/>
+                </a:solidFill>
+                <a:latin typeface="Inconsolata" panose="020B0609030003000000" pitchFamily="49" charset="77"/>
+              </a:rPr>
+              <a:t>))</a:t>
+            </a:r>
+            <a:r>
+              <a:rPr lang="en-US" sz="1800" b="1" dirty="0">
+                <a:solidFill>
+                  <a:srgbClr val="000000"/>
+                </a:solidFill>
+                <a:latin typeface="Inconsolata" panose="020B0609030003000000" pitchFamily="49" charset="77"/>
+              </a:rPr>
+              <a:t> </a:t>
+            </a:r>
+            <a:endParaRPr lang="en-US" sz="1800" b="1" dirty="0">
+              <a:solidFill>
+                <a:srgbClr val="CD7923"/>
+              </a:solidFill>
+              <a:latin typeface="Inconsolata" panose="020B0609030003000000" pitchFamily="49" charset="77"/>
+            </a:endParaRPr>
+          </a:p>
+          <a:p>
+            <a:pPr marL="0" indent="0">
+              <a:buNone/>
+            </a:pPr>
+            <a:r>
+              <a:rPr lang="en-US" sz="1800" b="1" dirty="0">
+                <a:solidFill>
+                  <a:srgbClr val="34A327"/>
+                </a:solidFill>
+                <a:latin typeface="Inconsolata" panose="020B0609030003000000" pitchFamily="49" charset="77"/>
+              </a:rPr>
+              <a:t>print</a:t>
+            </a:r>
+            <a:r>
+              <a:rPr lang="en-US" sz="1800" b="1" dirty="0">
+                <a:solidFill>
+                  <a:srgbClr val="000000"/>
+                </a:solidFill>
+                <a:latin typeface="Inconsolata" panose="020B0609030003000000" pitchFamily="49" charset="77"/>
+              </a:rPr>
+              <a:t>(x, </a:t>
+            </a:r>
+            <a:r>
+              <a:rPr lang="en-US" sz="1800" b="1" dirty="0">
+                <a:solidFill>
+                  <a:srgbClr val="CD7923"/>
+                </a:solidFill>
+                <a:latin typeface="Inconsolata" panose="020B0609030003000000" pitchFamily="49" charset="77"/>
+              </a:rPr>
+              <a:t>'+'</a:t>
+            </a:r>
+            <a:r>
+              <a:rPr lang="en-US" sz="1800" b="1" dirty="0">
+                <a:solidFill>
+                  <a:srgbClr val="000000"/>
+                </a:solidFill>
+                <a:latin typeface="Inconsolata" panose="020B0609030003000000" pitchFamily="49" charset="77"/>
+              </a:rPr>
+              <a:t>, y, </a:t>
+            </a:r>
+            <a:r>
+              <a:rPr lang="en-US" sz="1800" b="1" dirty="0">
+                <a:solidFill>
+                  <a:srgbClr val="CD7923"/>
+                </a:solidFill>
+                <a:latin typeface="Inconsolata" panose="020B0609030003000000" pitchFamily="49" charset="77"/>
+              </a:rPr>
+              <a:t>'='</a:t>
+            </a:r>
+            <a:r>
+              <a:rPr lang="en-US" sz="1800" b="1" dirty="0">
+                <a:solidFill>
+                  <a:srgbClr val="000000"/>
+                </a:solidFill>
+                <a:latin typeface="Inconsolata" panose="020B0609030003000000" pitchFamily="49" charset="77"/>
+              </a:rPr>
+              <a:t>, </a:t>
+            </a:r>
+            <a:r>
+              <a:rPr lang="en-US" sz="1800" b="1" dirty="0" err="1">
+                <a:solidFill>
+                  <a:srgbClr val="000000"/>
+                </a:solidFill>
+                <a:latin typeface="Inconsolata" panose="020B0609030003000000" pitchFamily="49" charset="77"/>
+              </a:rPr>
+              <a:t>x+y</a:t>
+            </a:r>
+            <a:r>
+              <a:rPr lang="en-US" sz="1800" b="1" dirty="0">
+                <a:solidFill>
+                  <a:srgbClr val="000000"/>
+                </a:solidFill>
+                <a:latin typeface="Inconsolata" panose="020B0609030003000000" pitchFamily="49" charset="77"/>
+              </a:rPr>
+              <a:t>)  </a:t>
+            </a:r>
+          </a:p>
+          <a:p>
+            <a:pPr marL="0" indent="0">
+              <a:buNone/>
+            </a:pPr>
+            <a:r>
+              <a:rPr lang="en-US" sz="2000" dirty="0">
+                <a:solidFill>
+                  <a:srgbClr val="000000"/>
+                </a:solidFill>
+                <a:latin typeface="Inconsolata" panose="020B0609030003000000" pitchFamily="49" charset="77"/>
+              </a:rPr>
+              <a:t>                                            </a:t>
+            </a:r>
+          </a:p>
+          <a:p>
+            <a:pPr marL="0" indent="0">
+              <a:buNone/>
+            </a:pPr>
+            <a:r>
+              <a:rPr lang="en-US" sz="2000" dirty="0">
+                <a:solidFill>
+                  <a:srgbClr val="000000"/>
+                </a:solidFill>
+                <a:latin typeface="Gill Sans MT" panose="020B0502020104020203" pitchFamily="34" charset="77"/>
+              </a:rPr>
+              <a:t>Please enter an integer value: 4</a:t>
+            </a:r>
+          </a:p>
+          <a:p>
+            <a:pPr marL="0" indent="0">
+              <a:buNone/>
+            </a:pPr>
+            <a:r>
+              <a:rPr lang="en-US" sz="2000" dirty="0">
+                <a:solidFill>
+                  <a:srgbClr val="000000"/>
+                </a:solidFill>
+                <a:latin typeface="Gill Sans MT" panose="020B0502020104020203" pitchFamily="34" charset="77"/>
+              </a:rPr>
+              <a:t>Please enter another integer value: 5</a:t>
+            </a:r>
+          </a:p>
+          <a:p>
+            <a:pPr marL="0" indent="0">
+              <a:buNone/>
+            </a:pPr>
+            <a:r>
+              <a:rPr lang="en-US" sz="2000" dirty="0">
+                <a:solidFill>
+                  <a:srgbClr val="000000"/>
+                </a:solidFill>
+                <a:latin typeface="Gill Sans MT" panose="020B0502020104020203" pitchFamily="34" charset="77"/>
+              </a:rPr>
+              <a:t>4 + 5 = 9</a:t>
+            </a:r>
+          </a:p>
+          <a:p>
+            <a:pPr marL="0" indent="0">
+              <a:buNone/>
+            </a:pPr>
+            <a:endParaRPr lang="en-US" dirty="0">
+              <a:latin typeface="Gill Sans MT" panose="020B0502020104020203" pitchFamily="34" charset="77"/>
+            </a:endParaRPr>
+          </a:p>
+          <a:p>
+            <a:pPr marL="342900" lvl="1" indent="0">
+              <a:buNone/>
+            </a:pPr>
+            <a:endParaRPr lang="en-US" sz="2100" dirty="0">
+              <a:latin typeface="Gill Sans MT" panose="020B0502020104020203" pitchFamily="34" charset="77"/>
+            </a:endParaRPr>
+          </a:p>
+          <a:p>
+            <a:pPr marL="342900" lvl="1" indent="0">
+              <a:buNone/>
+            </a:pPr>
+            <a:endParaRPr lang="en-US" sz="2100" dirty="0">
+              <a:latin typeface="Gill Sans MT" panose="020B0502020104020203" pitchFamily="34" charset="77"/>
+            </a:endParaRPr>
+          </a:p>
+          <a:p>
+            <a:pPr marL="342900" lvl="1" indent="0">
+              <a:buNone/>
+            </a:pPr>
+            <a:endParaRPr lang="en-US" sz="2100" dirty="0">
+              <a:solidFill>
+                <a:srgbClr val="000087"/>
+              </a:solidFill>
+              <a:latin typeface="Gill Sans MT" panose="020B0502020104020203" pitchFamily="34" charset="77"/>
+            </a:endParaRPr>
+          </a:p>
+        </p:txBody>
+      </p:sp>
+    </p:spTree>
+    <p:extLst>
+      <p:ext uri="{BB962C8B-B14F-4D97-AF65-F5344CB8AC3E}">
+        <p14:creationId xmlns:p14="http://schemas.microsoft.com/office/powerpoint/2010/main" val="1011619775"/>
+      </p:ext>
+    </p:extLst>
+  </p:cSld>
+  <p:clrMapOvr>
+    <a:masterClrMapping/>
+  </p:clrMapOvr>
+</p:sld>
+</file>
+
+<file path=ppt/slides/slide23.xml><?xml version="1.0" encoding="utf-8"?>
+<p:sld xmlns:a="http://schemas.openxmlformats.org/drawingml/2006/main" xmlns:r="http://schemas.openxmlformats.org/officeDocument/2006/relationships" xmlns:p="http://schemas.openxmlformats.org/presentationml/2006/main">
+  <p:cSld>
+    <p:spTree>
+      <p:nvGrpSpPr>
+        <p:cNvPr id="1" name=""/>
+        <p:cNvGrpSpPr/>
+        <p:nvPr/>
+      </p:nvGrpSpPr>
+      <p:grpSpPr>
+        <a:xfrm>
+          <a:off x="0" y="0"/>
+          <a:ext cx="0" cy="0"/>
+          <a:chOff x="0" y="0"/>
+          <a:chExt cx="0" cy="0"/>
+        </a:xfrm>
+      </p:grpSpPr>
+      <p:sp>
+        <p:nvSpPr>
+          <p:cNvPr id="2" name="Title 1">
+            <a:extLst>
+              <a:ext uri="{FF2B5EF4-FFF2-40B4-BE49-F238E27FC236}">
+                <a16:creationId xmlns:a16="http://schemas.microsoft.com/office/drawing/2014/main" id="{AA3A228F-61D0-D949-A5E7-F83756230BF8}"/>
+              </a:ext>
+            </a:extLst>
+          </p:cNvPr>
+          <p:cNvSpPr>
+            <a:spLocks noGrp="1"/>
+          </p:cNvSpPr>
+          <p:nvPr>
+            <p:ph type="title"/>
+          </p:nvPr>
+        </p:nvSpPr>
+        <p:spPr>
+          <a:xfrm>
+            <a:off x="124252" y="127980"/>
+            <a:ext cx="7053542" cy="683886"/>
+          </a:xfrm>
+        </p:spPr>
+        <p:txBody>
+          <a:bodyPr/>
+          <a:lstStyle/>
+          <a:p>
+            <a:r>
+              <a:rPr lang="en-US" dirty="0"/>
+              <a:t>Lab 1</a:t>
+            </a:r>
+          </a:p>
+        </p:txBody>
+      </p:sp>
+      <p:sp>
+        <p:nvSpPr>
+          <p:cNvPr id="9" name="Content Placeholder 8">
+            <a:extLst>
+              <a:ext uri="{FF2B5EF4-FFF2-40B4-BE49-F238E27FC236}">
+                <a16:creationId xmlns:a16="http://schemas.microsoft.com/office/drawing/2014/main" id="{E3B2E017-30B2-884B-A113-B419A2ED51AD}"/>
+              </a:ext>
+            </a:extLst>
+          </p:cNvPr>
+          <p:cNvSpPr>
+            <a:spLocks noGrp="1"/>
+          </p:cNvSpPr>
+          <p:nvPr>
+            <p:ph idx="1"/>
+          </p:nvPr>
+        </p:nvSpPr>
+        <p:spPr>
+          <a:xfrm>
+            <a:off x="205484" y="914400"/>
+            <a:ext cx="8330090" cy="4800599"/>
+          </a:xfrm>
+        </p:spPr>
+        <p:txBody>
+          <a:bodyPr>
+            <a:noAutofit/>
+          </a:bodyPr>
+          <a:lstStyle/>
+          <a:p>
+            <a:pPr marL="0" indent="0">
+              <a:buNone/>
+            </a:pPr>
+            <a:endParaRPr lang="en-US" dirty="0"/>
+          </a:p>
+          <a:p>
+            <a:pPr marL="0" indent="0">
+              <a:buNone/>
+            </a:pPr>
+            <a:r>
+              <a:rPr lang="en-US" dirty="0"/>
+              <a:t>Create a new </a:t>
+            </a:r>
+            <a:r>
+              <a:rPr lang="en-US" dirty="0" err="1"/>
+              <a:t>repl</a:t>
+            </a:r>
+            <a:r>
+              <a:rPr lang="en-US" dirty="0"/>
+              <a:t> on </a:t>
+            </a:r>
+            <a:r>
+              <a:rPr lang="en-US" dirty="0" err="1"/>
+              <a:t>repl.it</a:t>
+            </a:r>
+            <a:r>
+              <a:rPr lang="en-US" dirty="0"/>
+              <a:t>. Write code to match the following console output:</a:t>
+            </a:r>
+          </a:p>
+          <a:p>
+            <a:pPr marL="0" indent="0">
+              <a:buNone/>
+            </a:pPr>
+            <a:endParaRPr lang="en-US" dirty="0"/>
+          </a:p>
+          <a:p>
+            <a:pPr marL="0" indent="0">
+              <a:buNone/>
+            </a:pPr>
+            <a:r>
+              <a:rPr lang="en-US" dirty="0"/>
+              <a:t>Enter your name: </a:t>
+            </a:r>
+            <a:r>
+              <a:rPr lang="en-US" u="sng" dirty="0"/>
+              <a:t>Mike</a:t>
+            </a:r>
+          </a:p>
+          <a:p>
+            <a:pPr marL="0" indent="0">
+              <a:buNone/>
+            </a:pPr>
+            <a:r>
+              <a:rPr lang="en-US" dirty="0"/>
+              <a:t>Hello Mike</a:t>
+            </a:r>
+          </a:p>
+          <a:p>
+            <a:pPr marL="0" indent="0">
+              <a:buNone/>
+            </a:pPr>
+            <a:endParaRPr lang="en-US" dirty="0"/>
+          </a:p>
+          <a:p>
+            <a:pPr marL="0" indent="0">
+              <a:buNone/>
+            </a:pPr>
+            <a:r>
+              <a:rPr lang="en-US" dirty="0"/>
+              <a:t>Enter an integer: </a:t>
+            </a:r>
+            <a:r>
+              <a:rPr lang="en-US" u="sng" dirty="0"/>
+              <a:t>10</a:t>
+            </a:r>
+          </a:p>
+          <a:p>
+            <a:pPr marL="0" indent="0">
+              <a:buNone/>
+            </a:pPr>
+            <a:r>
+              <a:rPr lang="en-US" dirty="0"/>
+              <a:t>Your number 10 doubled is 20.</a:t>
+            </a:r>
+          </a:p>
+          <a:p>
+            <a:pPr marL="0" indent="0">
+              <a:buNone/>
+            </a:pPr>
+            <a:r>
+              <a:rPr lang="en-US" dirty="0"/>
+              <a:t>The next number after 10 is 11. </a:t>
+            </a:r>
+          </a:p>
+          <a:p>
+            <a:pPr marL="0" indent="0">
+              <a:buNone/>
+            </a:pPr>
+            <a:endParaRPr lang="en-US" dirty="0"/>
+          </a:p>
+          <a:p>
+            <a:pPr marL="0" indent="0">
+              <a:buNone/>
+            </a:pPr>
+            <a:endParaRPr lang="en-US" dirty="0"/>
+          </a:p>
+          <a:p>
+            <a:pPr marL="457200" indent="-457200">
+              <a:buAutoNum type="arabicParenR"/>
+            </a:pPr>
+            <a:endParaRPr lang="en-US" dirty="0"/>
+          </a:p>
+        </p:txBody>
+      </p:sp>
+    </p:spTree>
+    <p:extLst>
+      <p:ext uri="{BB962C8B-B14F-4D97-AF65-F5344CB8AC3E}">
+        <p14:creationId xmlns:p14="http://schemas.microsoft.com/office/powerpoint/2010/main" val="3993483693"/>
+      </p:ext>
+    </p:extLst>
+  </p:cSld>
+  <p:clrMapOvr>
+    <a:masterClrMapping/>
+  </p:clrMapOvr>
+</p:sld>
+</file>
+
+<file path=ppt/slides/slide24.xml><?xml version="1.0" encoding="utf-8"?>
 <p:sld xmlns:a="http://schemas.openxmlformats.org/drawingml/2006/main" xmlns:r="http://schemas.openxmlformats.org/officeDocument/2006/relationships" xmlns:p="http://schemas.openxmlformats.org/presentationml/2006/main">
   <p:cSld>
     <p:spTree>
@@ -11438,7 +13780,7 @@
           <a:p>
             <a:r>
               <a:rPr lang="en-US" dirty="0"/>
-              <a:t>Topics</a:t>
+              <a:t>References</a:t>
             </a:r>
           </a:p>
         </p:txBody>
@@ -11461,194 +13803,296 @@
         </p:nvSpPr>
         <p:spPr>
           <a:xfrm>
-            <a:off x="483848" y="1019503"/>
-            <a:ext cx="8051725" cy="4571999"/>
+            <a:off x="483848" y="1150913"/>
+            <a:ext cx="8051725" cy="4440590"/>
+          </a:xfrm>
+        </p:spPr>
+        <p:txBody>
+          <a:bodyPr>
+            <a:noAutofit/>
+          </a:bodyPr>
+          <a:lstStyle/>
+          <a:p>
+            <a:pPr marL="0" indent="0">
+              <a:buNone/>
+            </a:pPr>
+            <a:endParaRPr lang="en-US" dirty="0"/>
+          </a:p>
+          <a:p>
+            <a:pPr marL="0" indent="0">
+              <a:buNone/>
+            </a:pPr>
+            <a:endParaRPr lang="en-US"/>
+          </a:p>
+          <a:p>
+            <a:pPr marL="0" indent="0">
+              <a:buNone/>
+            </a:pPr>
+            <a:endParaRPr lang="en-US" dirty="0"/>
+          </a:p>
+          <a:p>
+            <a:pPr marL="457200" indent="-457200">
+              <a:buAutoNum type="arabicParenR"/>
+            </a:pPr>
+            <a:r>
+              <a:rPr lang="en-US" dirty="0" err="1"/>
+              <a:t>Vanderplas</a:t>
+            </a:r>
+            <a:r>
+              <a:rPr lang="en-US" dirty="0"/>
+              <a:t>, Jake, A Whirlwind Tour of Python, </a:t>
+            </a:r>
+            <a:r>
+              <a:rPr lang="en-US" dirty="0" err="1"/>
+              <a:t>O’reilly</a:t>
+            </a:r>
+            <a:r>
+              <a:rPr lang="en-US" dirty="0"/>
+              <a:t> Media. </a:t>
+            </a:r>
+          </a:p>
+          <a:p>
+            <a:pPr marL="0" indent="0">
+              <a:buNone/>
+            </a:pPr>
+            <a:endParaRPr lang="en-US" dirty="0"/>
+          </a:p>
+          <a:p>
+            <a:pPr marL="0" indent="0">
+              <a:buNone/>
+            </a:pPr>
+            <a:r>
+              <a:rPr lang="en-US" dirty="0"/>
+              <a:t>This book is completely free and can be downloaded online at </a:t>
+            </a:r>
+            <a:r>
+              <a:rPr lang="en-US" dirty="0" err="1"/>
+              <a:t>O’reilly’s</a:t>
+            </a:r>
+            <a:r>
+              <a:rPr lang="en-US" dirty="0"/>
+              <a:t> site. </a:t>
+            </a:r>
+          </a:p>
+        </p:txBody>
+      </p:sp>
+    </p:spTree>
+    <p:extLst>
+      <p:ext uri="{BB962C8B-B14F-4D97-AF65-F5344CB8AC3E}">
+        <p14:creationId xmlns:p14="http://schemas.microsoft.com/office/powerpoint/2010/main" val="1438711869"/>
+      </p:ext>
+    </p:extLst>
+  </p:cSld>
+  <p:clrMapOvr>
+    <a:masterClrMapping/>
+  </p:clrMapOvr>
+</p:sld>
+</file>
+
+<file path=ppt/slides/slide3.xml><?xml version="1.0" encoding="utf-8"?>
+<p:sld xmlns:a="http://schemas.openxmlformats.org/drawingml/2006/main" xmlns:r="http://schemas.openxmlformats.org/officeDocument/2006/relationships" xmlns:p="http://schemas.openxmlformats.org/presentationml/2006/main">
+  <p:cSld>
+    <p:spTree>
+      <p:nvGrpSpPr>
+        <p:cNvPr id="1" name=""/>
+        <p:cNvGrpSpPr/>
+        <p:nvPr/>
+      </p:nvGrpSpPr>
+      <p:grpSpPr>
+        <a:xfrm>
+          <a:off x="0" y="0"/>
+          <a:ext cx="0" cy="0"/>
+          <a:chOff x="0" y="0"/>
+          <a:chExt cx="0" cy="0"/>
+        </a:xfrm>
+      </p:grpSpPr>
+      <p:sp>
+        <p:nvSpPr>
+          <p:cNvPr id="2" name="Title 1">
+            <a:extLst>
+              <a:ext uri="{FF2B5EF4-FFF2-40B4-BE49-F238E27FC236}">
+                <a16:creationId xmlns:a16="http://schemas.microsoft.com/office/drawing/2014/main" id="{AA3A228F-61D0-D949-A5E7-F83756230BF8}"/>
+              </a:ext>
+            </a:extLst>
+          </p:cNvPr>
+          <p:cNvSpPr>
+            <a:spLocks noGrp="1"/>
+          </p:cNvSpPr>
+          <p:nvPr>
+            <p:ph type="title"/>
+          </p:nvPr>
+        </p:nvSpPr>
+        <p:spPr>
+          <a:xfrm>
+            <a:off x="155075" y="127980"/>
+            <a:ext cx="7053542" cy="683886"/>
           </a:xfrm>
         </p:spPr>
         <p:txBody>
           <a:bodyPr/>
           <a:lstStyle/>
           <a:p>
-            <a:pPr marL="0" indent="0">
-              <a:buNone/>
-            </a:pPr>
-            <a:endParaRPr lang="en-US" dirty="0">
-              <a:latin typeface="Gill Sans MT" panose="020B0502020104020203" pitchFamily="34" charset="77"/>
-            </a:endParaRPr>
-          </a:p>
-          <a:p>
-            <a:pPr marL="457200" indent="-457200">
-              <a:buAutoNum type="arabicParenR"/>
-            </a:pPr>
-            <a:r>
-              <a:rPr lang="en-US" dirty="0">
-                <a:latin typeface="Gill Sans MT" panose="020B0502020104020203" pitchFamily="34" charset="77"/>
-              </a:rPr>
-              <a:t>Python interpreters</a:t>
-            </a:r>
-          </a:p>
-          <a:p>
-            <a:pPr marL="457200" indent="-457200">
-              <a:buAutoNum type="arabicParenR"/>
-            </a:pPr>
-            <a:r>
-              <a:rPr lang="en-US" dirty="0">
-                <a:latin typeface="Gill Sans MT" panose="020B0502020104020203" pitchFamily="34" charset="77"/>
-              </a:rPr>
-              <a:t>Python Scripts</a:t>
-            </a:r>
-          </a:p>
-          <a:p>
-            <a:pPr marL="457200" indent="-457200">
-              <a:buAutoNum type="arabicParenR"/>
-            </a:pPr>
-            <a:r>
-              <a:rPr lang="en-US" dirty="0" err="1">
-                <a:latin typeface="Gill Sans MT" panose="020B0502020104020203" pitchFamily="34" charset="77"/>
-              </a:rPr>
+            <a:r>
+              <a:rPr lang="en-US" dirty="0"/>
+              <a:t>Software</a:t>
+            </a:r>
+          </a:p>
+        </p:txBody>
+      </p:sp>
+      <p:sp>
+        <p:nvSpPr>
+          <p:cNvPr id="9" name="Content Placeholder 8">
+            <a:extLst>
+              <a:ext uri="{FF2B5EF4-FFF2-40B4-BE49-F238E27FC236}">
+                <a16:creationId xmlns:a16="http://schemas.microsoft.com/office/drawing/2014/main" id="{E3B2E017-30B2-884B-A113-B419A2ED51AD}"/>
+              </a:ext>
+            </a:extLst>
+          </p:cNvPr>
+          <p:cNvSpPr>
+            <a:spLocks noGrp="1"/>
+          </p:cNvSpPr>
+          <p:nvPr>
+            <p:ph idx="1"/>
+          </p:nvPr>
+        </p:nvSpPr>
+        <p:spPr>
+          <a:xfrm>
+            <a:off x="256854" y="811866"/>
+            <a:ext cx="8887146" cy="4489599"/>
+          </a:xfrm>
+        </p:spPr>
+        <p:txBody>
+          <a:bodyPr/>
+          <a:lstStyle/>
+          <a:p>
+            <a:pPr marL="0" indent="0">
+              <a:buNone/>
+            </a:pPr>
+            <a:r>
+              <a:rPr lang="en-US" dirty="0"/>
+              <a:t>A </a:t>
+            </a:r>
+            <a:r>
+              <a:rPr lang="en-US" b="1" dirty="0"/>
+              <a:t>program</a:t>
+            </a:r>
+            <a:r>
+              <a:rPr lang="en-US" i="1" dirty="0"/>
+              <a:t> </a:t>
+            </a:r>
+            <a:r>
+              <a:rPr lang="en-US" dirty="0"/>
+              <a:t>is a collection of program statements that performs a specific task when run by a computer. A program is often referred to as </a:t>
+            </a:r>
+            <a:r>
+              <a:rPr lang="en-US" b="1" dirty="0"/>
+              <a:t>software</a:t>
+            </a:r>
+            <a:r>
+              <a:rPr lang="en-US" dirty="0"/>
+              <a:t>.</a:t>
+            </a:r>
+          </a:p>
+          <a:p>
+            <a:pPr marL="0" indent="0">
+              <a:buNone/>
+            </a:pPr>
+            <a:endParaRPr lang="en-US" dirty="0"/>
+          </a:p>
+          <a:p>
+            <a:pPr marL="0" indent="0">
+              <a:buNone/>
+            </a:pPr>
+            <a:r>
+              <a:rPr lang="en-US" dirty="0"/>
+              <a:t>A program can be written in many programming languages. We will be using Python in this course. </a:t>
+            </a:r>
+          </a:p>
+          <a:p>
+            <a:pPr marL="0" indent="0">
+              <a:buNone/>
+            </a:pPr>
+            <a:r>
+              <a:rPr lang="en-US" dirty="0"/>
+              <a:t> </a:t>
+            </a:r>
+          </a:p>
+          <a:p>
+            <a:pPr marL="0" indent="0">
+              <a:buNone/>
+            </a:pPr>
+            <a:r>
+              <a:rPr lang="en-US" dirty="0"/>
+              <a:t>By convention, Python code is stored in a file called a </a:t>
+            </a:r>
+            <a:r>
+              <a:rPr lang="en-US" b="1" dirty="0"/>
+              <a:t>script</a:t>
+            </a:r>
+            <a:r>
+              <a:rPr lang="en-US" dirty="0"/>
+              <a:t> with a </a:t>
+            </a:r>
+            <a:r>
+              <a:rPr lang="en-US" i="1" dirty="0"/>
+              <a:t>.</a:t>
+            </a:r>
+            <a:r>
+              <a:rPr lang="en-US" i="1" dirty="0" err="1"/>
+              <a:t>py</a:t>
+            </a:r>
+            <a:r>
+              <a:rPr lang="en-US" i="1" dirty="0"/>
+              <a:t> </a:t>
+            </a:r>
+            <a:r>
+              <a:rPr lang="en-US" dirty="0"/>
+              <a:t>extension. Scripts are written using an </a:t>
+            </a:r>
+            <a:r>
+              <a:rPr lang="en-US" b="1" dirty="0"/>
+              <a:t>IDE</a:t>
+            </a:r>
+            <a:r>
+              <a:rPr lang="en-US" dirty="0"/>
+              <a:t>(Integrated Development Environment). </a:t>
+            </a:r>
+          </a:p>
+          <a:p>
+            <a:pPr marL="0" indent="0">
+              <a:buNone/>
+            </a:pPr>
+            <a:endParaRPr lang="en-US" dirty="0"/>
+          </a:p>
+          <a:p>
+            <a:pPr marL="0" indent="0">
+              <a:buNone/>
+            </a:pPr>
+            <a:r>
+              <a:rPr lang="en-US" dirty="0"/>
+              <a:t>We will initially use an online IDE (</a:t>
+            </a:r>
+            <a:r>
+              <a:rPr lang="en-US" dirty="0" err="1"/>
               <a:t>repl.it</a:t>
             </a:r>
-            <a:endParaRPr lang="en-US" dirty="0">
-              <a:latin typeface="Gill Sans MT" panose="020B0502020104020203" pitchFamily="34" charset="77"/>
-            </a:endParaRPr>
-          </a:p>
-          <a:p>
-            <a:pPr marL="457200" indent="-457200">
-              <a:buAutoNum type="arabicParenR"/>
-            </a:pPr>
-            <a:r>
-              <a:rPr lang="en-US" dirty="0">
-                <a:latin typeface="Gill Sans MT" panose="020B0502020104020203" pitchFamily="34" charset="77"/>
-              </a:rPr>
-              <a:t>Printing with print()</a:t>
-            </a:r>
-          </a:p>
-          <a:p>
-            <a:pPr marL="457200" indent="-457200">
-              <a:buAutoNum type="arabicParenR"/>
-            </a:pPr>
-            <a:r>
-              <a:rPr lang="en-US" dirty="0">
-                <a:latin typeface="Gill Sans MT" panose="020B0502020104020203" pitchFamily="34" charset="77"/>
-              </a:rPr>
-              <a:t>Basic Built-In Number Types</a:t>
-            </a:r>
-          </a:p>
-          <a:p>
-            <a:pPr marL="800100" lvl="1" indent="-457200">
-              <a:buFont typeface="+mj-lt"/>
-              <a:buAutoNum type="alphaLcParenR"/>
-            </a:pPr>
-            <a:r>
-              <a:rPr lang="en-US" dirty="0">
-                <a:latin typeface="Gill Sans MT" panose="020B0502020104020203" pitchFamily="34" charset="77"/>
-              </a:rPr>
-              <a:t>Integers (division vs. floor division) </a:t>
-            </a:r>
-          </a:p>
-          <a:p>
-            <a:pPr marL="800100" lvl="1" indent="-457200">
-              <a:buFont typeface="+mj-lt"/>
-              <a:buAutoNum type="alphaLcParenR"/>
-            </a:pPr>
-            <a:r>
-              <a:rPr lang="en-US" dirty="0">
-                <a:latin typeface="Gill Sans MT" panose="020B0502020104020203" pitchFamily="34" charset="77"/>
-              </a:rPr>
-              <a:t>Floats</a:t>
-            </a:r>
-          </a:p>
-          <a:p>
-            <a:pPr marL="800100" lvl="1" indent="-457200">
-              <a:buFont typeface="+mj-lt"/>
-              <a:buAutoNum type="alphaLcParenR"/>
-            </a:pPr>
-            <a:r>
-              <a:rPr lang="en-US" dirty="0">
-                <a:latin typeface="Gill Sans MT" panose="020B0502020104020203" pitchFamily="34" charset="77"/>
-              </a:rPr>
-              <a:t>Booleans</a:t>
-            </a:r>
-          </a:p>
-          <a:p>
-            <a:pPr marL="800100" lvl="1" indent="-457200">
-              <a:buFont typeface="+mj-lt"/>
-              <a:buAutoNum type="alphaLcParenR"/>
-            </a:pPr>
-            <a:r>
-              <a:rPr lang="en-US" dirty="0" err="1">
-                <a:latin typeface="Gill Sans MT" panose="020B0502020104020203" pitchFamily="34" charset="77"/>
-              </a:rPr>
-              <a:t>NoneType</a:t>
-            </a:r>
-            <a:endParaRPr lang="en-US" dirty="0">
-              <a:latin typeface="Gill Sans MT" panose="020B0502020104020203" pitchFamily="34" charset="77"/>
-            </a:endParaRPr>
-          </a:p>
-          <a:p>
-            <a:pPr marL="800100" lvl="1" indent="-457200">
-              <a:buFont typeface="+mj-lt"/>
-              <a:buAutoNum type="alphaLcParenR"/>
-            </a:pPr>
-            <a:endParaRPr lang="en-US" dirty="0">
-              <a:latin typeface="Gill Sans MT" panose="020B0502020104020203" pitchFamily="34" charset="77"/>
-            </a:endParaRPr>
-          </a:p>
-          <a:p>
-            <a:pPr marL="342900" lvl="1" indent="0">
-              <a:buNone/>
-            </a:pPr>
-            <a:endParaRPr lang="en-US" dirty="0">
-              <a:latin typeface="Gill Sans MT" panose="020B0502020104020203" pitchFamily="34" charset="77"/>
-            </a:endParaRPr>
-          </a:p>
-          <a:p>
-            <a:pPr marL="457200" indent="-457200">
-              <a:buFont typeface="+mj-lt"/>
-              <a:buAutoNum type="arabicParenR"/>
-            </a:pPr>
-            <a:endParaRPr lang="en-US" dirty="0">
-              <a:latin typeface="Gill Sans MT" panose="020B0502020104020203" pitchFamily="34" charset="77"/>
-            </a:endParaRPr>
-          </a:p>
-          <a:p>
-            <a:pPr marL="457200" indent="-457200">
-              <a:buAutoNum type="arabicParenR"/>
-            </a:pPr>
-            <a:endParaRPr lang="en-US" dirty="0">
-              <a:latin typeface="Gill Sans MT" panose="020B0502020104020203" pitchFamily="34" charset="77"/>
-            </a:endParaRPr>
-          </a:p>
-          <a:p>
-            <a:pPr marL="457200" indent="-457200">
-              <a:buAutoNum type="arabicParenR"/>
-            </a:pPr>
-            <a:endParaRPr lang="en-US" dirty="0">
-              <a:latin typeface="Gill Sans MT" panose="020B0502020104020203" pitchFamily="34" charset="77"/>
-            </a:endParaRPr>
-          </a:p>
-          <a:p>
-            <a:pPr marL="0" indent="0">
-              <a:buNone/>
-            </a:pPr>
-            <a:endParaRPr lang="en-US" dirty="0">
-              <a:latin typeface="Gill Sans MT" panose="020B0502020104020203" pitchFamily="34" charset="77"/>
-            </a:endParaRPr>
-          </a:p>
-          <a:p>
-            <a:pPr marL="0" indent="0">
-              <a:buNone/>
-            </a:pPr>
-            <a:endParaRPr lang="en-US" b="1" dirty="0">
-              <a:latin typeface="Gill Sans MT" panose="020B0502020104020203" pitchFamily="34" charset="77"/>
-            </a:endParaRPr>
+            <a:r>
+              <a:rPr lang="en-US" dirty="0"/>
+              <a:t>, login with your Google account) to learn the basics of Python. A popular IDE that can be installed locally on your computer is  Visual Studio Code.</a:t>
+            </a:r>
+          </a:p>
+          <a:p>
+            <a:pPr marL="0" indent="0">
+              <a:buNone/>
+            </a:pPr>
+            <a:endParaRPr lang="en-US" dirty="0"/>
           </a:p>
         </p:txBody>
       </p:sp>
     </p:spTree>
     <p:extLst>
       <p:ext uri="{BB962C8B-B14F-4D97-AF65-F5344CB8AC3E}">
-        <p14:creationId xmlns:p14="http://schemas.microsoft.com/office/powerpoint/2010/main" val="2207246265"/>
+        <p14:creationId xmlns:p14="http://schemas.microsoft.com/office/powerpoint/2010/main" val="3618694306"/>
       </p:ext>
     </p:extLst>
   </p:cSld>
@@ -11740,7 +14184,7 @@
                                         <p:tgtEl>
                                           <p:spTgt spid="9">
                                             <p:txEl>
-                                              <p:pRg st="3" end="3"/>
+                                              <p:pRg st="4" end="4"/>
                                             </p:txEl>
                                           </p:spTgt>
                                         </p:tgtEl>
@@ -11789,180 +14233,7 @@
                                         <p:tgtEl>
                                           <p:spTgt spid="9">
                                             <p:txEl>
-                                              <p:pRg st="4" end="4"/>
-                                            </p:txEl>
-                                          </p:spTgt>
-                                        </p:tgtEl>
-                                        <p:attrNameLst>
-                                          <p:attrName>style.visibility</p:attrName>
-                                        </p:attrNameLst>
-                                      </p:cBhvr>
-                                      <p:to>
-                                        <p:strVal val="visible"/>
-                                      </p:to>
-                                    </p:set>
-                                  </p:childTnLst>
-                                </p:cTn>
-                              </p:par>
-                            </p:childTnLst>
-                          </p:cTn>
-                        </p:par>
-                      </p:childTnLst>
-                    </p:cTn>
-                  </p:par>
-                  <p:par>
-                    <p:cTn id="15" fill="hold">
-                      <p:stCondLst>
-                        <p:cond delay="indefinite"/>
-                      </p:stCondLst>
-                      <p:childTnLst>
-                        <p:par>
-                          <p:cTn id="16" fill="hold">
-                            <p:stCondLst>
-                              <p:cond delay="0"/>
-                            </p:stCondLst>
-                            <p:childTnLst>
-                              <p:par>
-                                <p:cTn id="17" presetID="1" presetClass="entr" presetSubtype="0" fill="hold" nodeType="clickEffect">
-                                  <p:stCondLst>
-                                    <p:cond delay="0"/>
-                                  </p:stCondLst>
-                                  <p:childTnLst>
-                                    <p:set>
-                                      <p:cBhvr>
-                                        <p:cTn id="18" dur="1" fill="hold">
-                                          <p:stCondLst>
-                                            <p:cond delay="0"/>
-                                          </p:stCondLst>
-                                        </p:cTn>
-                                        <p:tgtEl>
-                                          <p:spTgt spid="9">
-                                            <p:txEl>
-                                              <p:pRg st="5" end="5"/>
-                                            </p:txEl>
-                                          </p:spTgt>
-                                        </p:tgtEl>
-                                        <p:attrNameLst>
-                                          <p:attrName>style.visibility</p:attrName>
-                                        </p:attrNameLst>
-                                      </p:cBhvr>
-                                      <p:to>
-                                        <p:strVal val="visible"/>
-                                      </p:to>
-                                    </p:set>
-                                  </p:childTnLst>
-                                </p:cTn>
-                              </p:par>
-                              <p:par>
-                                <p:cTn id="19" presetID="1" presetClass="entr" presetSubtype="0" fill="hold" nodeType="withEffect">
-                                  <p:stCondLst>
-                                    <p:cond delay="0"/>
-                                  </p:stCondLst>
-                                  <p:childTnLst>
-                                    <p:set>
-                                      <p:cBhvr>
-                                        <p:cTn id="20" dur="1" fill="hold">
-                                          <p:stCondLst>
-                                            <p:cond delay="0"/>
-                                          </p:stCondLst>
-                                        </p:cTn>
-                                        <p:tgtEl>
-                                          <p:spTgt spid="9">
-                                            <p:txEl>
                                               <p:pRg st="6" end="6"/>
-                                            </p:txEl>
-                                          </p:spTgt>
-                                        </p:tgtEl>
-                                        <p:attrNameLst>
-                                          <p:attrName>style.visibility</p:attrName>
-                                        </p:attrNameLst>
-                                      </p:cBhvr>
-                                      <p:to>
-                                        <p:strVal val="visible"/>
-                                      </p:to>
-                                    </p:set>
-                                  </p:childTnLst>
-                                </p:cTn>
-                              </p:par>
-                              <p:par>
-                                <p:cTn id="21" presetID="1" presetClass="entr" presetSubtype="0" fill="hold" nodeType="withEffect">
-                                  <p:stCondLst>
-                                    <p:cond delay="0"/>
-                                  </p:stCondLst>
-                                  <p:childTnLst>
-                                    <p:set>
-                                      <p:cBhvr>
-                                        <p:cTn id="22" dur="1" fill="hold">
-                                          <p:stCondLst>
-                                            <p:cond delay="0"/>
-                                          </p:stCondLst>
-                                        </p:cTn>
-                                        <p:tgtEl>
-                                          <p:spTgt spid="9">
-                                            <p:txEl>
-                                              <p:pRg st="7" end="7"/>
-                                            </p:txEl>
-                                          </p:spTgt>
-                                        </p:tgtEl>
-                                        <p:attrNameLst>
-                                          <p:attrName>style.visibility</p:attrName>
-                                        </p:attrNameLst>
-                                      </p:cBhvr>
-                                      <p:to>
-                                        <p:strVal val="visible"/>
-                                      </p:to>
-                                    </p:set>
-                                  </p:childTnLst>
-                                </p:cTn>
-                              </p:par>
-                              <p:par>
-                                <p:cTn id="23" presetID="1" presetClass="entr" presetSubtype="0" fill="hold" nodeType="withEffect">
-                                  <p:stCondLst>
-                                    <p:cond delay="0"/>
-                                  </p:stCondLst>
-                                  <p:childTnLst>
-                                    <p:set>
-                                      <p:cBhvr>
-                                        <p:cTn id="24" dur="1" fill="hold">
-                                          <p:stCondLst>
-                                            <p:cond delay="0"/>
-                                          </p:stCondLst>
-                                        </p:cTn>
-                                        <p:tgtEl>
-                                          <p:spTgt spid="9">
-                                            <p:txEl>
-                                              <p:pRg st="8" end="8"/>
-                                            </p:txEl>
-                                          </p:spTgt>
-                                        </p:tgtEl>
-                                        <p:attrNameLst>
-                                          <p:attrName>style.visibility</p:attrName>
-                                        </p:attrNameLst>
-                                      </p:cBhvr>
-                                      <p:to>
-                                        <p:strVal val="visible"/>
-                                      </p:to>
-                                    </p:set>
-                                  </p:childTnLst>
-                                </p:cTn>
-                              </p:par>
-                              <p:par>
-                                <p:cTn id="25" presetID="1" presetClass="entr" presetSubtype="0" fill="hold" nodeType="withEffect">
-                                  <p:stCondLst>
-                                    <p:cond delay="0"/>
-                                  </p:stCondLst>
-                                  <p:childTnLst>
-                                    <p:set>
-                                      <p:cBhvr>
-                                        <p:cTn id="26" dur="1" fill="hold">
-                                          <p:stCondLst>
-                                            <p:cond delay="0"/>
-                                          </p:stCondLst>
-                                        </p:cTn>
-                                        <p:tgtEl>
-                                          <p:spTgt spid="9">
-                                            <p:txEl>
-                                              <p:pRg st="9" end="9"/>
                                             </p:txEl>
                                           </p:spTgt>
                                         </p:tgtEl>
@@ -12005,1621 +14276,6 @@
       </p:par>
     </p:tnLst>
   </p:timing>
-</p:sld>
-</file>
-
-<file path=ppt/slides/slide20.xml><?xml version="1.0" encoding="utf-8"?>
-<p:sld xmlns:a="http://schemas.openxmlformats.org/drawingml/2006/main" xmlns:r="http://schemas.openxmlformats.org/officeDocument/2006/relationships" xmlns:p="http://schemas.openxmlformats.org/presentationml/2006/main">
-  <p:cSld>
-    <p:spTree>
-      <p:nvGrpSpPr>
-        <p:cNvPr id="1" name=""/>
-        <p:cNvGrpSpPr/>
-        <p:nvPr/>
-      </p:nvGrpSpPr>
-      <p:grpSpPr>
-        <a:xfrm>
-          <a:off x="0" y="0"/>
-          <a:ext cx="0" cy="0"/>
-          <a:chOff x="0" y="0"/>
-          <a:chExt cx="0" cy="0"/>
-        </a:xfrm>
-      </p:grpSpPr>
-      <p:sp>
-        <p:nvSpPr>
-          <p:cNvPr id="2" name="Title 1">
-            <a:extLst>
-              <a:ext uri="{FF2B5EF4-FFF2-40B4-BE49-F238E27FC236}">
-                <a16:creationId xmlns:a16="http://schemas.microsoft.com/office/drawing/2014/main" id="{AA3A228F-61D0-D949-A5E7-F83756230BF8}"/>
-              </a:ext>
-            </a:extLst>
-          </p:cNvPr>
-          <p:cNvSpPr>
-            <a:spLocks noGrp="1"/>
-          </p:cNvSpPr>
-          <p:nvPr>
-            <p:ph type="title"/>
-          </p:nvPr>
-        </p:nvSpPr>
-        <p:spPr>
-          <a:xfrm>
-            <a:off x="144800" y="134008"/>
-            <a:ext cx="7053542" cy="683886"/>
-          </a:xfrm>
-        </p:spPr>
-        <p:txBody>
-          <a:bodyPr/>
-          <a:lstStyle/>
-          <a:p>
-            <a:r>
-              <a:rPr lang="en-US" dirty="0"/>
-              <a:t>Input</a:t>
-            </a:r>
-          </a:p>
-        </p:txBody>
-      </p:sp>
-      <p:sp>
-        <p:nvSpPr>
-          <p:cNvPr id="9" name="Content Placeholder 8">
-            <a:extLst>
-              <a:ext uri="{FF2B5EF4-FFF2-40B4-BE49-F238E27FC236}">
-                <a16:creationId xmlns:a16="http://schemas.microsoft.com/office/drawing/2014/main" id="{E3B2E017-30B2-884B-A113-B419A2ED51AD}"/>
-              </a:ext>
-            </a:extLst>
-          </p:cNvPr>
-          <p:cNvSpPr>
-            <a:spLocks noGrp="1"/>
-          </p:cNvSpPr>
-          <p:nvPr>
-            <p:ph idx="1"/>
-          </p:nvPr>
-        </p:nvSpPr>
-        <p:spPr>
-          <a:xfrm>
-            <a:off x="144800" y="817895"/>
-            <a:ext cx="8762894" cy="4763097"/>
-          </a:xfrm>
-        </p:spPr>
-        <p:txBody>
-          <a:bodyPr>
-            <a:normAutofit/>
-          </a:bodyPr>
-          <a:lstStyle/>
-          <a:p>
-            <a:pPr marL="0" indent="0">
-              <a:buNone/>
-            </a:pPr>
-            <a:r>
-              <a:rPr lang="en-US" sz="2000" dirty="0"/>
-              <a:t>Since user input almost always requires a message to the user about the expected input, the input function optionally accepts a string that it prints just before the program stops to wait for the user to respond. </a:t>
-            </a:r>
-          </a:p>
-          <a:p>
-            <a:pPr marL="0" indent="0">
-              <a:buNone/>
-            </a:pPr>
-            <a:endParaRPr lang="en-US" sz="2000" b="1" dirty="0">
-              <a:solidFill>
-                <a:srgbClr val="000000"/>
-              </a:solidFill>
-              <a:latin typeface="Inconsolata" panose="020B0609030003000000" pitchFamily="49" charset="77"/>
-            </a:endParaRPr>
-          </a:p>
-          <a:p>
-            <a:pPr marL="0" indent="0">
-              <a:buNone/>
-            </a:pPr>
-            <a:r>
-              <a:rPr lang="en-US" sz="2000" b="1" dirty="0">
-                <a:solidFill>
-                  <a:srgbClr val="000000"/>
-                </a:solidFill>
-                <a:latin typeface="Inconsolata" panose="020B0609030003000000" pitchFamily="49" charset="77"/>
-              </a:rPr>
-              <a:t>x = </a:t>
-            </a:r>
-            <a:r>
-              <a:rPr lang="en-US" sz="2000" b="1" dirty="0">
-                <a:solidFill>
-                  <a:srgbClr val="34A327"/>
-                </a:solidFill>
-                <a:latin typeface="Inconsolata" panose="020B0609030003000000" pitchFamily="49" charset="77"/>
-              </a:rPr>
-              <a:t>input</a:t>
-            </a:r>
-            <a:r>
-              <a:rPr lang="en-US" sz="2000" b="1" dirty="0">
-                <a:solidFill>
-                  <a:srgbClr val="000000"/>
-                </a:solidFill>
-                <a:latin typeface="Inconsolata" panose="020B0609030003000000" pitchFamily="49" charset="77"/>
-              </a:rPr>
-              <a:t>(</a:t>
-            </a:r>
-            <a:r>
-              <a:rPr lang="en-US" sz="2000" b="1" dirty="0">
-                <a:solidFill>
-                  <a:srgbClr val="CD7923"/>
-                </a:solidFill>
-                <a:latin typeface="Inconsolata" panose="020B0609030003000000" pitchFamily="49" charset="77"/>
-              </a:rPr>
-              <a:t>'Please enter an integer value: '</a:t>
-            </a:r>
-            <a:r>
-              <a:rPr lang="en-US" sz="2000" b="1" dirty="0">
-                <a:solidFill>
-                  <a:srgbClr val="000000"/>
-                </a:solidFill>
-                <a:latin typeface="Inconsolata" panose="020B0609030003000000" pitchFamily="49" charset="77"/>
-              </a:rPr>
-              <a:t>) </a:t>
-            </a:r>
-            <a:endParaRPr lang="en-US" sz="2000" b="1" dirty="0">
-              <a:solidFill>
-                <a:srgbClr val="CD7923"/>
-              </a:solidFill>
-              <a:latin typeface="Inconsolata" panose="020B0609030003000000" pitchFamily="49" charset="77"/>
-            </a:endParaRPr>
-          </a:p>
-          <a:p>
-            <a:pPr marL="0" indent="0">
-              <a:buNone/>
-            </a:pPr>
-            <a:r>
-              <a:rPr lang="en-US" sz="2000" b="1" dirty="0">
-                <a:solidFill>
-                  <a:srgbClr val="000000"/>
-                </a:solidFill>
-                <a:latin typeface="Inconsolata" panose="020B0609030003000000" pitchFamily="49" charset="77"/>
-              </a:rPr>
-              <a:t>y = </a:t>
-            </a:r>
-            <a:r>
-              <a:rPr lang="en-US" sz="2000" b="1" dirty="0">
-                <a:solidFill>
-                  <a:srgbClr val="34A327"/>
-                </a:solidFill>
-                <a:latin typeface="Inconsolata" panose="020B0609030003000000" pitchFamily="49" charset="77"/>
-              </a:rPr>
-              <a:t>input</a:t>
-            </a:r>
-            <a:r>
-              <a:rPr lang="en-US" sz="2000" b="1" dirty="0">
-                <a:solidFill>
-                  <a:srgbClr val="000000"/>
-                </a:solidFill>
-                <a:latin typeface="Inconsolata" panose="020B0609030003000000" pitchFamily="49" charset="77"/>
-              </a:rPr>
-              <a:t>(</a:t>
-            </a:r>
-            <a:r>
-              <a:rPr lang="en-US" sz="2000" b="1" dirty="0">
-                <a:solidFill>
-                  <a:srgbClr val="CD7923"/>
-                </a:solidFill>
-                <a:latin typeface="Inconsolata" panose="020B0609030003000000" pitchFamily="49" charset="77"/>
-              </a:rPr>
-              <a:t>'Please enter another integer value: '</a:t>
-            </a:r>
-            <a:r>
-              <a:rPr lang="en-US" sz="2000" b="1" dirty="0">
-                <a:solidFill>
-                  <a:srgbClr val="000000"/>
-                </a:solidFill>
-                <a:latin typeface="Inconsolata" panose="020B0609030003000000" pitchFamily="49" charset="77"/>
-              </a:rPr>
-              <a:t>) </a:t>
-            </a:r>
-            <a:endParaRPr lang="en-US" sz="2000" b="1" dirty="0">
-              <a:solidFill>
-                <a:srgbClr val="CD7923"/>
-              </a:solidFill>
-              <a:latin typeface="Inconsolata" panose="020B0609030003000000" pitchFamily="49" charset="77"/>
-            </a:endParaRPr>
-          </a:p>
-          <a:p>
-            <a:pPr marL="0" indent="0">
-              <a:buNone/>
-            </a:pPr>
-            <a:r>
-              <a:rPr lang="en-US" sz="2000" b="1" dirty="0">
-                <a:solidFill>
-                  <a:srgbClr val="000000"/>
-                </a:solidFill>
-                <a:latin typeface="Inconsolata" panose="020B0609030003000000" pitchFamily="49" charset="77"/>
-              </a:rPr>
-              <a:t>x = </a:t>
-            </a:r>
-            <a:r>
-              <a:rPr lang="en-US" sz="2000" b="1" dirty="0">
-                <a:solidFill>
-                  <a:srgbClr val="34A327"/>
-                </a:solidFill>
-                <a:latin typeface="Inconsolata" panose="020B0609030003000000" pitchFamily="49" charset="77"/>
-              </a:rPr>
-              <a:t>int</a:t>
-            </a:r>
-            <a:r>
-              <a:rPr lang="en-US" sz="2000" b="1" dirty="0">
-                <a:solidFill>
-                  <a:srgbClr val="000000"/>
-                </a:solidFill>
-                <a:latin typeface="Inconsolata" panose="020B0609030003000000" pitchFamily="49" charset="77"/>
-              </a:rPr>
-              <a:t>(x) 	</a:t>
-            </a:r>
-            <a:r>
-              <a:rPr lang="en-US" sz="2000" b="1" dirty="0">
-                <a:solidFill>
-                  <a:schemeClr val="accent1"/>
-                </a:solidFill>
-                <a:latin typeface="Inconsolata" panose="020B0609030003000000" pitchFamily="49" charset="77"/>
-              </a:rPr>
-              <a:t># casts to an integer</a:t>
-            </a:r>
-          </a:p>
-          <a:p>
-            <a:pPr marL="0" indent="0">
-              <a:buNone/>
-            </a:pPr>
-            <a:r>
-              <a:rPr lang="en-US" sz="2000" b="1" dirty="0">
-                <a:solidFill>
-                  <a:srgbClr val="000000"/>
-                </a:solidFill>
-                <a:latin typeface="Inconsolata" panose="020B0609030003000000" pitchFamily="49" charset="77"/>
-              </a:rPr>
-              <a:t>y = </a:t>
-            </a:r>
-            <a:r>
-              <a:rPr lang="en-US" sz="2000" b="1" dirty="0">
-                <a:solidFill>
-                  <a:srgbClr val="34A327"/>
-                </a:solidFill>
-                <a:latin typeface="Inconsolata" panose="020B0609030003000000" pitchFamily="49" charset="77"/>
-              </a:rPr>
-              <a:t>int</a:t>
-            </a:r>
-            <a:r>
-              <a:rPr lang="en-US" sz="2000" b="1" dirty="0">
-                <a:solidFill>
-                  <a:srgbClr val="000000"/>
-                </a:solidFill>
-                <a:latin typeface="Inconsolata" panose="020B0609030003000000" pitchFamily="49" charset="77"/>
-              </a:rPr>
-              <a:t>(y) 	</a:t>
-            </a:r>
-            <a:r>
-              <a:rPr lang="en-US" sz="2000" b="1" dirty="0">
-                <a:solidFill>
-                  <a:schemeClr val="accent1"/>
-                </a:solidFill>
-                <a:latin typeface="Inconsolata" panose="020B0609030003000000" pitchFamily="49" charset="77"/>
-              </a:rPr>
-              <a:t># casts to an integer</a:t>
-            </a:r>
-            <a:endParaRPr lang="en-US" sz="2000" b="1" dirty="0">
-              <a:solidFill>
-                <a:srgbClr val="000000"/>
-              </a:solidFill>
-              <a:latin typeface="Inconsolata" panose="020B0609030003000000" pitchFamily="49" charset="77"/>
-            </a:endParaRPr>
-          </a:p>
-          <a:p>
-            <a:pPr marL="0" indent="0">
-              <a:buNone/>
-            </a:pPr>
-            <a:r>
-              <a:rPr lang="en-US" sz="2000" b="1" dirty="0">
-                <a:solidFill>
-                  <a:srgbClr val="34A327"/>
-                </a:solidFill>
-                <a:latin typeface="Inconsolata" panose="020B0609030003000000" pitchFamily="49" charset="77"/>
-              </a:rPr>
-              <a:t>print</a:t>
-            </a:r>
-            <a:r>
-              <a:rPr lang="en-US" sz="2000" b="1" dirty="0">
-                <a:solidFill>
-                  <a:srgbClr val="000000"/>
-                </a:solidFill>
-                <a:latin typeface="Inconsolata" panose="020B0609030003000000" pitchFamily="49" charset="77"/>
-              </a:rPr>
-              <a:t>(x, </a:t>
-            </a:r>
-            <a:r>
-              <a:rPr lang="en-US" sz="2000" b="1" dirty="0">
-                <a:solidFill>
-                  <a:srgbClr val="CD7923"/>
-                </a:solidFill>
-                <a:latin typeface="Inconsolata" panose="020B0609030003000000" pitchFamily="49" charset="77"/>
-              </a:rPr>
-              <a:t>'+'</a:t>
-            </a:r>
-            <a:r>
-              <a:rPr lang="en-US" sz="2000" b="1" dirty="0">
-                <a:solidFill>
-                  <a:srgbClr val="000000"/>
-                </a:solidFill>
-                <a:latin typeface="Inconsolata" panose="020B0609030003000000" pitchFamily="49" charset="77"/>
-              </a:rPr>
-              <a:t>, y, </a:t>
-            </a:r>
-            <a:r>
-              <a:rPr lang="en-US" sz="2000" b="1" dirty="0">
-                <a:solidFill>
-                  <a:srgbClr val="CD7923"/>
-                </a:solidFill>
-                <a:latin typeface="Inconsolata" panose="020B0609030003000000" pitchFamily="49" charset="77"/>
-              </a:rPr>
-              <a:t>'='</a:t>
-            </a:r>
-            <a:r>
-              <a:rPr lang="en-US" sz="2000" b="1" dirty="0">
-                <a:solidFill>
-                  <a:srgbClr val="000000"/>
-                </a:solidFill>
-                <a:latin typeface="Inconsolata" panose="020B0609030003000000" pitchFamily="49" charset="77"/>
-              </a:rPr>
-              <a:t>, </a:t>
-            </a:r>
-            <a:r>
-              <a:rPr lang="en-US" sz="2000" b="1" dirty="0" err="1">
-                <a:solidFill>
-                  <a:srgbClr val="000000"/>
-                </a:solidFill>
-                <a:latin typeface="Inconsolata" panose="020B0609030003000000" pitchFamily="49" charset="77"/>
-              </a:rPr>
-              <a:t>x+y</a:t>
-            </a:r>
-            <a:r>
-              <a:rPr lang="en-US" sz="2000" b="1" dirty="0">
-                <a:solidFill>
-                  <a:srgbClr val="000000"/>
-                </a:solidFill>
-                <a:latin typeface="Inconsolata" panose="020B0609030003000000" pitchFamily="49" charset="77"/>
-              </a:rPr>
-              <a:t>)  </a:t>
-            </a:r>
-          </a:p>
-          <a:p>
-            <a:pPr marL="0" indent="0">
-              <a:buNone/>
-            </a:pPr>
-            <a:r>
-              <a:rPr lang="en-US" sz="2000" dirty="0">
-                <a:solidFill>
-                  <a:srgbClr val="000000"/>
-                </a:solidFill>
-                <a:latin typeface="Inconsolata" panose="020B0609030003000000" pitchFamily="49" charset="77"/>
-              </a:rPr>
-              <a:t>                                            </a:t>
-            </a:r>
-          </a:p>
-          <a:p>
-            <a:pPr marL="0" indent="0">
-              <a:buNone/>
-            </a:pPr>
-            <a:r>
-              <a:rPr lang="en-US" sz="2000" dirty="0">
-                <a:solidFill>
-                  <a:srgbClr val="000000"/>
-                </a:solidFill>
-                <a:latin typeface="Gill Sans MT" panose="020B0502020104020203" pitchFamily="34" charset="77"/>
-              </a:rPr>
-              <a:t>Please enter an integer value: 4</a:t>
-            </a:r>
-          </a:p>
-          <a:p>
-            <a:pPr marL="0" indent="0">
-              <a:buNone/>
-            </a:pPr>
-            <a:r>
-              <a:rPr lang="en-US" sz="2000" dirty="0">
-                <a:solidFill>
-                  <a:srgbClr val="000000"/>
-                </a:solidFill>
-                <a:latin typeface="Gill Sans MT" panose="020B0502020104020203" pitchFamily="34" charset="77"/>
-              </a:rPr>
-              <a:t>Please enter another integer value: 5</a:t>
-            </a:r>
-          </a:p>
-          <a:p>
-            <a:pPr marL="0" indent="0">
-              <a:buNone/>
-            </a:pPr>
-            <a:r>
-              <a:rPr lang="en-US" sz="2000" dirty="0">
-                <a:solidFill>
-                  <a:srgbClr val="000000"/>
-                </a:solidFill>
-                <a:latin typeface="Gill Sans MT" panose="020B0502020104020203" pitchFamily="34" charset="77"/>
-              </a:rPr>
-              <a:t>4 + 5 = 9</a:t>
-            </a:r>
-          </a:p>
-          <a:p>
-            <a:pPr marL="0" indent="0">
-              <a:buNone/>
-            </a:pPr>
-            <a:endParaRPr lang="en-US" dirty="0">
-              <a:latin typeface="Gill Sans MT" panose="020B0502020104020203" pitchFamily="34" charset="77"/>
-            </a:endParaRPr>
-          </a:p>
-          <a:p>
-            <a:pPr marL="342900" lvl="1" indent="0">
-              <a:buNone/>
-            </a:pPr>
-            <a:endParaRPr lang="en-US" sz="2100" dirty="0">
-              <a:latin typeface="Gill Sans MT" panose="020B0502020104020203" pitchFamily="34" charset="77"/>
-            </a:endParaRPr>
-          </a:p>
-          <a:p>
-            <a:pPr marL="342900" lvl="1" indent="0">
-              <a:buNone/>
-            </a:pPr>
-            <a:endParaRPr lang="en-US" sz="2100" dirty="0">
-              <a:latin typeface="Gill Sans MT" panose="020B0502020104020203" pitchFamily="34" charset="77"/>
-            </a:endParaRPr>
-          </a:p>
-          <a:p>
-            <a:pPr marL="342900" lvl="1" indent="0">
-              <a:buNone/>
-            </a:pPr>
-            <a:endParaRPr lang="en-US" sz="2100" dirty="0">
-              <a:solidFill>
-                <a:srgbClr val="000087"/>
-              </a:solidFill>
-              <a:latin typeface="Gill Sans MT" panose="020B0502020104020203" pitchFamily="34" charset="77"/>
-            </a:endParaRPr>
-          </a:p>
-        </p:txBody>
-      </p:sp>
-    </p:spTree>
-    <p:extLst>
-      <p:ext uri="{BB962C8B-B14F-4D97-AF65-F5344CB8AC3E}">
-        <p14:creationId xmlns:p14="http://schemas.microsoft.com/office/powerpoint/2010/main" val="4236300541"/>
-      </p:ext>
-    </p:extLst>
-  </p:cSld>
-  <p:clrMapOvr>
-    <a:masterClrMapping/>
-  </p:clrMapOvr>
-</p:sld>
-</file>
-
-<file path=ppt/slides/slide21.xml><?xml version="1.0" encoding="utf-8"?>
-<p:sld xmlns:a="http://schemas.openxmlformats.org/drawingml/2006/main" xmlns:r="http://schemas.openxmlformats.org/officeDocument/2006/relationships" xmlns:p="http://schemas.openxmlformats.org/presentationml/2006/main">
-  <p:cSld>
-    <p:spTree>
-      <p:nvGrpSpPr>
-        <p:cNvPr id="1" name=""/>
-        <p:cNvGrpSpPr/>
-        <p:nvPr/>
-      </p:nvGrpSpPr>
-      <p:grpSpPr>
-        <a:xfrm>
-          <a:off x="0" y="0"/>
-          <a:ext cx="0" cy="0"/>
-          <a:chOff x="0" y="0"/>
-          <a:chExt cx="0" cy="0"/>
-        </a:xfrm>
-      </p:grpSpPr>
-      <p:sp>
-        <p:nvSpPr>
-          <p:cNvPr id="2" name="Title 1">
-            <a:extLst>
-              <a:ext uri="{FF2B5EF4-FFF2-40B4-BE49-F238E27FC236}">
-                <a16:creationId xmlns:a16="http://schemas.microsoft.com/office/drawing/2014/main" id="{AA3A228F-61D0-D949-A5E7-F83756230BF8}"/>
-              </a:ext>
-            </a:extLst>
-          </p:cNvPr>
-          <p:cNvSpPr>
-            <a:spLocks noGrp="1"/>
-          </p:cNvSpPr>
-          <p:nvPr>
-            <p:ph type="title"/>
-          </p:nvPr>
-        </p:nvSpPr>
-        <p:spPr>
-          <a:xfrm>
-            <a:off x="144801" y="134008"/>
-            <a:ext cx="7053542" cy="683886"/>
-          </a:xfrm>
-        </p:spPr>
-        <p:txBody>
-          <a:bodyPr/>
-          <a:lstStyle/>
-          <a:p>
-            <a:r>
-              <a:rPr lang="en-US" dirty="0"/>
-              <a:t>Input</a:t>
-            </a:r>
-          </a:p>
-        </p:txBody>
-      </p:sp>
-      <p:sp>
-        <p:nvSpPr>
-          <p:cNvPr id="9" name="Content Placeholder 8">
-            <a:extLst>
-              <a:ext uri="{FF2B5EF4-FFF2-40B4-BE49-F238E27FC236}">
-                <a16:creationId xmlns:a16="http://schemas.microsoft.com/office/drawing/2014/main" id="{E3B2E017-30B2-884B-A113-B419A2ED51AD}"/>
-              </a:ext>
-            </a:extLst>
-          </p:cNvPr>
-          <p:cNvSpPr>
-            <a:spLocks noGrp="1"/>
-          </p:cNvSpPr>
-          <p:nvPr>
-            <p:ph idx="1"/>
-          </p:nvPr>
-        </p:nvSpPr>
-        <p:spPr>
-          <a:xfrm>
-            <a:off x="144802" y="817895"/>
-            <a:ext cx="8390772" cy="4763098"/>
-          </a:xfrm>
-        </p:spPr>
-        <p:txBody>
-          <a:bodyPr>
-            <a:normAutofit/>
-          </a:bodyPr>
-          <a:lstStyle/>
-          <a:p>
-            <a:pPr marL="0" indent="0">
-              <a:buNone/>
-            </a:pPr>
-            <a:r>
-              <a:rPr lang="en-US" sz="2000" dirty="0"/>
-              <a:t>Or even more succinctly. </a:t>
-            </a:r>
-          </a:p>
-          <a:p>
-            <a:pPr marL="0" indent="0">
-              <a:buNone/>
-            </a:pPr>
-            <a:endParaRPr lang="en-US" sz="1800" b="1" dirty="0">
-              <a:solidFill>
-                <a:srgbClr val="34A327"/>
-              </a:solidFill>
-              <a:latin typeface="Inconsolata" panose="020B0609030003000000" pitchFamily="49" charset="77"/>
-            </a:endParaRPr>
-          </a:p>
-          <a:p>
-            <a:pPr marL="0" indent="0">
-              <a:buNone/>
-            </a:pPr>
-            <a:r>
-              <a:rPr lang="en-US" sz="1800" b="1" dirty="0">
-                <a:solidFill>
-                  <a:srgbClr val="000000"/>
-                </a:solidFill>
-                <a:latin typeface="Inconsolata" panose="020B0609030003000000" pitchFamily="49" charset="77"/>
-              </a:rPr>
-              <a:t>x = </a:t>
-            </a:r>
-            <a:r>
-              <a:rPr lang="en-US" sz="1800" b="1" dirty="0">
-                <a:solidFill>
-                  <a:srgbClr val="34A327"/>
-                </a:solidFill>
-                <a:latin typeface="Inconsolata" panose="020B0609030003000000" pitchFamily="49" charset="77"/>
-              </a:rPr>
-              <a:t>int(input(</a:t>
-            </a:r>
-            <a:r>
-              <a:rPr lang="en-US" sz="1800" b="1" dirty="0">
-                <a:solidFill>
-                  <a:srgbClr val="CD7923"/>
-                </a:solidFill>
-                <a:latin typeface="Inconsolata" panose="020B0609030003000000" pitchFamily="49" charset="77"/>
-              </a:rPr>
-              <a:t>‘Please enter an integer value: ’</a:t>
-            </a:r>
-            <a:r>
-              <a:rPr lang="en-US" sz="1800" b="1" dirty="0">
-                <a:solidFill>
-                  <a:srgbClr val="34A327"/>
-                </a:solidFill>
-                <a:latin typeface="Inconsolata" panose="020B0609030003000000" pitchFamily="49" charset="77"/>
-              </a:rPr>
-              <a:t>))</a:t>
-            </a:r>
-            <a:r>
-              <a:rPr lang="en-US" sz="1800" b="1" dirty="0">
-                <a:solidFill>
-                  <a:srgbClr val="000000"/>
-                </a:solidFill>
-                <a:latin typeface="Inconsolata" panose="020B0609030003000000" pitchFamily="49" charset="77"/>
-              </a:rPr>
-              <a:t> </a:t>
-            </a:r>
-            <a:endParaRPr lang="en-US" sz="1800" b="1" dirty="0">
-              <a:solidFill>
-                <a:srgbClr val="CD7923"/>
-              </a:solidFill>
-              <a:latin typeface="Inconsolata" panose="020B0609030003000000" pitchFamily="49" charset="77"/>
-            </a:endParaRPr>
-          </a:p>
-          <a:p>
-            <a:pPr marL="0" indent="0">
-              <a:buNone/>
-            </a:pPr>
-            <a:r>
-              <a:rPr lang="en-US" sz="1800" b="1" dirty="0">
-                <a:solidFill>
-                  <a:srgbClr val="000000"/>
-                </a:solidFill>
-                <a:latin typeface="Inconsolata" panose="020B0609030003000000" pitchFamily="49" charset="77"/>
-              </a:rPr>
-              <a:t>y = </a:t>
-            </a:r>
-            <a:r>
-              <a:rPr lang="en-US" sz="1800" b="1" dirty="0">
-                <a:solidFill>
-                  <a:srgbClr val="34A327"/>
-                </a:solidFill>
-                <a:latin typeface="Inconsolata" panose="020B0609030003000000" pitchFamily="49" charset="77"/>
-              </a:rPr>
-              <a:t>int(input(</a:t>
-            </a:r>
-            <a:r>
-              <a:rPr lang="en-US" sz="1800" b="1" dirty="0">
-                <a:solidFill>
-                  <a:srgbClr val="CD7923"/>
-                </a:solidFill>
-                <a:latin typeface="Inconsolata" panose="020B0609030003000000" pitchFamily="49" charset="77"/>
-              </a:rPr>
-              <a:t>'Please enter another integer value: ‘</a:t>
-            </a:r>
-            <a:r>
-              <a:rPr lang="en-US" sz="1800" b="1" dirty="0">
-                <a:solidFill>
-                  <a:srgbClr val="34A327"/>
-                </a:solidFill>
-                <a:latin typeface="Inconsolata" panose="020B0609030003000000" pitchFamily="49" charset="77"/>
-              </a:rPr>
-              <a:t>))</a:t>
-            </a:r>
-            <a:r>
-              <a:rPr lang="en-US" sz="1800" b="1" dirty="0">
-                <a:solidFill>
-                  <a:srgbClr val="000000"/>
-                </a:solidFill>
-                <a:latin typeface="Inconsolata" panose="020B0609030003000000" pitchFamily="49" charset="77"/>
-              </a:rPr>
-              <a:t> </a:t>
-            </a:r>
-            <a:endParaRPr lang="en-US" sz="1800" b="1" dirty="0">
-              <a:solidFill>
-                <a:srgbClr val="CD7923"/>
-              </a:solidFill>
-              <a:latin typeface="Inconsolata" panose="020B0609030003000000" pitchFamily="49" charset="77"/>
-            </a:endParaRPr>
-          </a:p>
-          <a:p>
-            <a:pPr marL="0" indent="0">
-              <a:buNone/>
-            </a:pPr>
-            <a:r>
-              <a:rPr lang="en-US" sz="1800" b="1" dirty="0">
-                <a:solidFill>
-                  <a:srgbClr val="34A327"/>
-                </a:solidFill>
-                <a:latin typeface="Inconsolata" panose="020B0609030003000000" pitchFamily="49" charset="77"/>
-              </a:rPr>
-              <a:t>print</a:t>
-            </a:r>
-            <a:r>
-              <a:rPr lang="en-US" sz="1800" b="1" dirty="0">
-                <a:solidFill>
-                  <a:srgbClr val="000000"/>
-                </a:solidFill>
-                <a:latin typeface="Inconsolata" panose="020B0609030003000000" pitchFamily="49" charset="77"/>
-              </a:rPr>
-              <a:t>(x, </a:t>
-            </a:r>
-            <a:r>
-              <a:rPr lang="en-US" sz="1800" b="1" dirty="0">
-                <a:solidFill>
-                  <a:srgbClr val="CD7923"/>
-                </a:solidFill>
-                <a:latin typeface="Inconsolata" panose="020B0609030003000000" pitchFamily="49" charset="77"/>
-              </a:rPr>
-              <a:t>'+'</a:t>
-            </a:r>
-            <a:r>
-              <a:rPr lang="en-US" sz="1800" b="1" dirty="0">
-                <a:solidFill>
-                  <a:srgbClr val="000000"/>
-                </a:solidFill>
-                <a:latin typeface="Inconsolata" panose="020B0609030003000000" pitchFamily="49" charset="77"/>
-              </a:rPr>
-              <a:t>, y, </a:t>
-            </a:r>
-            <a:r>
-              <a:rPr lang="en-US" sz="1800" b="1" dirty="0">
-                <a:solidFill>
-                  <a:srgbClr val="CD7923"/>
-                </a:solidFill>
-                <a:latin typeface="Inconsolata" panose="020B0609030003000000" pitchFamily="49" charset="77"/>
-              </a:rPr>
-              <a:t>'='</a:t>
-            </a:r>
-            <a:r>
-              <a:rPr lang="en-US" sz="1800" b="1" dirty="0">
-                <a:solidFill>
-                  <a:srgbClr val="000000"/>
-                </a:solidFill>
-                <a:latin typeface="Inconsolata" panose="020B0609030003000000" pitchFamily="49" charset="77"/>
-              </a:rPr>
-              <a:t>, </a:t>
-            </a:r>
-            <a:r>
-              <a:rPr lang="en-US" sz="1800" b="1" dirty="0" err="1">
-                <a:solidFill>
-                  <a:srgbClr val="000000"/>
-                </a:solidFill>
-                <a:latin typeface="Inconsolata" panose="020B0609030003000000" pitchFamily="49" charset="77"/>
-              </a:rPr>
-              <a:t>x+y</a:t>
-            </a:r>
-            <a:r>
-              <a:rPr lang="en-US" sz="1800" b="1" dirty="0">
-                <a:solidFill>
-                  <a:srgbClr val="000000"/>
-                </a:solidFill>
-                <a:latin typeface="Inconsolata" panose="020B0609030003000000" pitchFamily="49" charset="77"/>
-              </a:rPr>
-              <a:t>)  </a:t>
-            </a:r>
-          </a:p>
-          <a:p>
-            <a:pPr marL="0" indent="0">
-              <a:buNone/>
-            </a:pPr>
-            <a:r>
-              <a:rPr lang="en-US" sz="2000" dirty="0">
-                <a:solidFill>
-                  <a:srgbClr val="000000"/>
-                </a:solidFill>
-                <a:latin typeface="Inconsolata" panose="020B0609030003000000" pitchFamily="49" charset="77"/>
-              </a:rPr>
-              <a:t>                                            </a:t>
-            </a:r>
-          </a:p>
-          <a:p>
-            <a:pPr marL="0" indent="0">
-              <a:buNone/>
-            </a:pPr>
-            <a:r>
-              <a:rPr lang="en-US" sz="2000" dirty="0">
-                <a:solidFill>
-                  <a:srgbClr val="000000"/>
-                </a:solidFill>
-                <a:latin typeface="Gill Sans MT" panose="020B0502020104020203" pitchFamily="34" charset="77"/>
-              </a:rPr>
-              <a:t>Please enter an integer value: 4</a:t>
-            </a:r>
-          </a:p>
-          <a:p>
-            <a:pPr marL="0" indent="0">
-              <a:buNone/>
-            </a:pPr>
-            <a:r>
-              <a:rPr lang="en-US" sz="2000" dirty="0">
-                <a:solidFill>
-                  <a:srgbClr val="000000"/>
-                </a:solidFill>
-                <a:latin typeface="Gill Sans MT" panose="020B0502020104020203" pitchFamily="34" charset="77"/>
-              </a:rPr>
-              <a:t>Please enter another integer value: 5</a:t>
-            </a:r>
-          </a:p>
-          <a:p>
-            <a:pPr marL="0" indent="0">
-              <a:buNone/>
-            </a:pPr>
-            <a:r>
-              <a:rPr lang="en-US" sz="2000" dirty="0">
-                <a:solidFill>
-                  <a:srgbClr val="000000"/>
-                </a:solidFill>
-                <a:latin typeface="Gill Sans MT" panose="020B0502020104020203" pitchFamily="34" charset="77"/>
-              </a:rPr>
-              <a:t>4 + 5 = 9</a:t>
-            </a:r>
-          </a:p>
-          <a:p>
-            <a:pPr marL="0" indent="0">
-              <a:buNone/>
-            </a:pPr>
-            <a:endParaRPr lang="en-US" dirty="0">
-              <a:latin typeface="Gill Sans MT" panose="020B0502020104020203" pitchFamily="34" charset="77"/>
-            </a:endParaRPr>
-          </a:p>
-          <a:p>
-            <a:pPr marL="342900" lvl="1" indent="0">
-              <a:buNone/>
-            </a:pPr>
-            <a:endParaRPr lang="en-US" sz="2100" dirty="0">
-              <a:latin typeface="Gill Sans MT" panose="020B0502020104020203" pitchFamily="34" charset="77"/>
-            </a:endParaRPr>
-          </a:p>
-          <a:p>
-            <a:pPr marL="342900" lvl="1" indent="0">
-              <a:buNone/>
-            </a:pPr>
-            <a:endParaRPr lang="en-US" sz="2100" dirty="0">
-              <a:latin typeface="Gill Sans MT" panose="020B0502020104020203" pitchFamily="34" charset="77"/>
-            </a:endParaRPr>
-          </a:p>
-          <a:p>
-            <a:pPr marL="342900" lvl="1" indent="0">
-              <a:buNone/>
-            </a:pPr>
-            <a:endParaRPr lang="en-US" sz="2100" dirty="0">
-              <a:solidFill>
-                <a:srgbClr val="000087"/>
-              </a:solidFill>
-              <a:latin typeface="Gill Sans MT" panose="020B0502020104020203" pitchFamily="34" charset="77"/>
-            </a:endParaRPr>
-          </a:p>
-        </p:txBody>
-      </p:sp>
-    </p:spTree>
-    <p:extLst>
-      <p:ext uri="{BB962C8B-B14F-4D97-AF65-F5344CB8AC3E}">
-        <p14:creationId xmlns:p14="http://schemas.microsoft.com/office/powerpoint/2010/main" val="1011619775"/>
-      </p:ext>
-    </p:extLst>
-  </p:cSld>
-  <p:clrMapOvr>
-    <a:masterClrMapping/>
-  </p:clrMapOvr>
-</p:sld>
-</file>
-
-<file path=ppt/slides/slide22.xml><?xml version="1.0" encoding="utf-8"?>
-<p:sld xmlns:a="http://schemas.openxmlformats.org/drawingml/2006/main" xmlns:r="http://schemas.openxmlformats.org/officeDocument/2006/relationships" xmlns:p="http://schemas.openxmlformats.org/presentationml/2006/main">
-  <p:cSld>
-    <p:spTree>
-      <p:nvGrpSpPr>
-        <p:cNvPr id="1" name=""/>
-        <p:cNvGrpSpPr/>
-        <p:nvPr/>
-      </p:nvGrpSpPr>
-      <p:grpSpPr>
-        <a:xfrm>
-          <a:off x="0" y="0"/>
-          <a:ext cx="0" cy="0"/>
-          <a:chOff x="0" y="0"/>
-          <a:chExt cx="0" cy="0"/>
-        </a:xfrm>
-      </p:grpSpPr>
-      <p:sp>
-        <p:nvSpPr>
-          <p:cNvPr id="2" name="Title 1">
-            <a:extLst>
-              <a:ext uri="{FF2B5EF4-FFF2-40B4-BE49-F238E27FC236}">
-                <a16:creationId xmlns:a16="http://schemas.microsoft.com/office/drawing/2014/main" id="{AA3A228F-61D0-D949-A5E7-F83756230BF8}"/>
-              </a:ext>
-            </a:extLst>
-          </p:cNvPr>
-          <p:cNvSpPr>
-            <a:spLocks noGrp="1"/>
-          </p:cNvSpPr>
-          <p:nvPr>
-            <p:ph type="title"/>
-          </p:nvPr>
-        </p:nvSpPr>
-        <p:spPr>
-          <a:xfrm>
-            <a:off x="150361" y="122782"/>
-            <a:ext cx="7053542" cy="683886"/>
-          </a:xfrm>
-        </p:spPr>
-        <p:txBody>
-          <a:bodyPr/>
-          <a:lstStyle/>
-          <a:p>
-            <a:r>
-              <a:rPr lang="en-US" dirty="0"/>
-              <a:t>Lab 1</a:t>
-            </a:r>
-          </a:p>
-        </p:txBody>
-      </p:sp>
-      <p:sp>
-        <p:nvSpPr>
-          <p:cNvPr id="9" name="Content Placeholder 8">
-            <a:extLst>
-              <a:ext uri="{FF2B5EF4-FFF2-40B4-BE49-F238E27FC236}">
-                <a16:creationId xmlns:a16="http://schemas.microsoft.com/office/drawing/2014/main" id="{E3B2E017-30B2-884B-A113-B419A2ED51AD}"/>
-              </a:ext>
-            </a:extLst>
-          </p:cNvPr>
-          <p:cNvSpPr>
-            <a:spLocks noGrp="1"/>
-          </p:cNvSpPr>
-          <p:nvPr>
-            <p:ph idx="1"/>
-          </p:nvPr>
-        </p:nvSpPr>
-        <p:spPr>
-          <a:xfrm>
-            <a:off x="225912" y="806668"/>
-            <a:ext cx="8309662" cy="4908331"/>
-          </a:xfrm>
-        </p:spPr>
-        <p:txBody>
-          <a:bodyPr>
-            <a:noAutofit/>
-          </a:bodyPr>
-          <a:lstStyle/>
-          <a:p>
-            <a:pPr marL="0" indent="0">
-              <a:buNone/>
-            </a:pPr>
-            <a:r>
-              <a:rPr lang="en-US" dirty="0"/>
-              <a:t> </a:t>
-            </a:r>
-          </a:p>
-          <a:p>
-            <a:pPr marL="0" indent="0">
-              <a:buNone/>
-            </a:pPr>
-            <a:endParaRPr lang="en-US" dirty="0"/>
-          </a:p>
-          <a:p>
-            <a:pPr marL="0" indent="0">
-              <a:buNone/>
-            </a:pPr>
-            <a:r>
-              <a:rPr lang="en-US" dirty="0"/>
-              <a:t>Print some strings. Experiment with the “</a:t>
-            </a:r>
-            <a:r>
-              <a:rPr lang="en-US" dirty="0" err="1"/>
-              <a:t>sep</a:t>
-            </a:r>
-            <a:r>
-              <a:rPr lang="en-US" dirty="0"/>
-              <a:t>” and “end” parameters.</a:t>
-            </a:r>
-          </a:p>
-          <a:p>
-            <a:pPr marL="457200" indent="-457200">
-              <a:buAutoNum type="arabicParenR"/>
-            </a:pPr>
-            <a:r>
-              <a:rPr lang="en-US" dirty="0"/>
-              <a:t>Try division vs floor division with integers. Try some which has negative dividends as well as negative divisors. </a:t>
-            </a:r>
-          </a:p>
-          <a:p>
-            <a:pPr marL="457200" indent="-457200">
-              <a:buAutoNum type="arabicParenR"/>
-            </a:pPr>
-            <a:r>
-              <a:rPr lang="en-US" dirty="0"/>
-              <a:t>Initialize some floating point variables in both standard decimal notation and in exponential notation.</a:t>
-            </a:r>
-          </a:p>
-          <a:p>
-            <a:pPr marL="457200" indent="-457200">
-              <a:buAutoNum type="arabicParenR"/>
-            </a:pPr>
-            <a:r>
-              <a:rPr lang="en-US" dirty="0"/>
-              <a:t>Experiment with the type() function. </a:t>
-            </a:r>
-          </a:p>
-          <a:p>
-            <a:pPr marL="457200" indent="-457200">
-              <a:buAutoNum type="arabicParenR"/>
-            </a:pPr>
-            <a:r>
-              <a:rPr lang="en-US" dirty="0"/>
-              <a:t>Try to use int() and float() to cast.</a:t>
-            </a:r>
-          </a:p>
-          <a:p>
-            <a:pPr marL="457200" indent="-457200">
-              <a:buAutoNum type="arabicParenR"/>
-            </a:pPr>
-            <a:r>
-              <a:rPr lang="en-US" dirty="0"/>
-              <a:t>Work with </a:t>
-            </a:r>
-            <a:r>
-              <a:rPr lang="en-US" dirty="0" err="1"/>
-              <a:t>boolean</a:t>
-            </a:r>
-            <a:r>
-              <a:rPr lang="en-US" dirty="0"/>
-              <a:t> expressions.</a:t>
-            </a:r>
-          </a:p>
-          <a:p>
-            <a:pPr marL="457200" indent="-457200">
-              <a:buAutoNum type="arabicParenR"/>
-            </a:pPr>
-            <a:endParaRPr lang="en-US" dirty="0"/>
-          </a:p>
-          <a:p>
-            <a:pPr marL="457200" indent="-457200">
-              <a:buAutoNum type="arabicParenR"/>
-            </a:pPr>
-            <a:endParaRPr lang="en-US" dirty="0"/>
-          </a:p>
-          <a:p>
-            <a:pPr marL="457200" indent="-457200">
-              <a:buAutoNum type="arabicParenR"/>
-            </a:pPr>
-            <a:endParaRPr lang="en-US" dirty="0"/>
-          </a:p>
-        </p:txBody>
-      </p:sp>
-    </p:spTree>
-    <p:extLst>
-      <p:ext uri="{BB962C8B-B14F-4D97-AF65-F5344CB8AC3E}">
-        <p14:creationId xmlns:p14="http://schemas.microsoft.com/office/powerpoint/2010/main" val="2064379448"/>
-      </p:ext>
-    </p:extLst>
-  </p:cSld>
-  <p:clrMapOvr>
-    <a:masterClrMapping/>
-  </p:clrMapOvr>
-</p:sld>
-</file>
-
-<file path=ppt/slides/slide23.xml><?xml version="1.0" encoding="utf-8"?>
-<p:sld xmlns:a="http://schemas.openxmlformats.org/drawingml/2006/main" xmlns:r="http://schemas.openxmlformats.org/officeDocument/2006/relationships" xmlns:p="http://schemas.openxmlformats.org/presentationml/2006/main">
-  <p:cSld>
-    <p:spTree>
-      <p:nvGrpSpPr>
-        <p:cNvPr id="1" name=""/>
-        <p:cNvGrpSpPr/>
-        <p:nvPr/>
-      </p:nvGrpSpPr>
-      <p:grpSpPr>
-        <a:xfrm>
-          <a:off x="0" y="0"/>
-          <a:ext cx="0" cy="0"/>
-          <a:chOff x="0" y="0"/>
-          <a:chExt cx="0" cy="0"/>
-        </a:xfrm>
-      </p:grpSpPr>
-      <p:sp>
-        <p:nvSpPr>
-          <p:cNvPr id="2" name="Title 1">
-            <a:extLst>
-              <a:ext uri="{FF2B5EF4-FFF2-40B4-BE49-F238E27FC236}">
-                <a16:creationId xmlns:a16="http://schemas.microsoft.com/office/drawing/2014/main" id="{AA3A228F-61D0-D949-A5E7-F83756230BF8}"/>
-              </a:ext>
-            </a:extLst>
-          </p:cNvPr>
-          <p:cNvSpPr>
-            <a:spLocks noGrp="1"/>
-          </p:cNvSpPr>
-          <p:nvPr>
-            <p:ph type="title"/>
-          </p:nvPr>
-        </p:nvSpPr>
-        <p:spPr>
-          <a:xfrm>
-            <a:off x="483848" y="467027"/>
-            <a:ext cx="7053542" cy="683886"/>
-          </a:xfrm>
-        </p:spPr>
-        <p:txBody>
-          <a:bodyPr/>
-          <a:lstStyle/>
-          <a:p>
-            <a:r>
-              <a:rPr lang="en-US" dirty="0"/>
-              <a:t>Lab 2</a:t>
-            </a:r>
-          </a:p>
-        </p:txBody>
-      </p:sp>
-      <p:sp>
-        <p:nvSpPr>
-          <p:cNvPr id="9" name="Content Placeholder 8">
-            <a:extLst>
-              <a:ext uri="{FF2B5EF4-FFF2-40B4-BE49-F238E27FC236}">
-                <a16:creationId xmlns:a16="http://schemas.microsoft.com/office/drawing/2014/main" id="{E3B2E017-30B2-884B-A113-B419A2ED51AD}"/>
-              </a:ext>
-            </a:extLst>
-          </p:cNvPr>
-          <p:cNvSpPr>
-            <a:spLocks noGrp="1"/>
-          </p:cNvSpPr>
-          <p:nvPr>
-            <p:ph idx="1"/>
-          </p:nvPr>
-        </p:nvSpPr>
-        <p:spPr>
-          <a:xfrm>
-            <a:off x="483848" y="1150912"/>
-            <a:ext cx="8051725" cy="4564087"/>
-          </a:xfrm>
-        </p:spPr>
-        <p:txBody>
-          <a:bodyPr>
-            <a:noAutofit/>
-          </a:bodyPr>
-          <a:lstStyle/>
-          <a:p>
-            <a:pPr marL="0" indent="0">
-              <a:buNone/>
-            </a:pPr>
-            <a:endParaRPr lang="en-US" dirty="0"/>
-          </a:p>
-          <a:p>
-            <a:pPr marL="0" indent="0">
-              <a:buNone/>
-            </a:pPr>
-            <a:r>
-              <a:rPr lang="en-US" dirty="0"/>
-              <a:t>Create a new </a:t>
-            </a:r>
-            <a:r>
-              <a:rPr lang="en-US" dirty="0" err="1"/>
-              <a:t>repl</a:t>
-            </a:r>
-            <a:r>
-              <a:rPr lang="en-US" dirty="0"/>
-              <a:t> on </a:t>
-            </a:r>
-            <a:r>
-              <a:rPr lang="en-US" dirty="0" err="1"/>
-              <a:t>repl.it</a:t>
-            </a:r>
-            <a:r>
-              <a:rPr lang="en-US" dirty="0"/>
-              <a:t>.</a:t>
-            </a:r>
-          </a:p>
-          <a:p>
-            <a:pPr marL="0" indent="0">
-              <a:buNone/>
-            </a:pPr>
-            <a:endParaRPr lang="en-US" dirty="0"/>
-          </a:p>
-          <a:p>
-            <a:pPr marL="0" indent="0">
-              <a:buNone/>
-            </a:pPr>
-            <a:r>
-              <a:rPr lang="en-US" dirty="0"/>
-              <a:t>Repeat some of the things you did from Lab 1 in the script </a:t>
-            </a:r>
-            <a:r>
-              <a:rPr lang="en-US" dirty="0" err="1"/>
-              <a:t>main.py</a:t>
-            </a:r>
-            <a:r>
-              <a:rPr lang="en-US" dirty="0"/>
-              <a:t>.</a:t>
-            </a:r>
-          </a:p>
-          <a:p>
-            <a:pPr marL="0" indent="0">
-              <a:buNone/>
-            </a:pPr>
-            <a:endParaRPr lang="en-US" dirty="0"/>
-          </a:p>
-          <a:p>
-            <a:pPr marL="0" indent="0">
-              <a:buNone/>
-            </a:pPr>
-            <a:r>
-              <a:rPr lang="en-US" dirty="0"/>
-              <a:t>The </a:t>
-            </a:r>
-            <a:r>
-              <a:rPr lang="en-US" dirty="0" err="1"/>
-              <a:t>IPython</a:t>
-            </a:r>
-            <a:r>
-              <a:rPr lang="en-US" dirty="0"/>
-              <a:t> interpreter runs your code and display the outputs. In your script, you won’t have this feature. Instead, use the print() function to print out the values of your variables. </a:t>
-            </a:r>
-          </a:p>
-          <a:p>
-            <a:pPr marL="0" indent="0">
-              <a:buNone/>
-            </a:pPr>
-            <a:endParaRPr lang="en-US" dirty="0"/>
-          </a:p>
-          <a:p>
-            <a:pPr marL="457200" indent="-457200">
-              <a:buAutoNum type="arabicParenR"/>
-            </a:pPr>
-            <a:endParaRPr lang="en-US" dirty="0"/>
-          </a:p>
-        </p:txBody>
-      </p:sp>
-    </p:spTree>
-    <p:extLst>
-      <p:ext uri="{BB962C8B-B14F-4D97-AF65-F5344CB8AC3E}">
-        <p14:creationId xmlns:p14="http://schemas.microsoft.com/office/powerpoint/2010/main" val="3993483693"/>
-      </p:ext>
-    </p:extLst>
-  </p:cSld>
-  <p:clrMapOvr>
-    <a:masterClrMapping/>
-  </p:clrMapOvr>
-</p:sld>
-</file>
-
-<file path=ppt/slides/slide24.xml><?xml version="1.0" encoding="utf-8"?>
-<p:sld xmlns:a="http://schemas.openxmlformats.org/drawingml/2006/main" xmlns:r="http://schemas.openxmlformats.org/officeDocument/2006/relationships" xmlns:p="http://schemas.openxmlformats.org/presentationml/2006/main">
-  <p:cSld>
-    <p:spTree>
-      <p:nvGrpSpPr>
-        <p:cNvPr id="1" name=""/>
-        <p:cNvGrpSpPr/>
-        <p:nvPr/>
-      </p:nvGrpSpPr>
-      <p:grpSpPr>
-        <a:xfrm>
-          <a:off x="0" y="0"/>
-          <a:ext cx="0" cy="0"/>
-          <a:chOff x="0" y="0"/>
-          <a:chExt cx="0" cy="0"/>
-        </a:xfrm>
-      </p:grpSpPr>
-      <p:sp>
-        <p:nvSpPr>
-          <p:cNvPr id="2" name="Title 1">
-            <a:extLst>
-              <a:ext uri="{FF2B5EF4-FFF2-40B4-BE49-F238E27FC236}">
-                <a16:creationId xmlns:a16="http://schemas.microsoft.com/office/drawing/2014/main" id="{AA3A228F-61D0-D949-A5E7-F83756230BF8}"/>
-              </a:ext>
-            </a:extLst>
-          </p:cNvPr>
-          <p:cNvSpPr>
-            <a:spLocks noGrp="1"/>
-          </p:cNvSpPr>
-          <p:nvPr>
-            <p:ph type="title"/>
-          </p:nvPr>
-        </p:nvSpPr>
-        <p:spPr>
-          <a:xfrm>
-            <a:off x="483848" y="467027"/>
-            <a:ext cx="7053542" cy="683886"/>
-          </a:xfrm>
-        </p:spPr>
-        <p:txBody>
-          <a:bodyPr/>
-          <a:lstStyle/>
-          <a:p>
-            <a:r>
-              <a:rPr lang="en-US" dirty="0"/>
-              <a:t>References</a:t>
-            </a:r>
-          </a:p>
-        </p:txBody>
-      </p:sp>
-      <p:sp>
-        <p:nvSpPr>
-          <p:cNvPr id="9" name="Content Placeholder 8">
-            <a:extLst>
-              <a:ext uri="{FF2B5EF4-FFF2-40B4-BE49-F238E27FC236}">
-                <a16:creationId xmlns:a16="http://schemas.microsoft.com/office/drawing/2014/main" id="{E3B2E017-30B2-884B-A113-B419A2ED51AD}"/>
-              </a:ext>
-            </a:extLst>
-          </p:cNvPr>
-          <p:cNvSpPr>
-            <a:spLocks noGrp="1"/>
-          </p:cNvSpPr>
-          <p:nvPr>
-            <p:ph idx="1"/>
-          </p:nvPr>
-        </p:nvSpPr>
-        <p:spPr>
-          <a:xfrm>
-            <a:off x="483848" y="1150913"/>
-            <a:ext cx="8051725" cy="4440590"/>
-          </a:xfrm>
-        </p:spPr>
-        <p:txBody>
-          <a:bodyPr>
-            <a:noAutofit/>
-          </a:bodyPr>
-          <a:lstStyle/>
-          <a:p>
-            <a:pPr marL="0" indent="0">
-              <a:buNone/>
-            </a:pPr>
-            <a:endParaRPr lang="en-US" dirty="0"/>
-          </a:p>
-          <a:p>
-            <a:pPr marL="0" indent="0">
-              <a:buNone/>
-            </a:pPr>
-            <a:endParaRPr lang="en-US"/>
-          </a:p>
-          <a:p>
-            <a:pPr marL="0" indent="0">
-              <a:buNone/>
-            </a:pPr>
-            <a:endParaRPr lang="en-US" dirty="0"/>
-          </a:p>
-          <a:p>
-            <a:pPr marL="457200" indent="-457200">
-              <a:buAutoNum type="arabicParenR"/>
-            </a:pPr>
-            <a:r>
-              <a:rPr lang="en-US" dirty="0" err="1"/>
-              <a:t>Vanderplas</a:t>
-            </a:r>
-            <a:r>
-              <a:rPr lang="en-US" dirty="0"/>
-              <a:t>, Jake, A Whirlwind Tour of Python, </a:t>
-            </a:r>
-            <a:r>
-              <a:rPr lang="en-US" dirty="0" err="1"/>
-              <a:t>O’reilly</a:t>
-            </a:r>
-            <a:r>
-              <a:rPr lang="en-US" dirty="0"/>
-              <a:t> Media. </a:t>
-            </a:r>
-          </a:p>
-          <a:p>
-            <a:pPr marL="0" indent="0">
-              <a:buNone/>
-            </a:pPr>
-            <a:endParaRPr lang="en-US" dirty="0"/>
-          </a:p>
-          <a:p>
-            <a:pPr marL="0" indent="0">
-              <a:buNone/>
-            </a:pPr>
-            <a:r>
-              <a:rPr lang="en-US" dirty="0"/>
-              <a:t>This book is completely free and can be downloaded online at </a:t>
-            </a:r>
-            <a:r>
-              <a:rPr lang="en-US" dirty="0" err="1"/>
-              <a:t>O’reilly’s</a:t>
-            </a:r>
-            <a:r>
-              <a:rPr lang="en-US" dirty="0"/>
-              <a:t> site. </a:t>
-            </a:r>
-          </a:p>
-        </p:txBody>
-      </p:sp>
-    </p:spTree>
-    <p:extLst>
-      <p:ext uri="{BB962C8B-B14F-4D97-AF65-F5344CB8AC3E}">
-        <p14:creationId xmlns:p14="http://schemas.microsoft.com/office/powerpoint/2010/main" val="1438711869"/>
-      </p:ext>
-    </p:extLst>
-  </p:cSld>
-  <p:clrMapOvr>
-    <a:masterClrMapping/>
-  </p:clrMapOvr>
-</p:sld>
-</file>
-
-<file path=ppt/slides/slide3.xml><?xml version="1.0" encoding="utf-8"?>
-<p:sld xmlns:a="http://schemas.openxmlformats.org/drawingml/2006/main" xmlns:r="http://schemas.openxmlformats.org/officeDocument/2006/relationships" xmlns:p="http://schemas.openxmlformats.org/presentationml/2006/main">
-  <p:cSld>
-    <p:spTree>
-      <p:nvGrpSpPr>
-        <p:cNvPr id="1" name=""/>
-        <p:cNvGrpSpPr/>
-        <p:nvPr/>
-      </p:nvGrpSpPr>
-      <p:grpSpPr>
-        <a:xfrm>
-          <a:off x="0" y="0"/>
-          <a:ext cx="0" cy="0"/>
-          <a:chOff x="0" y="0"/>
-          <a:chExt cx="0" cy="0"/>
-        </a:xfrm>
-      </p:grpSpPr>
-      <p:sp>
-        <p:nvSpPr>
-          <p:cNvPr id="2" name="Title 1">
-            <a:extLst>
-              <a:ext uri="{FF2B5EF4-FFF2-40B4-BE49-F238E27FC236}">
-                <a16:creationId xmlns:a16="http://schemas.microsoft.com/office/drawing/2014/main" id="{AA3A228F-61D0-D949-A5E7-F83756230BF8}"/>
-              </a:ext>
-            </a:extLst>
-          </p:cNvPr>
-          <p:cNvSpPr>
-            <a:spLocks noGrp="1"/>
-          </p:cNvSpPr>
-          <p:nvPr>
-            <p:ph type="title"/>
-          </p:nvPr>
-        </p:nvSpPr>
-        <p:spPr>
-          <a:xfrm>
-            <a:off x="155075" y="127980"/>
-            <a:ext cx="7053542" cy="683886"/>
-          </a:xfrm>
-        </p:spPr>
-        <p:txBody>
-          <a:bodyPr/>
-          <a:lstStyle/>
-          <a:p>
-            <a:r>
-              <a:rPr lang="en-US" dirty="0"/>
-              <a:t>Software</a:t>
-            </a:r>
-          </a:p>
-        </p:txBody>
-      </p:sp>
-      <p:sp>
-        <p:nvSpPr>
-          <p:cNvPr id="9" name="Content Placeholder 8">
-            <a:extLst>
-              <a:ext uri="{FF2B5EF4-FFF2-40B4-BE49-F238E27FC236}">
-                <a16:creationId xmlns:a16="http://schemas.microsoft.com/office/drawing/2014/main" id="{E3B2E017-30B2-884B-A113-B419A2ED51AD}"/>
-              </a:ext>
-            </a:extLst>
-          </p:cNvPr>
-          <p:cNvSpPr>
-            <a:spLocks noGrp="1"/>
-          </p:cNvSpPr>
-          <p:nvPr>
-            <p:ph idx="1"/>
-          </p:nvPr>
-        </p:nvSpPr>
-        <p:spPr>
-          <a:xfrm>
-            <a:off x="256854" y="811866"/>
-            <a:ext cx="8887146" cy="4489599"/>
-          </a:xfrm>
-        </p:spPr>
-        <p:txBody>
-          <a:bodyPr/>
-          <a:lstStyle/>
-          <a:p>
-            <a:pPr marL="0" indent="0">
-              <a:buNone/>
-            </a:pPr>
-            <a:r>
-              <a:rPr lang="en-US" dirty="0"/>
-              <a:t>A </a:t>
-            </a:r>
-            <a:r>
-              <a:rPr lang="en-US" b="1" dirty="0"/>
-              <a:t>program</a:t>
-            </a:r>
-            <a:r>
-              <a:rPr lang="en-US" i="1" dirty="0"/>
-              <a:t> </a:t>
-            </a:r>
-            <a:r>
-              <a:rPr lang="en-US" dirty="0"/>
-              <a:t>is a collection of program statements that performs a specific task when run by a computer. A program is often referred to as </a:t>
-            </a:r>
-            <a:r>
-              <a:rPr lang="en-US" b="1" dirty="0"/>
-              <a:t>software</a:t>
-            </a:r>
-            <a:r>
-              <a:rPr lang="en-US" dirty="0"/>
-              <a:t>.</a:t>
-            </a:r>
-          </a:p>
-          <a:p>
-            <a:pPr marL="0" indent="0">
-              <a:buNone/>
-            </a:pPr>
-            <a:endParaRPr lang="en-US" dirty="0"/>
-          </a:p>
-          <a:p>
-            <a:pPr marL="0" indent="0">
-              <a:buNone/>
-            </a:pPr>
-            <a:r>
-              <a:rPr lang="en-US" dirty="0"/>
-              <a:t>A program can be written in many programming languages. We will be using Python in this course. </a:t>
-            </a:r>
-          </a:p>
-          <a:p>
-            <a:pPr marL="0" indent="0">
-              <a:buNone/>
-            </a:pPr>
-            <a:r>
-              <a:rPr lang="en-US" dirty="0"/>
-              <a:t> </a:t>
-            </a:r>
-          </a:p>
-          <a:p>
-            <a:pPr marL="0" indent="0">
-              <a:buNone/>
-            </a:pPr>
-            <a:r>
-              <a:rPr lang="en-US" dirty="0"/>
-              <a:t>By convention, Python code is stored in a file called a </a:t>
-            </a:r>
-            <a:r>
-              <a:rPr lang="en-US" b="1" dirty="0"/>
-              <a:t>script</a:t>
-            </a:r>
-            <a:r>
-              <a:rPr lang="en-US" dirty="0"/>
-              <a:t> with a </a:t>
-            </a:r>
-            <a:r>
-              <a:rPr lang="en-US" i="1" dirty="0"/>
-              <a:t>.</a:t>
-            </a:r>
-            <a:r>
-              <a:rPr lang="en-US" i="1" dirty="0" err="1"/>
-              <a:t>py</a:t>
-            </a:r>
-            <a:r>
-              <a:rPr lang="en-US" i="1" dirty="0"/>
-              <a:t> </a:t>
-            </a:r>
-            <a:r>
-              <a:rPr lang="en-US" dirty="0"/>
-              <a:t>extension. Scripts are written using an </a:t>
-            </a:r>
-            <a:r>
-              <a:rPr lang="en-US" b="1" dirty="0"/>
-              <a:t>IDE</a:t>
-            </a:r>
-            <a:r>
-              <a:rPr lang="en-US" dirty="0"/>
-              <a:t>(Integrated Development Environment). </a:t>
-            </a:r>
-          </a:p>
-          <a:p>
-            <a:pPr marL="0" indent="0">
-              <a:buNone/>
-            </a:pPr>
-            <a:endParaRPr lang="en-US" dirty="0"/>
-          </a:p>
-          <a:p>
-            <a:pPr marL="0" indent="0">
-              <a:buNone/>
-            </a:pPr>
-            <a:r>
-              <a:rPr lang="en-US" dirty="0"/>
-              <a:t>We will initially use an online IDE (</a:t>
-            </a:r>
-            <a:r>
-              <a:rPr lang="en-US" dirty="0" err="1"/>
-              <a:t>repl.it</a:t>
-            </a:r>
-            <a:r>
-              <a:rPr lang="en-US" dirty="0"/>
-              <a:t>, login with your Google account) to learn the basics of Python. A popular IDE that can be installed locally on your computer is  Visual Studio Code.</a:t>
-            </a:r>
-          </a:p>
-          <a:p>
-            <a:pPr marL="0" indent="0">
-              <a:buNone/>
-            </a:pPr>
-            <a:endParaRPr lang="en-US" dirty="0"/>
-          </a:p>
-        </p:txBody>
-      </p:sp>
-    </p:spTree>
-    <p:extLst>
-      <p:ext uri="{BB962C8B-B14F-4D97-AF65-F5344CB8AC3E}">
-        <p14:creationId xmlns:p14="http://schemas.microsoft.com/office/powerpoint/2010/main" val="3618694306"/>
-      </p:ext>
-    </p:extLst>
-  </p:cSld>
-  <p:clrMapOvr>
-    <a:masterClrMapping/>
-  </p:clrMapOvr>
 </p:sld>
 </file>
 
